--- a/Doc/Software patterns in Delphi.pptx
+++ b/Doc/Software patterns in Delphi.pptx
@@ -30,6 +30,7 @@
     <p:sldId id="283" r:id="rId24"/>
     <p:sldId id="286" r:id="rId25"/>
     <p:sldId id="285" r:id="rId26"/>
+    <p:sldId id="287" r:id="rId27"/>
   </p:sldIdLst>
   <p:sldSz cx="12192000" cy="6858000"/>
   <p:notesSz cx="6858000" cy="9144000"/>
@@ -128,6 +129,11 @@
       </a:defRPr>
     </a:lvl9pPr>
   </p:defaultTextStyle>
+  <p:extLst>
+    <p:ext uri="{EFAFB233-063F-42B5-8137-9DF3F51BA10A}">
+      <p15:sldGuideLst xmlns:p15="http://schemas.microsoft.com/office/powerpoint/2012/main"/>
+    </p:ext>
+  </p:extLst>
 </p:presentation>
 </file>
 
@@ -193,7 +199,7 @@
           <a:noFill/>
           <a:extLst>
             <a:ext uri="{909E8E84-426E-40dd-AFC4-6F175D3DCCD1}">
-              <a14:hiddenFill xmlns:a14="http://schemas.microsoft.com/office/drawing/2010/main" xmlns="">
+              <a14:hiddenFill xmlns="" xmlns:a14="http://schemas.microsoft.com/office/drawing/2010/main">
                 <a:solidFill>
                   <a:srgbClr val="FFFFFF"/>
                 </a:solidFill>
@@ -253,7 +259,7 @@
             </a:ln>
             <a:extLst>
               <a:ext uri="{91240B29-F687-4f45-9708-019B960494DF}">
-                <a14:hiddenLine xmlns:a14="http://schemas.microsoft.com/office/drawing/2010/main" xmlns="" w="9525">
+                <a14:hiddenLine xmlns="" xmlns:a14="http://schemas.microsoft.com/office/drawing/2010/main" w="9525">
                   <a:solidFill>
                     <a:srgbClr val="000000"/>
                   </a:solidFill>
@@ -343,7 +349,7 @@
             </a:ln>
             <a:extLst>
               <a:ext uri="{91240B29-F687-4f45-9708-019B960494DF}">
-                <a14:hiddenLine xmlns:a14="http://schemas.microsoft.com/office/drawing/2010/main" xmlns="" w="9525">
+                <a14:hiddenLine xmlns="" xmlns:a14="http://schemas.microsoft.com/office/drawing/2010/main" w="9525">
                   <a:solidFill>
                     <a:srgbClr val="000000"/>
                   </a:solidFill>
@@ -433,7 +439,7 @@
             </a:ln>
             <a:extLst>
               <a:ext uri="{91240B29-F687-4f45-9708-019B960494DF}">
-                <a14:hiddenLine xmlns:a14="http://schemas.microsoft.com/office/drawing/2010/main" xmlns="" w="9525">
+                <a14:hiddenLine xmlns="" xmlns:a14="http://schemas.microsoft.com/office/drawing/2010/main" w="9525">
                   <a:solidFill>
                     <a:srgbClr val="000000"/>
                   </a:solidFill>
@@ -467,7 +473,7 @@
             </a:ln>
             <a:extLst>
               <a:ext uri="{91240B29-F687-4f45-9708-019B960494DF}">
-                <a14:hiddenLine xmlns:a14="http://schemas.microsoft.com/office/drawing/2010/main" xmlns="" w="9525">
+                <a14:hiddenLine xmlns="" xmlns:a14="http://schemas.microsoft.com/office/drawing/2010/main" w="9525">
                   <a:solidFill>
                     <a:srgbClr val="000000"/>
                   </a:solidFill>
@@ -557,7 +563,7 @@
             </a:ln>
             <a:extLst>
               <a:ext uri="{91240B29-F687-4f45-9708-019B960494DF}">
-                <a14:hiddenLine xmlns:a14="http://schemas.microsoft.com/office/drawing/2010/main" xmlns="" w="9525">
+                <a14:hiddenLine xmlns="" xmlns:a14="http://schemas.microsoft.com/office/drawing/2010/main" w="9525">
                   <a:solidFill>
                     <a:srgbClr val="000000"/>
                   </a:solidFill>
@@ -619,7 +625,7 @@
             </a:ln>
             <a:extLst>
               <a:ext uri="{91240B29-F687-4f45-9708-019B960494DF}">
-                <a14:hiddenLine xmlns:a14="http://schemas.microsoft.com/office/drawing/2010/main" xmlns="" w="9525">
+                <a14:hiddenLine xmlns="" xmlns:a14="http://schemas.microsoft.com/office/drawing/2010/main" w="9525">
                   <a:solidFill>
                     <a:srgbClr val="000000"/>
                   </a:solidFill>
@@ -681,7 +687,7 @@
             </a:ln>
             <a:extLst>
               <a:ext uri="{91240B29-F687-4f45-9708-019B960494DF}">
-                <a14:hiddenLine xmlns:a14="http://schemas.microsoft.com/office/drawing/2010/main" xmlns="" w="9525">
+                <a14:hiddenLine xmlns="" xmlns:a14="http://schemas.microsoft.com/office/drawing/2010/main" w="9525">
                   <a:solidFill>
                     <a:srgbClr val="000000"/>
                   </a:solidFill>
@@ -771,7 +777,7 @@
             </a:ln>
             <a:extLst>
               <a:ext uri="{91240B29-F687-4f45-9708-019B960494DF}">
-                <a14:hiddenLine xmlns:a14="http://schemas.microsoft.com/office/drawing/2010/main" xmlns="" w="9525">
+                <a14:hiddenLine xmlns="" xmlns:a14="http://schemas.microsoft.com/office/drawing/2010/main" w="9525">
                   <a:solidFill>
                     <a:srgbClr val="000000"/>
                   </a:solidFill>
@@ -833,7 +839,7 @@
             </a:ln>
             <a:extLst>
               <a:ext uri="{91240B29-F687-4f45-9708-019B960494DF}">
-                <a14:hiddenLine xmlns:a14="http://schemas.microsoft.com/office/drawing/2010/main" xmlns="" w="9525">
+                <a14:hiddenLine xmlns="" xmlns:a14="http://schemas.microsoft.com/office/drawing/2010/main" w="9525">
                   <a:solidFill>
                     <a:srgbClr val="000000"/>
                   </a:solidFill>
@@ -895,7 +901,7 @@
             </a:ln>
             <a:extLst>
               <a:ext uri="{91240B29-F687-4f45-9708-019B960494DF}">
-                <a14:hiddenLine xmlns:a14="http://schemas.microsoft.com/office/drawing/2010/main" xmlns="" w="9525">
+                <a14:hiddenLine xmlns="" xmlns:a14="http://schemas.microsoft.com/office/drawing/2010/main" w="9525">
                   <a:solidFill>
                     <a:srgbClr val="000000"/>
                   </a:solidFill>
@@ -985,7 +991,7 @@
             </a:ln>
             <a:extLst>
               <a:ext uri="{91240B29-F687-4f45-9708-019B960494DF}">
-                <a14:hiddenLine xmlns:a14="http://schemas.microsoft.com/office/drawing/2010/main" xmlns="" w="9525">
+                <a14:hiddenLine xmlns="" xmlns:a14="http://schemas.microsoft.com/office/drawing/2010/main" w="9525">
                   <a:solidFill>
                     <a:srgbClr val="000000"/>
                   </a:solidFill>
@@ -1075,7 +1081,7 @@
             </a:ln>
             <a:extLst>
               <a:ext uri="{91240B29-F687-4f45-9708-019B960494DF}">
-                <a14:hiddenLine xmlns:a14="http://schemas.microsoft.com/office/drawing/2010/main" xmlns="" w="9525">
+                <a14:hiddenLine xmlns="" xmlns:a14="http://schemas.microsoft.com/office/drawing/2010/main" w="9525">
                   <a:solidFill>
                     <a:srgbClr val="000000"/>
                   </a:solidFill>
@@ -1137,7 +1143,7 @@
             </a:ln>
             <a:extLst>
               <a:ext uri="{91240B29-F687-4f45-9708-019B960494DF}">
-                <a14:hiddenLine xmlns:a14="http://schemas.microsoft.com/office/drawing/2010/main" xmlns="" w="9525">
+                <a14:hiddenLine xmlns="" xmlns:a14="http://schemas.microsoft.com/office/drawing/2010/main" w="9525">
                   <a:solidFill>
                     <a:srgbClr val="000000"/>
                   </a:solidFill>
@@ -1247,7 +1253,7 @@
             </a:ln>
             <a:extLst>
               <a:ext uri="{91240B29-F687-4f45-9708-019B960494DF}">
-                <a14:hiddenLine xmlns:a14="http://schemas.microsoft.com/office/drawing/2010/main" xmlns="" w="9525">
+                <a14:hiddenLine xmlns="" xmlns:a14="http://schemas.microsoft.com/office/drawing/2010/main" w="9525">
                   <a:solidFill>
                     <a:srgbClr val="000000"/>
                   </a:solidFill>
@@ -1309,7 +1315,7 @@
             </a:ln>
             <a:extLst>
               <a:ext uri="{91240B29-F687-4f45-9708-019B960494DF}">
-                <a14:hiddenLine xmlns:a14="http://schemas.microsoft.com/office/drawing/2010/main" xmlns="" w="9525">
+                <a14:hiddenLine xmlns="" xmlns:a14="http://schemas.microsoft.com/office/drawing/2010/main" w="9525">
                   <a:solidFill>
                     <a:srgbClr val="000000"/>
                   </a:solidFill>
@@ -1399,7 +1405,7 @@
             </a:ln>
             <a:extLst>
               <a:ext uri="{91240B29-F687-4f45-9708-019B960494DF}">
-                <a14:hiddenLine xmlns:a14="http://schemas.microsoft.com/office/drawing/2010/main" xmlns="" w="9525">
+                <a14:hiddenLine xmlns="" xmlns:a14="http://schemas.microsoft.com/office/drawing/2010/main" w="9525">
                   <a:solidFill>
                     <a:srgbClr val="000000"/>
                   </a:solidFill>
@@ -1489,7 +1495,7 @@
             </a:ln>
             <a:extLst>
               <a:ext uri="{91240B29-F687-4f45-9708-019B960494DF}">
-                <a14:hiddenLine xmlns:a14="http://schemas.microsoft.com/office/drawing/2010/main" xmlns="" w="9525">
+                <a14:hiddenLine xmlns="" xmlns:a14="http://schemas.microsoft.com/office/drawing/2010/main" w="9525">
                   <a:solidFill>
                     <a:srgbClr val="000000"/>
                   </a:solidFill>
@@ -1551,7 +1557,7 @@
             </a:ln>
             <a:extLst>
               <a:ext uri="{91240B29-F687-4f45-9708-019B960494DF}">
-                <a14:hiddenLine xmlns:a14="http://schemas.microsoft.com/office/drawing/2010/main" xmlns="" w="9525">
+                <a14:hiddenLine xmlns="" xmlns:a14="http://schemas.microsoft.com/office/drawing/2010/main" w="9525">
                   <a:solidFill>
                     <a:srgbClr val="000000"/>
                   </a:solidFill>
@@ -1641,7 +1647,7 @@
             </a:ln>
             <a:extLst>
               <a:ext uri="{91240B29-F687-4f45-9708-019B960494DF}">
-                <a14:hiddenLine xmlns:a14="http://schemas.microsoft.com/office/drawing/2010/main" xmlns="" w="9525">
+                <a14:hiddenLine xmlns="" xmlns:a14="http://schemas.microsoft.com/office/drawing/2010/main" w="9525">
                   <a:solidFill>
                     <a:srgbClr val="000000"/>
                   </a:solidFill>
@@ -1731,7 +1737,7 @@
             </a:ln>
             <a:extLst>
               <a:ext uri="{91240B29-F687-4f45-9708-019B960494DF}">
-                <a14:hiddenLine xmlns:a14="http://schemas.microsoft.com/office/drawing/2010/main" xmlns="" w="9525">
+                <a14:hiddenLine xmlns="" xmlns:a14="http://schemas.microsoft.com/office/drawing/2010/main" w="9525">
                   <a:solidFill>
                     <a:srgbClr val="000000"/>
                   </a:solidFill>
@@ -1787,7 +1793,7 @@
             </a:ln>
             <a:extLst>
               <a:ext uri="{91240B29-F687-4f45-9708-019B960494DF}">
-                <a14:hiddenLine xmlns:a14="http://schemas.microsoft.com/office/drawing/2010/main" xmlns="" w="9525">
+                <a14:hiddenLine xmlns="" xmlns:a14="http://schemas.microsoft.com/office/drawing/2010/main" w="9525">
                   <a:solidFill>
                     <a:srgbClr val="000000"/>
                   </a:solidFill>
@@ -1877,7 +1883,7 @@
             </a:ln>
             <a:extLst>
               <a:ext uri="{91240B29-F687-4f45-9708-019B960494DF}">
-                <a14:hiddenLine xmlns:a14="http://schemas.microsoft.com/office/drawing/2010/main" xmlns="" w="9525">
+                <a14:hiddenLine xmlns="" xmlns:a14="http://schemas.microsoft.com/office/drawing/2010/main" w="9525">
                   <a:solidFill>
                     <a:srgbClr val="000000"/>
                   </a:solidFill>
@@ -1933,7 +1939,7 @@
             </a:ln>
             <a:extLst>
               <a:ext uri="{91240B29-F687-4f45-9708-019B960494DF}">
-                <a14:hiddenLine xmlns:a14="http://schemas.microsoft.com/office/drawing/2010/main" xmlns="" w="9525">
+                <a14:hiddenLine xmlns="" xmlns:a14="http://schemas.microsoft.com/office/drawing/2010/main" w="9525">
                   <a:solidFill>
                     <a:srgbClr val="000000"/>
                   </a:solidFill>
@@ -2023,7 +2029,7 @@
             </a:ln>
             <a:extLst>
               <a:ext uri="{91240B29-F687-4f45-9708-019B960494DF}">
-                <a14:hiddenLine xmlns:a14="http://schemas.microsoft.com/office/drawing/2010/main" xmlns="" w="9525">
+                <a14:hiddenLine xmlns="" xmlns:a14="http://schemas.microsoft.com/office/drawing/2010/main" w="9525">
                   <a:solidFill>
                     <a:srgbClr val="000000"/>
                   </a:solidFill>
@@ -2091,7 +2097,7 @@
             </a:ln>
             <a:extLst>
               <a:ext uri="{91240B29-F687-4f45-9708-019B960494DF}">
-                <a14:hiddenLine xmlns:a14="http://schemas.microsoft.com/office/drawing/2010/main" xmlns="" w="9525">
+                <a14:hiddenLine xmlns="" xmlns:a14="http://schemas.microsoft.com/office/drawing/2010/main" w="9525">
                   <a:solidFill>
                     <a:srgbClr val="000000"/>
                   </a:solidFill>
@@ -2181,7 +2187,7 @@
             </a:ln>
             <a:extLst>
               <a:ext uri="{91240B29-F687-4f45-9708-019B960494DF}">
-                <a14:hiddenLine xmlns:a14="http://schemas.microsoft.com/office/drawing/2010/main" xmlns="" w="9525">
+                <a14:hiddenLine xmlns="" xmlns:a14="http://schemas.microsoft.com/office/drawing/2010/main" w="9525">
                   <a:solidFill>
                     <a:srgbClr val="000000"/>
                   </a:solidFill>
@@ -2249,7 +2255,7 @@
             </a:ln>
             <a:extLst>
               <a:ext uri="{91240B29-F687-4f45-9708-019B960494DF}">
-                <a14:hiddenLine xmlns:a14="http://schemas.microsoft.com/office/drawing/2010/main" xmlns="" w="9525">
+                <a14:hiddenLine xmlns="" xmlns:a14="http://schemas.microsoft.com/office/drawing/2010/main" w="9525">
                   <a:solidFill>
                     <a:srgbClr val="000000"/>
                   </a:solidFill>
@@ -2339,7 +2345,7 @@
             </a:ln>
             <a:extLst>
               <a:ext uri="{91240B29-F687-4f45-9708-019B960494DF}">
-                <a14:hiddenLine xmlns:a14="http://schemas.microsoft.com/office/drawing/2010/main" xmlns="" w="9525">
+                <a14:hiddenLine xmlns="" xmlns:a14="http://schemas.microsoft.com/office/drawing/2010/main" w="9525">
                   <a:solidFill>
                     <a:srgbClr val="000000"/>
                   </a:solidFill>
@@ -2373,7 +2379,7 @@
             </a:ln>
             <a:extLst>
               <a:ext uri="{91240B29-F687-4f45-9708-019B960494DF}">
-                <a14:hiddenLine xmlns:a14="http://schemas.microsoft.com/office/drawing/2010/main" xmlns="" w="9525">
+                <a14:hiddenLine xmlns="" xmlns:a14="http://schemas.microsoft.com/office/drawing/2010/main" w="9525">
                   <a:solidFill>
                     <a:srgbClr val="000000"/>
                   </a:solidFill>
@@ -2463,7 +2469,7 @@
             </a:ln>
             <a:extLst>
               <a:ext uri="{91240B29-F687-4f45-9708-019B960494DF}">
-                <a14:hiddenLine xmlns:a14="http://schemas.microsoft.com/office/drawing/2010/main" xmlns="" w="9525">
+                <a14:hiddenLine xmlns="" xmlns:a14="http://schemas.microsoft.com/office/drawing/2010/main" w="9525">
                   <a:solidFill>
                     <a:srgbClr val="000000"/>
                   </a:solidFill>
@@ -2525,7 +2531,7 @@
             </a:ln>
             <a:extLst>
               <a:ext uri="{91240B29-F687-4f45-9708-019B960494DF}">
-                <a14:hiddenLine xmlns:a14="http://schemas.microsoft.com/office/drawing/2010/main" xmlns="" w="9525">
+                <a14:hiddenLine xmlns="" xmlns:a14="http://schemas.microsoft.com/office/drawing/2010/main" w="9525">
                   <a:solidFill>
                     <a:srgbClr val="000000"/>
                   </a:solidFill>
@@ -2587,7 +2593,7 @@
             </a:ln>
             <a:extLst>
               <a:ext uri="{91240B29-F687-4f45-9708-019B960494DF}">
-                <a14:hiddenLine xmlns:a14="http://schemas.microsoft.com/office/drawing/2010/main" xmlns="" w="9525">
+                <a14:hiddenLine xmlns="" xmlns:a14="http://schemas.microsoft.com/office/drawing/2010/main" w="9525">
                   <a:solidFill>
                     <a:srgbClr val="000000"/>
                   </a:solidFill>
@@ -2677,7 +2683,7 @@
             </a:ln>
             <a:extLst>
               <a:ext uri="{91240B29-F687-4f45-9708-019B960494DF}">
-                <a14:hiddenLine xmlns:a14="http://schemas.microsoft.com/office/drawing/2010/main" xmlns="" w="9525">
+                <a14:hiddenLine xmlns="" xmlns:a14="http://schemas.microsoft.com/office/drawing/2010/main" w="9525">
                   <a:solidFill>
                     <a:srgbClr val="000000"/>
                   </a:solidFill>
@@ -2745,7 +2751,7 @@
             </a:ln>
             <a:extLst>
               <a:ext uri="{91240B29-F687-4f45-9708-019B960494DF}">
-                <a14:hiddenLine xmlns:a14="http://schemas.microsoft.com/office/drawing/2010/main" xmlns="" w="9525">
+                <a14:hiddenLine xmlns="" xmlns:a14="http://schemas.microsoft.com/office/drawing/2010/main" w="9525">
                   <a:solidFill>
                     <a:srgbClr val="000000"/>
                   </a:solidFill>
@@ -2807,7 +2813,7 @@
             </a:ln>
             <a:extLst>
               <a:ext uri="{91240B29-F687-4f45-9708-019B960494DF}">
-                <a14:hiddenLine xmlns:a14="http://schemas.microsoft.com/office/drawing/2010/main" xmlns="" w="9525">
+                <a14:hiddenLine xmlns="" xmlns:a14="http://schemas.microsoft.com/office/drawing/2010/main" w="9525">
                   <a:solidFill>
                     <a:srgbClr val="000000"/>
                   </a:solidFill>
@@ -2897,7 +2903,7 @@
             </a:ln>
             <a:extLst>
               <a:ext uri="{91240B29-F687-4f45-9708-019B960494DF}">
-                <a14:hiddenLine xmlns:a14="http://schemas.microsoft.com/office/drawing/2010/main" xmlns="" w="9525">
+                <a14:hiddenLine xmlns="" xmlns:a14="http://schemas.microsoft.com/office/drawing/2010/main" w="9525">
                   <a:solidFill>
                     <a:srgbClr val="000000"/>
                   </a:solidFill>
@@ -2959,7 +2965,7 @@
             </a:ln>
             <a:extLst>
               <a:ext uri="{91240B29-F687-4f45-9708-019B960494DF}">
-                <a14:hiddenLine xmlns:a14="http://schemas.microsoft.com/office/drawing/2010/main" xmlns="" w="9525">
+                <a14:hiddenLine xmlns="" xmlns:a14="http://schemas.microsoft.com/office/drawing/2010/main" w="9525">
                   <a:solidFill>
                     <a:srgbClr val="000000"/>
                   </a:solidFill>
@@ -3049,7 +3055,7 @@
             </a:ln>
             <a:extLst>
               <a:ext uri="{91240B29-F687-4f45-9708-019B960494DF}">
-                <a14:hiddenLine xmlns:a14="http://schemas.microsoft.com/office/drawing/2010/main" xmlns="" w="9525">
+                <a14:hiddenLine xmlns="" xmlns:a14="http://schemas.microsoft.com/office/drawing/2010/main" w="9525">
                   <a:solidFill>
                     <a:srgbClr val="000000"/>
                   </a:solidFill>
@@ -3111,7 +3117,7 @@
             </a:ln>
             <a:extLst>
               <a:ext uri="{91240B29-F687-4f45-9708-019B960494DF}">
-                <a14:hiddenLine xmlns:a14="http://schemas.microsoft.com/office/drawing/2010/main" xmlns="" w="9525">
+                <a14:hiddenLine xmlns="" xmlns:a14="http://schemas.microsoft.com/office/drawing/2010/main" w="9525">
                   <a:solidFill>
                     <a:srgbClr val="000000"/>
                   </a:solidFill>
@@ -3201,7 +3207,7 @@
             </a:ln>
             <a:extLst>
               <a:ext uri="{91240B29-F687-4f45-9708-019B960494DF}">
-                <a14:hiddenLine xmlns:a14="http://schemas.microsoft.com/office/drawing/2010/main" xmlns="" w="9525">
+                <a14:hiddenLine xmlns="" xmlns:a14="http://schemas.microsoft.com/office/drawing/2010/main" w="9525">
                   <a:solidFill>
                     <a:srgbClr val="000000"/>
                   </a:solidFill>
@@ -3235,7 +3241,7 @@
             </a:ln>
             <a:extLst>
               <a:ext uri="{91240B29-F687-4f45-9708-019B960494DF}">
-                <a14:hiddenLine xmlns:a14="http://schemas.microsoft.com/office/drawing/2010/main" xmlns="" w="9525">
+                <a14:hiddenLine xmlns="" xmlns:a14="http://schemas.microsoft.com/office/drawing/2010/main" w="9525">
                   <a:solidFill>
                     <a:srgbClr val="000000"/>
                   </a:solidFill>
@@ -3300,7 +3306,7 @@
             </a:ln>
             <a:extLst>
               <a:ext uri="{91240B29-F687-4f45-9708-019B960494DF}">
-                <a14:hiddenLine xmlns:a14="http://schemas.microsoft.com/office/drawing/2010/main" xmlns="" w="9525">
+                <a14:hiddenLine xmlns="" xmlns:a14="http://schemas.microsoft.com/office/drawing/2010/main" w="9525">
                   <a:solidFill>
                     <a:srgbClr val="000000"/>
                   </a:solidFill>
@@ -3390,7 +3396,7 @@
             </a:ln>
             <a:extLst>
               <a:ext uri="{91240B29-F687-4f45-9708-019B960494DF}">
-                <a14:hiddenLine xmlns:a14="http://schemas.microsoft.com/office/drawing/2010/main" xmlns="" w="9525">
+                <a14:hiddenLine xmlns="" xmlns:a14="http://schemas.microsoft.com/office/drawing/2010/main" w="9525">
                   <a:solidFill>
                     <a:srgbClr val="000000"/>
                   </a:solidFill>
@@ -3452,7 +3458,7 @@
             </a:ln>
             <a:extLst>
               <a:ext uri="{91240B29-F687-4f45-9708-019B960494DF}">
-                <a14:hiddenLine xmlns:a14="http://schemas.microsoft.com/office/drawing/2010/main" xmlns="" w="9525">
+                <a14:hiddenLine xmlns="" xmlns:a14="http://schemas.microsoft.com/office/drawing/2010/main" w="9525">
                   <a:solidFill>
                     <a:srgbClr val="000000"/>
                   </a:solidFill>
@@ -3542,7 +3548,7 @@
             </a:ln>
             <a:extLst>
               <a:ext uri="{91240B29-F687-4f45-9708-019B960494DF}">
-                <a14:hiddenLine xmlns:a14="http://schemas.microsoft.com/office/drawing/2010/main" xmlns="" w="9525">
+                <a14:hiddenLine xmlns="" xmlns:a14="http://schemas.microsoft.com/office/drawing/2010/main" w="9525">
                   <a:solidFill>
                     <a:srgbClr val="000000"/>
                   </a:solidFill>
@@ -3632,7 +3638,7 @@
             </a:ln>
             <a:extLst>
               <a:ext uri="{91240B29-F687-4f45-9708-019B960494DF}">
-                <a14:hiddenLine xmlns:a14="http://schemas.microsoft.com/office/drawing/2010/main" xmlns="" w="9525">
+                <a14:hiddenLine xmlns="" xmlns:a14="http://schemas.microsoft.com/office/drawing/2010/main" w="9525">
                   <a:solidFill>
                     <a:srgbClr val="000000"/>
                   </a:solidFill>
@@ -3697,7 +3703,7 @@
             </a:ln>
             <a:extLst>
               <a:ext uri="{91240B29-F687-4f45-9708-019B960494DF}">
-                <a14:hiddenLine xmlns:a14="http://schemas.microsoft.com/office/drawing/2010/main" xmlns="" w="9525">
+                <a14:hiddenLine xmlns="" xmlns:a14="http://schemas.microsoft.com/office/drawing/2010/main" w="9525">
                   <a:solidFill>
                     <a:srgbClr val="000000"/>
                   </a:solidFill>
@@ -3759,7 +3765,7 @@
             </a:ln>
             <a:extLst>
               <a:ext uri="{91240B29-F687-4f45-9708-019B960494DF}">
-                <a14:hiddenLine xmlns:a14="http://schemas.microsoft.com/office/drawing/2010/main" xmlns="" w="9525">
+                <a14:hiddenLine xmlns="" xmlns:a14="http://schemas.microsoft.com/office/drawing/2010/main" w="9525">
                   <a:solidFill>
                     <a:srgbClr val="000000"/>
                   </a:solidFill>
@@ -3849,7 +3855,7 @@
             </a:ln>
             <a:extLst>
               <a:ext uri="{91240B29-F687-4f45-9708-019B960494DF}">
-                <a14:hiddenLine xmlns:a14="http://schemas.microsoft.com/office/drawing/2010/main" xmlns="" w="9525">
+                <a14:hiddenLine xmlns="" xmlns:a14="http://schemas.microsoft.com/office/drawing/2010/main" w="9525">
                   <a:solidFill>
                     <a:srgbClr val="000000"/>
                   </a:solidFill>
@@ -3939,7 +3945,7 @@
             </a:ln>
             <a:extLst>
               <a:ext uri="{91240B29-F687-4f45-9708-019B960494DF}">
-                <a14:hiddenLine xmlns:a14="http://schemas.microsoft.com/office/drawing/2010/main" xmlns="" w="9525">
+                <a14:hiddenLine xmlns="" xmlns:a14="http://schemas.microsoft.com/office/drawing/2010/main" w="9525">
                   <a:solidFill>
                     <a:srgbClr val="000000"/>
                   </a:solidFill>
@@ -4001,7 +4007,7 @@
             </a:ln>
             <a:extLst>
               <a:ext uri="{91240B29-F687-4f45-9708-019B960494DF}">
-                <a14:hiddenLine xmlns:a14="http://schemas.microsoft.com/office/drawing/2010/main" xmlns="" w="9525">
+                <a14:hiddenLine xmlns="" xmlns:a14="http://schemas.microsoft.com/office/drawing/2010/main" w="9525">
                   <a:solidFill>
                     <a:srgbClr val="000000"/>
                   </a:solidFill>
@@ -4121,7 +4127,7 @@
             </a:ln>
             <a:extLst>
               <a:ext uri="{91240B29-F687-4f45-9708-019B960494DF}">
-                <a14:hiddenLine xmlns:a14="http://schemas.microsoft.com/office/drawing/2010/main" xmlns="" w="9525">
+                <a14:hiddenLine xmlns="" xmlns:a14="http://schemas.microsoft.com/office/drawing/2010/main" w="9525">
                   <a:solidFill>
                     <a:srgbClr val="000000"/>
                   </a:solidFill>
@@ -4189,7 +4195,7 @@
             </a:ln>
             <a:extLst>
               <a:ext uri="{91240B29-F687-4f45-9708-019B960494DF}">
-                <a14:hiddenLine xmlns:a14="http://schemas.microsoft.com/office/drawing/2010/main" xmlns="" w="9525">
+                <a14:hiddenLine xmlns="" xmlns:a14="http://schemas.microsoft.com/office/drawing/2010/main" w="9525">
                   <a:solidFill>
                     <a:srgbClr val="000000"/>
                   </a:solidFill>
@@ -4279,7 +4285,7 @@
             </a:ln>
             <a:extLst>
               <a:ext uri="{91240B29-F687-4f45-9708-019B960494DF}">
-                <a14:hiddenLine xmlns:a14="http://schemas.microsoft.com/office/drawing/2010/main" xmlns="" w="9525">
+                <a14:hiddenLine xmlns="" xmlns:a14="http://schemas.microsoft.com/office/drawing/2010/main" w="9525">
                   <a:solidFill>
                     <a:srgbClr val="000000"/>
                   </a:solidFill>
@@ -4419,7 +4425,7 @@
           <a:p>
             <a:fld id="{2FB686EC-EB34-4483-B8BC-4B1442AC036E}" type="datetimeFigureOut">
               <a:rPr lang="en-GB" smtClean="0"/>
-              <a:t>04/09/2021</a:t>
+              <a:t>09/09/2021</a:t>
             </a:fld>
             <a:endParaRPr lang="en-GB"/>
           </a:p>
@@ -4686,7 +4692,7 @@
           <a:p>
             <a:fld id="{2FB686EC-EB34-4483-B8BC-4B1442AC036E}" type="datetimeFigureOut">
               <a:rPr lang="en-GB" smtClean="0"/>
-              <a:t>04/09/2021</a:t>
+              <a:t>09/09/2021</a:t>
             </a:fld>
             <a:endParaRPr lang="en-GB"/>
           </a:p>
@@ -4881,7 +4887,7 @@
           <a:p>
             <a:fld id="{2FB686EC-EB34-4483-B8BC-4B1442AC036E}" type="datetimeFigureOut">
               <a:rPr lang="en-GB" smtClean="0"/>
-              <a:t>04/09/2021</a:t>
+              <a:t>09/09/2021</a:t>
             </a:fld>
             <a:endParaRPr lang="en-GB"/>
           </a:p>
@@ -5144,7 +5150,7 @@
           <a:p>
             <a:fld id="{2FB686EC-EB34-4483-B8BC-4B1442AC036E}" type="datetimeFigureOut">
               <a:rPr lang="en-GB" smtClean="0"/>
-              <a:t>04/09/2021</a:t>
+              <a:t>09/09/2021</a:t>
             </a:fld>
             <a:endParaRPr lang="en-GB"/>
           </a:p>
@@ -5578,7 +5584,7 @@
           <a:p>
             <a:fld id="{2FB686EC-EB34-4483-B8BC-4B1442AC036E}" type="datetimeFigureOut">
               <a:rPr lang="en-GB" smtClean="0"/>
-              <a:t>04/09/2021</a:t>
+              <a:t>09/09/2021</a:t>
             </a:fld>
             <a:endParaRPr lang="en-GB"/>
           </a:p>
@@ -6124,7 +6130,7 @@
           <a:p>
             <a:fld id="{2FB686EC-EB34-4483-B8BC-4B1442AC036E}" type="datetimeFigureOut">
               <a:rPr lang="en-GB" smtClean="0"/>
-              <a:t>04/09/2021</a:t>
+              <a:t>09/09/2021</a:t>
             </a:fld>
             <a:endParaRPr lang="en-GB"/>
           </a:p>
@@ -6844,7 +6850,7 @@
           <a:p>
             <a:fld id="{2FB686EC-EB34-4483-B8BC-4B1442AC036E}" type="datetimeFigureOut">
               <a:rPr lang="en-GB" smtClean="0"/>
-              <a:t>04/09/2021</a:t>
+              <a:t>09/09/2021</a:t>
             </a:fld>
             <a:endParaRPr lang="en-GB"/>
           </a:p>
@@ -7014,7 +7020,7 @@
           <a:p>
             <a:fld id="{2FB686EC-EB34-4483-B8BC-4B1442AC036E}" type="datetimeFigureOut">
               <a:rPr lang="en-GB" smtClean="0"/>
-              <a:t>04/09/2021</a:t>
+              <a:t>09/09/2021</a:t>
             </a:fld>
             <a:endParaRPr lang="en-GB"/>
           </a:p>
@@ -7194,7 +7200,7 @@
           <a:p>
             <a:fld id="{2FB686EC-EB34-4483-B8BC-4B1442AC036E}" type="datetimeFigureOut">
               <a:rPr lang="en-GB" smtClean="0"/>
-              <a:t>04/09/2021</a:t>
+              <a:t>09/09/2021</a:t>
             </a:fld>
             <a:endParaRPr lang="en-GB"/>
           </a:p>
@@ -7364,7 +7370,7 @@
           <a:p>
             <a:fld id="{2FB686EC-EB34-4483-B8BC-4B1442AC036E}" type="datetimeFigureOut">
               <a:rPr lang="en-GB" smtClean="0"/>
-              <a:t>04/09/2021</a:t>
+              <a:t>09/09/2021</a:t>
             </a:fld>
             <a:endParaRPr lang="en-GB"/>
           </a:p>
@@ -7614,7 +7620,7 @@
           <a:p>
             <a:fld id="{2FB686EC-EB34-4483-B8BC-4B1442AC036E}" type="datetimeFigureOut">
               <a:rPr lang="en-GB" smtClean="0"/>
-              <a:t>04/09/2021</a:t>
+              <a:t>09/09/2021</a:t>
             </a:fld>
             <a:endParaRPr lang="en-GB"/>
           </a:p>
@@ -7846,7 +7852,7 @@
           <a:p>
             <a:fld id="{2FB686EC-EB34-4483-B8BC-4B1442AC036E}" type="datetimeFigureOut">
               <a:rPr lang="en-GB" smtClean="0"/>
-              <a:t>04/09/2021</a:t>
+              <a:t>09/09/2021</a:t>
             </a:fld>
             <a:endParaRPr lang="en-GB"/>
           </a:p>
@@ -8227,7 +8233,7 @@
           <a:p>
             <a:fld id="{2FB686EC-EB34-4483-B8BC-4B1442AC036E}" type="datetimeFigureOut">
               <a:rPr lang="en-GB" smtClean="0"/>
-              <a:t>04/09/2021</a:t>
+              <a:t>09/09/2021</a:t>
             </a:fld>
             <a:endParaRPr lang="en-GB"/>
           </a:p>
@@ -8345,7 +8351,7 @@
           <a:p>
             <a:fld id="{2FB686EC-EB34-4483-B8BC-4B1442AC036E}" type="datetimeFigureOut">
               <a:rPr lang="en-GB" smtClean="0"/>
-              <a:t>04/09/2021</a:t>
+              <a:t>09/09/2021</a:t>
             </a:fld>
             <a:endParaRPr lang="en-GB"/>
           </a:p>
@@ -8440,7 +8446,7 @@
           <a:p>
             <a:fld id="{2FB686EC-EB34-4483-B8BC-4B1442AC036E}" type="datetimeFigureOut">
               <a:rPr lang="en-GB" smtClean="0"/>
-              <a:t>04/09/2021</a:t>
+              <a:t>09/09/2021</a:t>
             </a:fld>
             <a:endParaRPr lang="en-GB"/>
           </a:p>
@@ -8689,7 +8695,7 @@
           <a:p>
             <a:fld id="{2FB686EC-EB34-4483-B8BC-4B1442AC036E}" type="datetimeFigureOut">
               <a:rPr lang="en-GB" smtClean="0"/>
-              <a:t>04/09/2021</a:t>
+              <a:t>09/09/2021</a:t>
             </a:fld>
             <a:endParaRPr lang="en-GB"/>
           </a:p>
@@ -8969,7 +8975,7 @@
           <a:p>
             <a:fld id="{2FB686EC-EB34-4483-B8BC-4B1442AC036E}" type="datetimeFigureOut">
               <a:rPr lang="en-GB" smtClean="0"/>
-              <a:t>04/09/2021</a:t>
+              <a:t>09/09/2021</a:t>
             </a:fld>
             <a:endParaRPr lang="en-GB"/>
           </a:p>
@@ -9085,7 +9091,7 @@
           <a:noFill/>
           <a:extLst>
             <a:ext uri="{909E8E84-426E-40dd-AFC4-6F175D3DCCD1}">
-              <a14:hiddenFill xmlns:a14="http://schemas.microsoft.com/office/drawing/2010/main" xmlns="">
+              <a14:hiddenFill xmlns="" xmlns:a14="http://schemas.microsoft.com/office/drawing/2010/main">
                 <a:solidFill>
                   <a:srgbClr val="FFFFFF"/>
                 </a:solidFill>
@@ -9159,7 +9165,7 @@
               </a:ln>
               <a:extLst>
                 <a:ext uri="{91240B29-F687-4f45-9708-019B960494DF}">
-                  <a14:hiddenLine xmlns:a14="http://schemas.microsoft.com/office/drawing/2010/main" xmlns="" w="9525">
+                  <a14:hiddenLine xmlns="" xmlns:a14="http://schemas.microsoft.com/office/drawing/2010/main" w="9525">
                     <a:solidFill>
                       <a:srgbClr val="000000"/>
                     </a:solidFill>
@@ -9249,7 +9255,7 @@
               </a:ln>
               <a:extLst>
                 <a:ext uri="{91240B29-F687-4f45-9708-019B960494DF}">
-                  <a14:hiddenLine xmlns:a14="http://schemas.microsoft.com/office/drawing/2010/main" xmlns="" w="9525">
+                  <a14:hiddenLine xmlns="" xmlns:a14="http://schemas.microsoft.com/office/drawing/2010/main" w="9525">
                     <a:solidFill>
                       <a:srgbClr val="000000"/>
                     </a:solidFill>
@@ -9339,7 +9345,7 @@
               </a:ln>
               <a:extLst>
                 <a:ext uri="{91240B29-F687-4f45-9708-019B960494DF}">
-                  <a14:hiddenLine xmlns:a14="http://schemas.microsoft.com/office/drawing/2010/main" xmlns="" w="9525">
+                  <a14:hiddenLine xmlns="" xmlns:a14="http://schemas.microsoft.com/office/drawing/2010/main" w="9525">
                     <a:solidFill>
                       <a:srgbClr val="000000"/>
                     </a:solidFill>
@@ -9401,7 +9407,7 @@
               </a:ln>
               <a:extLst>
                 <a:ext uri="{91240B29-F687-4f45-9708-019B960494DF}">
-                  <a14:hiddenLine xmlns:a14="http://schemas.microsoft.com/office/drawing/2010/main" xmlns="" w="9525">
+                  <a14:hiddenLine xmlns="" xmlns:a14="http://schemas.microsoft.com/office/drawing/2010/main" w="9525">
                     <a:solidFill>
                       <a:srgbClr val="000000"/>
                     </a:solidFill>
@@ -9491,7 +9497,7 @@
               </a:ln>
               <a:extLst>
                 <a:ext uri="{91240B29-F687-4f45-9708-019B960494DF}">
-                  <a14:hiddenLine xmlns:a14="http://schemas.microsoft.com/office/drawing/2010/main" xmlns="" w="9525">
+                  <a14:hiddenLine xmlns="" xmlns:a14="http://schemas.microsoft.com/office/drawing/2010/main" w="9525">
                     <a:solidFill>
                       <a:srgbClr val="000000"/>
                     </a:solidFill>
@@ -9553,7 +9559,7 @@
               </a:ln>
               <a:extLst>
                 <a:ext uri="{91240B29-F687-4f45-9708-019B960494DF}">
-                  <a14:hiddenLine xmlns:a14="http://schemas.microsoft.com/office/drawing/2010/main" xmlns="" w="9525">
+                  <a14:hiddenLine xmlns="" xmlns:a14="http://schemas.microsoft.com/office/drawing/2010/main" w="9525">
                     <a:solidFill>
                       <a:srgbClr val="000000"/>
                     </a:solidFill>
@@ -9615,7 +9621,7 @@
               </a:ln>
               <a:extLst>
                 <a:ext uri="{91240B29-F687-4f45-9708-019B960494DF}">
-                  <a14:hiddenLine xmlns:a14="http://schemas.microsoft.com/office/drawing/2010/main" xmlns="" w="9525">
+                  <a14:hiddenLine xmlns="" xmlns:a14="http://schemas.microsoft.com/office/drawing/2010/main" w="9525">
                     <a:solidFill>
                       <a:srgbClr val="000000"/>
                     </a:solidFill>
@@ -9705,7 +9711,7 @@
               </a:ln>
               <a:extLst>
                 <a:ext uri="{91240B29-F687-4f45-9708-019B960494DF}">
-                  <a14:hiddenLine xmlns:a14="http://schemas.microsoft.com/office/drawing/2010/main" xmlns="" w="9525">
+                  <a14:hiddenLine xmlns="" xmlns:a14="http://schemas.microsoft.com/office/drawing/2010/main" w="9525">
                     <a:solidFill>
                       <a:srgbClr val="000000"/>
                     </a:solidFill>
@@ -9795,7 +9801,7 @@
               </a:ln>
               <a:extLst>
                 <a:ext uri="{91240B29-F687-4f45-9708-019B960494DF}">
-                  <a14:hiddenLine xmlns:a14="http://schemas.microsoft.com/office/drawing/2010/main" xmlns="" w="9525">
+                  <a14:hiddenLine xmlns="" xmlns:a14="http://schemas.microsoft.com/office/drawing/2010/main" w="9525">
                     <a:solidFill>
                       <a:srgbClr val="000000"/>
                     </a:solidFill>
@@ -9857,7 +9863,7 @@
               </a:ln>
               <a:extLst>
                 <a:ext uri="{91240B29-F687-4f45-9708-019B960494DF}">
-                  <a14:hiddenLine xmlns:a14="http://schemas.microsoft.com/office/drawing/2010/main" xmlns="" w="9525">
+                  <a14:hiddenLine xmlns="" xmlns:a14="http://schemas.microsoft.com/office/drawing/2010/main" w="9525">
                     <a:solidFill>
                       <a:srgbClr val="000000"/>
                     </a:solidFill>
@@ -9967,7 +9973,7 @@
               </a:ln>
               <a:extLst>
                 <a:ext uri="{91240B29-F687-4f45-9708-019B960494DF}">
-                  <a14:hiddenLine xmlns:a14="http://schemas.microsoft.com/office/drawing/2010/main" xmlns="" w="9525">
+                  <a14:hiddenLine xmlns="" xmlns:a14="http://schemas.microsoft.com/office/drawing/2010/main" w="9525">
                     <a:solidFill>
                       <a:srgbClr val="000000"/>
                     </a:solidFill>
@@ -10051,7 +10057,7 @@
               </a:ln>
               <a:extLst>
                 <a:ext uri="{91240B29-F687-4f45-9708-019B960494DF}">
-                  <a14:hiddenLine xmlns:a14="http://schemas.microsoft.com/office/drawing/2010/main" xmlns="" w="9525">
+                  <a14:hiddenLine xmlns="" xmlns:a14="http://schemas.microsoft.com/office/drawing/2010/main" w="9525">
                     <a:solidFill>
                       <a:srgbClr val="000000"/>
                     </a:solidFill>
@@ -10113,7 +10119,7 @@
               </a:ln>
               <a:extLst>
                 <a:ext uri="{91240B29-F687-4f45-9708-019B960494DF}">
-                  <a14:hiddenLine xmlns:a14="http://schemas.microsoft.com/office/drawing/2010/main" xmlns="" w="9525">
+                  <a14:hiddenLine xmlns="" xmlns:a14="http://schemas.microsoft.com/office/drawing/2010/main" w="9525">
                     <a:solidFill>
                       <a:srgbClr val="000000"/>
                     </a:solidFill>
@@ -10175,7 +10181,7 @@
               </a:ln>
               <a:extLst>
                 <a:ext uri="{91240B29-F687-4f45-9708-019B960494DF}">
-                  <a14:hiddenLine xmlns:a14="http://schemas.microsoft.com/office/drawing/2010/main" xmlns="" w="9525">
+                  <a14:hiddenLine xmlns="" xmlns:a14="http://schemas.microsoft.com/office/drawing/2010/main" w="9525">
                     <a:solidFill>
                       <a:srgbClr val="000000"/>
                     </a:solidFill>
@@ -10265,7 +10271,7 @@
               </a:ln>
               <a:extLst>
                 <a:ext uri="{91240B29-F687-4f45-9708-019B960494DF}">
-                  <a14:hiddenLine xmlns:a14="http://schemas.microsoft.com/office/drawing/2010/main" xmlns="" w="9525">
+                  <a14:hiddenLine xmlns="" xmlns:a14="http://schemas.microsoft.com/office/drawing/2010/main" w="9525">
                     <a:solidFill>
                       <a:srgbClr val="000000"/>
                     </a:solidFill>
@@ -10299,7 +10305,7 @@
               </a:ln>
               <a:extLst>
                 <a:ext uri="{91240B29-F687-4f45-9708-019B960494DF}">
-                  <a14:hiddenLine xmlns:a14="http://schemas.microsoft.com/office/drawing/2010/main" xmlns="" w="9525">
+                  <a14:hiddenLine xmlns="" xmlns:a14="http://schemas.microsoft.com/office/drawing/2010/main" w="9525">
                     <a:solidFill>
                       <a:srgbClr val="000000"/>
                     </a:solidFill>
@@ -10364,7 +10370,7 @@
               </a:ln>
               <a:extLst>
                 <a:ext uri="{91240B29-F687-4f45-9708-019B960494DF}">
-                  <a14:hiddenLine xmlns:a14="http://schemas.microsoft.com/office/drawing/2010/main" xmlns="" w="9525">
+                  <a14:hiddenLine xmlns="" xmlns:a14="http://schemas.microsoft.com/office/drawing/2010/main" w="9525">
                     <a:solidFill>
                       <a:srgbClr val="000000"/>
                     </a:solidFill>
@@ -10454,7 +10460,7 @@
               </a:ln>
               <a:extLst>
                 <a:ext uri="{91240B29-F687-4f45-9708-019B960494DF}">
-                  <a14:hiddenLine xmlns:a14="http://schemas.microsoft.com/office/drawing/2010/main" xmlns="" w="9525">
+                  <a14:hiddenLine xmlns="" xmlns:a14="http://schemas.microsoft.com/office/drawing/2010/main" w="9525">
                     <a:solidFill>
                       <a:srgbClr val="000000"/>
                     </a:solidFill>
@@ -10516,7 +10522,7 @@
               </a:ln>
               <a:extLst>
                 <a:ext uri="{91240B29-F687-4f45-9708-019B960494DF}">
-                  <a14:hiddenLine xmlns:a14="http://schemas.microsoft.com/office/drawing/2010/main" xmlns="" w="9525">
+                  <a14:hiddenLine xmlns="" xmlns:a14="http://schemas.microsoft.com/office/drawing/2010/main" w="9525">
                     <a:solidFill>
                       <a:srgbClr val="000000"/>
                     </a:solidFill>
@@ -10606,7 +10612,7 @@
               </a:ln>
               <a:extLst>
                 <a:ext uri="{91240B29-F687-4f45-9708-019B960494DF}">
-                  <a14:hiddenLine xmlns:a14="http://schemas.microsoft.com/office/drawing/2010/main" xmlns="" w="9525">
+                  <a14:hiddenLine xmlns="" xmlns:a14="http://schemas.microsoft.com/office/drawing/2010/main" w="9525">
                     <a:solidFill>
                       <a:srgbClr val="000000"/>
                     </a:solidFill>
@@ -10671,7 +10677,7 @@
               </a:ln>
               <a:extLst>
                 <a:ext uri="{91240B29-F687-4f45-9708-019B960494DF}">
-                  <a14:hiddenLine xmlns:a14="http://schemas.microsoft.com/office/drawing/2010/main" xmlns="" w="9525">
+                  <a14:hiddenLine xmlns="" xmlns:a14="http://schemas.microsoft.com/office/drawing/2010/main" w="9525">
                     <a:solidFill>
                       <a:srgbClr val="000000"/>
                     </a:solidFill>
@@ -10733,7 +10739,7 @@
               </a:ln>
               <a:extLst>
                 <a:ext uri="{91240B29-F687-4f45-9708-019B960494DF}">
-                  <a14:hiddenLine xmlns:a14="http://schemas.microsoft.com/office/drawing/2010/main" xmlns="" w="9525">
+                  <a14:hiddenLine xmlns="" xmlns:a14="http://schemas.microsoft.com/office/drawing/2010/main" w="9525">
                     <a:solidFill>
                       <a:srgbClr val="000000"/>
                     </a:solidFill>
@@ -10823,7 +10829,7 @@
               </a:ln>
               <a:extLst>
                 <a:ext uri="{91240B29-F687-4f45-9708-019B960494DF}">
-                  <a14:hiddenLine xmlns:a14="http://schemas.microsoft.com/office/drawing/2010/main" xmlns="" w="9525">
+                  <a14:hiddenLine xmlns="" xmlns:a14="http://schemas.microsoft.com/office/drawing/2010/main" w="9525">
                     <a:solidFill>
                       <a:srgbClr val="000000"/>
                     </a:solidFill>
@@ -10913,7 +10919,7 @@
               </a:ln>
               <a:extLst>
                 <a:ext uri="{91240B29-F687-4f45-9708-019B960494DF}">
-                  <a14:hiddenLine xmlns:a14="http://schemas.microsoft.com/office/drawing/2010/main" xmlns="" w="9525">
+                  <a14:hiddenLine xmlns="" xmlns:a14="http://schemas.microsoft.com/office/drawing/2010/main" w="9525">
                     <a:solidFill>
                       <a:srgbClr val="000000"/>
                     </a:solidFill>
@@ -10978,7 +10984,7 @@
               </a:ln>
               <a:extLst>
                 <a:ext uri="{91240B29-F687-4f45-9708-019B960494DF}">
-                  <a14:hiddenLine xmlns:a14="http://schemas.microsoft.com/office/drawing/2010/main" xmlns="" w="9525">
+                  <a14:hiddenLine xmlns="" xmlns:a14="http://schemas.microsoft.com/office/drawing/2010/main" w="9525">
                     <a:solidFill>
                       <a:srgbClr val="000000"/>
                     </a:solidFill>
@@ -11098,7 +11104,7 @@
               </a:ln>
               <a:extLst>
                 <a:ext uri="{91240B29-F687-4f45-9708-019B960494DF}">
-                  <a14:hiddenLine xmlns:a14="http://schemas.microsoft.com/office/drawing/2010/main" xmlns="" w="9525">
+                  <a14:hiddenLine xmlns="" xmlns:a14="http://schemas.microsoft.com/office/drawing/2010/main" w="9525">
                     <a:solidFill>
                       <a:srgbClr val="000000"/>
                     </a:solidFill>
@@ -11196,7 +11202,7 @@
               </a:ln>
               <a:extLst>
                 <a:ext uri="{91240B29-F687-4f45-9708-019B960494DF}">
-                  <a14:hiddenLine xmlns:a14="http://schemas.microsoft.com/office/drawing/2010/main" xmlns="" w="9525">
+                  <a14:hiddenLine xmlns="" xmlns:a14="http://schemas.microsoft.com/office/drawing/2010/main" w="9525">
                     <a:solidFill>
                       <a:srgbClr val="000000"/>
                     </a:solidFill>
@@ -11311,7 +11317,7 @@
               </a:ln>
               <a:extLst>
                 <a:ext uri="{91240B29-F687-4f45-9708-019B960494DF}">
-                  <a14:hiddenLine xmlns:a14="http://schemas.microsoft.com/office/drawing/2010/main" xmlns="" w="9525">
+                  <a14:hiddenLine xmlns="" xmlns:a14="http://schemas.microsoft.com/office/drawing/2010/main" w="9525">
                     <a:solidFill>
                       <a:srgbClr val="000000"/>
                     </a:solidFill>
@@ -11401,7 +11407,7 @@
               </a:ln>
               <a:extLst>
                 <a:ext uri="{91240B29-F687-4f45-9708-019B960494DF}">
-                  <a14:hiddenLine xmlns:a14="http://schemas.microsoft.com/office/drawing/2010/main" xmlns="" w="9525">
+                  <a14:hiddenLine xmlns="" xmlns:a14="http://schemas.microsoft.com/office/drawing/2010/main" w="9525">
                     <a:solidFill>
                       <a:srgbClr val="000000"/>
                     </a:solidFill>
@@ -11466,7 +11472,7 @@
               </a:ln>
               <a:extLst>
                 <a:ext uri="{91240B29-F687-4f45-9708-019B960494DF}">
-                  <a14:hiddenLine xmlns:a14="http://schemas.microsoft.com/office/drawing/2010/main" xmlns="" w="9525">
+                  <a14:hiddenLine xmlns="" xmlns:a14="http://schemas.microsoft.com/office/drawing/2010/main" w="9525">
                     <a:solidFill>
                       <a:srgbClr val="000000"/>
                     </a:solidFill>
@@ -11556,7 +11562,7 @@
               </a:ln>
               <a:extLst>
                 <a:ext uri="{91240B29-F687-4f45-9708-019B960494DF}">
-                  <a14:hiddenLine xmlns:a14="http://schemas.microsoft.com/office/drawing/2010/main" xmlns="" w="9525">
+                  <a14:hiddenLine xmlns="" xmlns:a14="http://schemas.microsoft.com/office/drawing/2010/main" w="9525">
                     <a:solidFill>
                       <a:srgbClr val="000000"/>
                     </a:solidFill>
@@ -11624,7 +11630,7 @@
               </a:ln>
               <a:extLst>
                 <a:ext uri="{91240B29-F687-4f45-9708-019B960494DF}">
-                  <a14:hiddenLine xmlns:a14="http://schemas.microsoft.com/office/drawing/2010/main" xmlns="" w="9525">
+                  <a14:hiddenLine xmlns="" xmlns:a14="http://schemas.microsoft.com/office/drawing/2010/main" w="9525">
                     <a:solidFill>
                       <a:srgbClr val="000000"/>
                     </a:solidFill>
@@ -11714,7 +11720,7 @@
               </a:ln>
               <a:extLst>
                 <a:ext uri="{91240B29-F687-4f45-9708-019B960494DF}">
-                  <a14:hiddenLine xmlns:a14="http://schemas.microsoft.com/office/drawing/2010/main" xmlns="" w="9525">
+                  <a14:hiddenLine xmlns="" xmlns:a14="http://schemas.microsoft.com/office/drawing/2010/main" w="9525">
                     <a:solidFill>
                       <a:srgbClr val="000000"/>
                     </a:solidFill>
@@ -11782,7 +11788,7 @@
               </a:ln>
               <a:extLst>
                 <a:ext uri="{91240B29-F687-4f45-9708-019B960494DF}">
-                  <a14:hiddenLine xmlns:a14="http://schemas.microsoft.com/office/drawing/2010/main" xmlns="" w="9525">
+                  <a14:hiddenLine xmlns="" xmlns:a14="http://schemas.microsoft.com/office/drawing/2010/main" w="9525">
                     <a:solidFill>
                       <a:srgbClr val="000000"/>
                     </a:solidFill>
@@ -11872,7 +11878,7 @@
               </a:ln>
               <a:extLst>
                 <a:ext uri="{91240B29-F687-4f45-9708-019B960494DF}">
-                  <a14:hiddenLine xmlns:a14="http://schemas.microsoft.com/office/drawing/2010/main" xmlns="" w="9525">
+                  <a14:hiddenLine xmlns="" xmlns:a14="http://schemas.microsoft.com/office/drawing/2010/main" w="9525">
                     <a:solidFill>
                       <a:srgbClr val="000000"/>
                     </a:solidFill>
@@ -11906,7 +11912,7 @@
               </a:ln>
               <a:extLst>
                 <a:ext uri="{91240B29-F687-4f45-9708-019B960494DF}">
-                  <a14:hiddenLine xmlns:a14="http://schemas.microsoft.com/office/drawing/2010/main" xmlns="" w="9525">
+                  <a14:hiddenLine xmlns="" xmlns:a14="http://schemas.microsoft.com/office/drawing/2010/main" w="9525">
                     <a:solidFill>
                       <a:srgbClr val="000000"/>
                     </a:solidFill>
@@ -12045,7 +12051,7 @@
           <a:p>
             <a:fld id="{2FB686EC-EB34-4483-B8BC-4B1442AC036E}" type="datetimeFigureOut">
               <a:rPr lang="en-GB" smtClean="0"/>
-              <a:t>04/09/2021</a:t>
+              <a:t>09/09/2021</a:t>
             </a:fld>
             <a:endParaRPr lang="en-GB"/>
           </a:p>
@@ -12612,6 +12618,43 @@
           </a:p>
         </p:txBody>
       </p:sp>
+      <p:sp>
+        <p:nvSpPr>
+          <p:cNvPr id="5" name="TextBox 4">
+            <a:extLst>
+              <a:ext uri="{FF2B5EF4-FFF2-40B4-BE49-F238E27FC236}">
+                <a16:creationId xmlns:a16="http://schemas.microsoft.com/office/drawing/2014/main" id="{46AD52C0-CA30-4A9A-B026-94106162FD93}"/>
+              </a:ext>
+            </a:extLst>
+          </p:cNvPr>
+          <p:cNvSpPr txBox="1"/>
+          <p:nvPr/>
+        </p:nvSpPr>
+        <p:spPr>
+          <a:xfrm>
+            <a:off x="1915064" y="5743334"/>
+            <a:ext cx="9825487" cy="523220"/>
+          </a:xfrm>
+          <a:prstGeom prst="rect">
+            <a:avLst/>
+          </a:prstGeom>
+          <a:noFill/>
+        </p:spPr>
+        <p:txBody>
+          <a:bodyPr wrap="square" rtlCol="0">
+            <a:spAutoFit/>
+          </a:bodyPr>
+          <a:lstStyle/>
+          <a:p>
+            <a:r>
+              <a:rPr lang="en-GB" sz="2800" dirty="0">
+                <a:latin typeface="+mj-lt"/>
+              </a:rPr>
+              <a:t>https://github.com/ADUG-Perth/2021-Symposium</a:t>
+            </a:r>
+          </a:p>
+        </p:txBody>
+      </p:sp>
     </p:spTree>
     <p:extLst>
       <p:ext uri="{BB962C8B-B14F-4D97-AF65-F5344CB8AC3E}">
@@ -16804,6 +16847,12 @@
           <a:bodyPr/>
           <a:lstStyle/>
           <a:p>
+            <a:r>
+              <a:rPr lang="en-AU" cap="none" dirty="0">
+                <a:latin typeface="Arial Rounded MT Bold" panose="020F0704030504030204" pitchFamily="34" charset="0"/>
+              </a:rPr>
+              <a:t>Thank you</a:t>
+            </a:r>
             <a:endParaRPr lang="en-GB" cap="none" dirty="0">
               <a:latin typeface="Arial Rounded MT Bold" panose="020F0704030504030204" pitchFamily="34" charset="0"/>
             </a:endParaRPr>
@@ -16834,9 +16883,104 @@
             <a:pPr marL="0" indent="0">
               <a:buNone/>
             </a:pPr>
+            <a:r>
+              <a:rPr lang="en-AU" dirty="0">
+                <a:latin typeface="Arial Rounded MT Bold" panose="020F0704030504030204" pitchFamily="34" charset="0"/>
+              </a:rPr>
+              <a:t>Hope this was helpful to you.</a:t>
+            </a:r>
+          </a:p>
+          <a:p>
+            <a:pPr marL="0" indent="0">
+              <a:buNone/>
+            </a:pPr>
             <a:endParaRPr lang="en-GB" dirty="0">
               <a:latin typeface="Arial Rounded MT Bold" panose="020F0704030504030204" pitchFamily="34" charset="0"/>
             </a:endParaRPr>
+          </a:p>
+        </p:txBody>
+      </p:sp>
+      <p:sp>
+        <p:nvSpPr>
+          <p:cNvPr id="5" name="TextBox 4">
+            <a:extLst>
+              <a:ext uri="{FF2B5EF4-FFF2-40B4-BE49-F238E27FC236}">
+                <a16:creationId xmlns:a16="http://schemas.microsoft.com/office/drawing/2014/main" id="{0BDFF85C-E96D-4973-8066-0F6D373D9820}"/>
+              </a:ext>
+            </a:extLst>
+          </p:cNvPr>
+          <p:cNvSpPr txBox="1"/>
+          <p:nvPr/>
+        </p:nvSpPr>
+        <p:spPr>
+          <a:xfrm>
+            <a:off x="1141412" y="4891177"/>
+            <a:ext cx="10047048" cy="584775"/>
+          </a:xfrm>
+          <a:prstGeom prst="rect">
+            <a:avLst/>
+          </a:prstGeom>
+          <a:noFill/>
+        </p:spPr>
+        <p:txBody>
+          <a:bodyPr wrap="square">
+            <a:spAutoFit/>
+          </a:bodyPr>
+          <a:lstStyle/>
+          <a:p>
+            <a:r>
+              <a:rPr lang="en-GB" sz="3200" dirty="0">
+                <a:latin typeface="+mj-lt"/>
+              </a:rPr>
+              <a:t>https://github.com/ADUG-Perth/2021-Symposium</a:t>
+            </a:r>
+          </a:p>
+        </p:txBody>
+      </p:sp>
+      <p:sp>
+        <p:nvSpPr>
+          <p:cNvPr id="8" name="TextBox 7">
+            <a:extLst>
+              <a:ext uri="{FF2B5EF4-FFF2-40B4-BE49-F238E27FC236}">
+                <a16:creationId xmlns:a16="http://schemas.microsoft.com/office/drawing/2014/main" id="{7AA4FBC8-CD33-4787-B0EF-8E4DA919A22F}"/>
+              </a:ext>
+            </a:extLst>
+          </p:cNvPr>
+          <p:cNvSpPr txBox="1"/>
+          <p:nvPr/>
+        </p:nvSpPr>
+        <p:spPr>
+          <a:xfrm>
+            <a:off x="3398807" y="3429000"/>
+            <a:ext cx="4252823" cy="954107"/>
+          </a:xfrm>
+          <a:prstGeom prst="rect">
+            <a:avLst/>
+          </a:prstGeom>
+          <a:noFill/>
+        </p:spPr>
+        <p:txBody>
+          <a:bodyPr wrap="square" rtlCol="0">
+            <a:spAutoFit/>
+          </a:bodyPr>
+          <a:lstStyle/>
+          <a:p>
+            <a:pPr algn="r"/>
+            <a:r>
+              <a:rPr lang="en-GB" sz="2800" dirty="0">
+                <a:latin typeface="Arial Rounded MT Bold" panose="020F0704030504030204" pitchFamily="34" charset="0"/>
+              </a:rPr>
+              <a:t>www.batsoft.com.au</a:t>
+            </a:r>
+          </a:p>
+          <a:p>
+            <a:pPr algn="r"/>
+            <a:r>
+              <a:rPr lang="en-GB" sz="2800" dirty="0">
+                <a:latin typeface="Arial Rounded MT Bold" panose="020F0704030504030204" pitchFamily="34" charset="0"/>
+              </a:rPr>
+              <a:t>peter@batsoft.com.au</a:t>
+            </a:r>
           </a:p>
         </p:txBody>
       </p:sp>
@@ -16844,6 +16988,93 @@
     <p:extLst>
       <p:ext uri="{BB962C8B-B14F-4D97-AF65-F5344CB8AC3E}">
         <p14:creationId xmlns:p14="http://schemas.microsoft.com/office/powerpoint/2010/main" val="2183989879"/>
+      </p:ext>
+    </p:extLst>
+  </p:cSld>
+  <p:clrMapOvr>
+    <a:masterClrMapping/>
+  </p:clrMapOvr>
+</p:sld>
+</file>
+
+<file path=ppt/slides/slide26.xml><?xml version="1.0" encoding="utf-8"?>
+<p:sld xmlns:a="http://schemas.openxmlformats.org/drawingml/2006/main" xmlns:r="http://schemas.openxmlformats.org/officeDocument/2006/relationships" xmlns:p="http://schemas.openxmlformats.org/presentationml/2006/main">
+  <p:cSld>
+    <p:spTree>
+      <p:nvGrpSpPr>
+        <p:cNvPr id="1" name=""/>
+        <p:cNvGrpSpPr/>
+        <p:nvPr/>
+      </p:nvGrpSpPr>
+      <p:grpSpPr>
+        <a:xfrm>
+          <a:off x="0" y="0"/>
+          <a:ext cx="0" cy="0"/>
+          <a:chOff x="0" y="0"/>
+          <a:chExt cx="0" cy="0"/>
+        </a:xfrm>
+      </p:grpSpPr>
+      <p:sp>
+        <p:nvSpPr>
+          <p:cNvPr id="2" name="Title 1">
+            <a:extLst>
+              <a:ext uri="{FF2B5EF4-FFF2-40B4-BE49-F238E27FC236}">
+                <a16:creationId xmlns:a16="http://schemas.microsoft.com/office/drawing/2014/main" id="{BC440246-F22F-45F1-BE99-09DA0246BDB9}"/>
+              </a:ext>
+            </a:extLst>
+          </p:cNvPr>
+          <p:cNvSpPr>
+            <a:spLocks noGrp="1"/>
+          </p:cNvSpPr>
+          <p:nvPr>
+            <p:ph type="title"/>
+          </p:nvPr>
+        </p:nvSpPr>
+        <p:spPr/>
+        <p:txBody>
+          <a:bodyPr/>
+          <a:lstStyle/>
+          <a:p>
+            <a:endParaRPr lang="en-GB" cap="none" dirty="0">
+              <a:latin typeface="Arial Rounded MT Bold" panose="020F0704030504030204" pitchFamily="34" charset="0"/>
+            </a:endParaRPr>
+          </a:p>
+        </p:txBody>
+      </p:sp>
+      <p:sp>
+        <p:nvSpPr>
+          <p:cNvPr id="3" name="Content Placeholder 2">
+            <a:extLst>
+              <a:ext uri="{FF2B5EF4-FFF2-40B4-BE49-F238E27FC236}">
+                <a16:creationId xmlns:a16="http://schemas.microsoft.com/office/drawing/2014/main" id="{362E9CD4-3E6D-4AE6-82C3-A4C4AC23402A}"/>
+              </a:ext>
+            </a:extLst>
+          </p:cNvPr>
+          <p:cNvSpPr>
+            <a:spLocks noGrp="1"/>
+          </p:cNvSpPr>
+          <p:nvPr>
+            <p:ph idx="1"/>
+          </p:nvPr>
+        </p:nvSpPr>
+        <p:spPr/>
+        <p:txBody>
+          <a:bodyPr/>
+          <a:lstStyle/>
+          <a:p>
+            <a:pPr marL="0" indent="0">
+              <a:buNone/>
+            </a:pPr>
+            <a:endParaRPr lang="en-GB" dirty="0">
+              <a:latin typeface="Arial Rounded MT Bold" panose="020F0704030504030204" pitchFamily="34" charset="0"/>
+            </a:endParaRPr>
+          </a:p>
+        </p:txBody>
+      </p:sp>
+    </p:spTree>
+    <p:extLst>
+      <p:ext uri="{BB962C8B-B14F-4D97-AF65-F5344CB8AC3E}">
+        <p14:creationId xmlns:p14="http://schemas.microsoft.com/office/powerpoint/2010/main" val="2255456914"/>
       </p:ext>
     </p:extLst>
   </p:cSld>

--- a/Doc/Software patterns in Delphi.pptx
+++ b/Doc/Software patterns in Delphi.pptx
@@ -8,9 +8,9 @@
     <p:sldId id="256" r:id="rId2"/>
     <p:sldId id="264" r:id="rId3"/>
     <p:sldId id="257" r:id="rId4"/>
-    <p:sldId id="281" r:id="rId5"/>
-    <p:sldId id="260" r:id="rId6"/>
-    <p:sldId id="261" r:id="rId7"/>
+    <p:sldId id="260" r:id="rId5"/>
+    <p:sldId id="261" r:id="rId6"/>
+    <p:sldId id="288" r:id="rId7"/>
     <p:sldId id="262" r:id="rId8"/>
     <p:sldId id="263" r:id="rId9"/>
     <p:sldId id="265" r:id="rId10"/>
@@ -20,17 +20,18 @@
     <p:sldId id="272" r:id="rId14"/>
     <p:sldId id="274" r:id="rId15"/>
     <p:sldId id="275" r:id="rId16"/>
-    <p:sldId id="270" r:id="rId17"/>
-    <p:sldId id="277" r:id="rId18"/>
-    <p:sldId id="278" r:id="rId19"/>
-    <p:sldId id="282" r:id="rId20"/>
-    <p:sldId id="276" r:id="rId21"/>
-    <p:sldId id="284" r:id="rId22"/>
-    <p:sldId id="279" r:id="rId23"/>
-    <p:sldId id="283" r:id="rId24"/>
-    <p:sldId id="286" r:id="rId25"/>
-    <p:sldId id="285" r:id="rId26"/>
-    <p:sldId id="287" r:id="rId27"/>
+    <p:sldId id="287" r:id="rId17"/>
+    <p:sldId id="270" r:id="rId18"/>
+    <p:sldId id="277" r:id="rId19"/>
+    <p:sldId id="276" r:id="rId20"/>
+    <p:sldId id="278" r:id="rId21"/>
+    <p:sldId id="282" r:id="rId22"/>
+    <p:sldId id="284" r:id="rId23"/>
+    <p:sldId id="279" r:id="rId24"/>
+    <p:sldId id="283" r:id="rId25"/>
+    <p:sldId id="286" r:id="rId26"/>
+    <p:sldId id="285" r:id="rId27"/>
+    <p:sldId id="289" r:id="rId28"/>
   </p:sldIdLst>
   <p:sldSz cx="12192000" cy="6858000"/>
   <p:notesSz cx="6858000" cy="9144000"/>
@@ -12650,7 +12651,7 @@
               <a:rPr lang="en-GB" sz="2800" dirty="0">
                 <a:latin typeface="+mj-lt"/>
               </a:rPr>
-              <a:t>https://github.com/ADUG-Perth/2021-Symposium</a:t>
+              <a:t>https://github.com/ADUG-Perth/Symposium-2021</a:t>
             </a:r>
           </a:p>
         </p:txBody>
@@ -13072,10 +13073,15 @@
             <p:ph idx="1"/>
           </p:nvPr>
         </p:nvSpPr>
-        <p:spPr/>
+        <p:spPr>
+          <a:xfrm>
+            <a:off x="1141412" y="2097087"/>
+            <a:ext cx="9905999" cy="3984535"/>
+          </a:xfrm>
+        </p:spPr>
         <p:txBody>
           <a:bodyPr>
-            <a:normAutofit fontScale="85000" lnSpcReduction="20000"/>
+            <a:noAutofit/>
           </a:bodyPr>
           <a:lstStyle/>
           <a:p>
@@ -13092,7 +13098,7 @@
               <a:buNone/>
             </a:pPr>
             <a:r>
-              <a:rPr lang="en-GB" sz="2400" dirty="0">
+              <a:rPr lang="en-GB" sz="1800" dirty="0">
                 <a:latin typeface="+mj-lt"/>
                 <a:ea typeface="Calibri" panose="020F0502020204030204" pitchFamily="34" charset="0"/>
                 <a:cs typeface="Times New Roman" panose="02020603050405020304" pitchFamily="18" charset="0"/>
@@ -13100,7 +13106,7 @@
               <a:t>Yes.  </a:t>
             </a:r>
             <a:r>
-              <a:rPr lang="en-GB" sz="2400" dirty="0">
+              <a:rPr lang="en-GB" sz="1800" dirty="0">
                 <a:effectLst/>
                 <a:latin typeface="+mj-lt"/>
                 <a:ea typeface="Calibri" panose="020F0502020204030204" pitchFamily="34" charset="0"/>
@@ -13123,7 +13129,7 @@
               <a:buNone/>
             </a:pPr>
             <a:r>
-              <a:rPr lang="en-GB" sz="2400" dirty="0">
+              <a:rPr lang="en-GB" sz="1800" dirty="0">
                 <a:effectLst/>
                 <a:latin typeface="+mj-lt"/>
                 <a:ea typeface="Calibri" panose="020F0502020204030204" pitchFamily="34" charset="0"/>
@@ -13145,7 +13151,7 @@
               </a:spcAft>
               <a:buNone/>
             </a:pPr>
-            <a:endParaRPr lang="en-GB" sz="2400" dirty="0">
+            <a:endParaRPr lang="en-GB" sz="1800" dirty="0">
               <a:effectLst/>
               <a:latin typeface="+mj-lt"/>
               <a:ea typeface="Calibri" panose="020F0502020204030204" pitchFamily="34" charset="0"/>
@@ -13166,7 +13172,7 @@
               <a:buNone/>
             </a:pPr>
             <a:r>
-              <a:rPr lang="en-GB" sz="2400" dirty="0">
+              <a:rPr lang="en-GB" sz="1800" dirty="0">
                 <a:effectLst/>
                 <a:latin typeface="+mj-lt"/>
                 <a:ea typeface="Calibri" panose="020F0502020204030204" pitchFamily="34" charset="0"/>
@@ -13189,7 +13195,7 @@
               <a:buNone/>
             </a:pPr>
             <a:r>
-              <a:rPr lang="en-GB" sz="2400" b="1" i="1" dirty="0">
+              <a:rPr lang="en-GB" sz="1800" b="1" i="1" dirty="0">
                 <a:effectLst/>
                 <a:latin typeface="+mj-lt"/>
                 <a:ea typeface="Calibri" panose="020F0502020204030204" pitchFamily="34" charset="0"/>
@@ -13211,7 +13217,7 @@
               </a:spcAft>
               <a:buNone/>
             </a:pPr>
-            <a:endParaRPr lang="en-GB" sz="2400" dirty="0">
+            <a:endParaRPr lang="en-GB" sz="1800" dirty="0">
               <a:effectLst/>
               <a:latin typeface="+mj-lt"/>
               <a:ea typeface="Calibri" panose="020F0502020204030204" pitchFamily="34" charset="0"/>
@@ -13232,7 +13238,7 @@
               <a:buNone/>
             </a:pPr>
             <a:r>
-              <a:rPr lang="en-GB" sz="2400" dirty="0">
+              <a:rPr lang="en-GB" sz="1800" dirty="0">
                 <a:effectLst/>
                 <a:latin typeface="+mj-lt"/>
                 <a:ea typeface="Calibri" panose="020F0502020204030204" pitchFamily="34" charset="0"/>
@@ -13241,7 +13247,7 @@
               <a:t>Patterns are useful </a:t>
             </a:r>
             <a:r>
-              <a:rPr lang="en-GB" sz="2400" b="1" i="1" dirty="0">
+              <a:rPr lang="en-GB" sz="1800" b="1" i="1" dirty="0">
                 <a:effectLst/>
                 <a:latin typeface="+mj-lt"/>
                 <a:ea typeface="Calibri" panose="020F0502020204030204" pitchFamily="34" charset="0"/>
@@ -13250,7 +13256,7 @@
               <a:t>tools</a:t>
             </a:r>
             <a:r>
-              <a:rPr lang="en-GB" sz="2400" dirty="0">
+              <a:rPr lang="en-GB" sz="1800" dirty="0">
                 <a:effectLst/>
                 <a:latin typeface="+mj-lt"/>
                 <a:ea typeface="Calibri" panose="020F0502020204030204" pitchFamily="34" charset="0"/>
@@ -13273,7 +13279,7 @@
               <a:buNone/>
             </a:pPr>
             <a:r>
-              <a:rPr lang="en-GB" sz="2400" dirty="0">
+              <a:rPr lang="en-GB" sz="1800" dirty="0">
                 <a:effectLst/>
                 <a:latin typeface="+mj-lt"/>
                 <a:ea typeface="Calibri" panose="020F0502020204030204" pitchFamily="34" charset="0"/>
@@ -13282,7 +13288,7 @@
               <a:t>Simply using patterns does </a:t>
             </a:r>
             <a:r>
-              <a:rPr lang="en-GB" sz="2400" b="1" dirty="0">
+              <a:rPr lang="en-GB" sz="1800" b="1" dirty="0">
                 <a:effectLst/>
                 <a:latin typeface="+mj-lt"/>
                 <a:ea typeface="Calibri" panose="020F0502020204030204" pitchFamily="34" charset="0"/>
@@ -13291,20 +13297,48 @@
               <a:t>not</a:t>
             </a:r>
             <a:r>
-              <a:rPr lang="en-GB" sz="2400" dirty="0">
+              <a:rPr lang="en-GB" sz="1800" dirty="0">
                 <a:effectLst/>
                 <a:latin typeface="+mj-lt"/>
                 <a:ea typeface="Calibri" panose="020F0502020204030204" pitchFamily="34" charset="0"/>
                 <a:cs typeface="Times New Roman" panose="02020603050405020304" pitchFamily="18" charset="0"/>
               </a:rPr>
-              <a:t> make one good architect.</a:t>
+              <a:t> make one good architect, but</a:t>
             </a:r>
           </a:p>
           <a:p>
             <a:pPr marL="0" indent="0">
+              <a:lnSpc>
+                <a:spcPct val="115000"/>
+              </a:lnSpc>
+              <a:spcBef>
+                <a:spcPts val="500"/>
+              </a:spcBef>
+              <a:spcAft>
+                <a:spcPts val="500"/>
+              </a:spcAft>
               <a:buNone/>
             </a:pPr>
-            <a:endParaRPr lang="en-GB" sz="2400" dirty="0">
+            <a:r>
+              <a:rPr lang="en-GB" sz="1800" dirty="0">
+                <a:latin typeface="+mj-lt"/>
+                <a:ea typeface="Calibri" panose="020F0502020204030204" pitchFamily="34" charset="0"/>
+                <a:cs typeface="Times New Roman" panose="02020603050405020304" pitchFamily="18" charset="0"/>
+              </a:rPr>
+              <a:t>good architects know many patterns and how to use them.</a:t>
+            </a:r>
+            <a:endParaRPr lang="en-GB" sz="1800" dirty="0">
+              <a:effectLst/>
+              <a:latin typeface="+mj-lt"/>
+              <a:ea typeface="Calibri" panose="020F0502020204030204" pitchFamily="34" charset="0"/>
+              <a:cs typeface="Times New Roman" panose="02020603050405020304" pitchFamily="18" charset="0"/>
+            </a:endParaRPr>
+          </a:p>
+          <a:p>
+            <a:pPr marL="0" indent="0">
+              <a:buNone/>
+            </a:pPr>
+            <a:endParaRPr lang="en-GB" sz="1800" dirty="0">
               <a:latin typeface="+mj-lt"/>
             </a:endParaRPr>
           </a:p>
@@ -15351,7 +15385,12 @@
             <p:ph type="title"/>
           </p:nvPr>
         </p:nvSpPr>
-        <p:spPr/>
+        <p:spPr>
+          <a:xfrm>
+            <a:off x="1952296" y="1662314"/>
+            <a:ext cx="7933576" cy="1478570"/>
+          </a:xfrm>
+        </p:spPr>
         <p:txBody>
           <a:bodyPr/>
           <a:lstStyle/>
@@ -15360,7 +15399,7 @@
               <a:rPr lang="en-AU" cap="none" dirty="0">
                 <a:latin typeface="Arial Rounded MT Bold" panose="020F0704030504030204" pitchFamily="34" charset="0"/>
               </a:rPr>
-              <a:t>Delphi events are single call-backs</a:t>
+              <a:t>Let’s look at some code now…</a:t>
             </a:r>
             <a:endParaRPr lang="en-GB" cap="none" dirty="0">
               <a:latin typeface="Arial Rounded MT Bold" panose="020F0704030504030204" pitchFamily="34" charset="0"/>
@@ -15368,40 +15407,10 @@
           </a:p>
         </p:txBody>
       </p:sp>
-      <p:pic>
-        <p:nvPicPr>
-          <p:cNvPr id="19" name="Picture 18">
-            <a:extLst>
-              <a:ext uri="{FF2B5EF4-FFF2-40B4-BE49-F238E27FC236}">
-                <a16:creationId xmlns:a16="http://schemas.microsoft.com/office/drawing/2014/main" id="{826626D6-BB35-4A88-A8D6-8BA9190F13F9}"/>
-              </a:ext>
-            </a:extLst>
-          </p:cNvPr>
-          <p:cNvPicPr>
-            <a:picLocks noChangeAspect="1"/>
-          </p:cNvPicPr>
-          <p:nvPr/>
-        </p:nvPicPr>
-        <p:blipFill>
-          <a:blip r:embed="rId2"/>
-          <a:stretch>
-            <a:fillRect/>
-          </a:stretch>
-        </p:blipFill>
-        <p:spPr>
-          <a:xfrm>
-            <a:off x="2380544" y="2000682"/>
-            <a:ext cx="7047375" cy="4324525"/>
-          </a:xfrm>
-          <a:prstGeom prst="rect">
-            <a:avLst/>
-          </a:prstGeom>
-        </p:spPr>
-      </p:pic>
     </p:spTree>
     <p:extLst>
       <p:ext uri="{BB962C8B-B14F-4D97-AF65-F5344CB8AC3E}">
-        <p14:creationId xmlns:p14="http://schemas.microsoft.com/office/powerpoint/2010/main" val="2412719446"/>
+        <p14:creationId xmlns:p14="http://schemas.microsoft.com/office/powerpoint/2010/main" val="2255456914"/>
       </p:ext>
     </p:extLst>
   </p:cSld>
@@ -15453,49 +15462,9 @@
               <a:rPr lang="en-AU" cap="none" dirty="0">
                 <a:latin typeface="Arial Rounded MT Bold" panose="020F0704030504030204" pitchFamily="34" charset="0"/>
               </a:rPr>
-              <a:t>Subscriber/Observer pattern</a:t>
+              <a:t>Delphi events are single call-backs</a:t>
             </a:r>
             <a:endParaRPr lang="en-GB" cap="none" dirty="0">
-              <a:latin typeface="Arial Rounded MT Bold" panose="020F0704030504030204" pitchFamily="34" charset="0"/>
-            </a:endParaRPr>
-          </a:p>
-        </p:txBody>
-      </p:sp>
-      <p:sp>
-        <p:nvSpPr>
-          <p:cNvPr id="10" name="TextBox 9">
-            <a:extLst>
-              <a:ext uri="{FF2B5EF4-FFF2-40B4-BE49-F238E27FC236}">
-                <a16:creationId xmlns:a16="http://schemas.microsoft.com/office/drawing/2014/main" id="{54CE0EBA-7DE0-4746-B9C3-CEDFFD22DDA2}"/>
-              </a:ext>
-            </a:extLst>
-          </p:cNvPr>
-          <p:cNvSpPr txBox="1"/>
-          <p:nvPr/>
-        </p:nvSpPr>
-        <p:spPr>
-          <a:xfrm>
-            <a:off x="1141413" y="1619250"/>
-            <a:ext cx="9812686" cy="461665"/>
-          </a:xfrm>
-          <a:prstGeom prst="rect">
-            <a:avLst/>
-          </a:prstGeom>
-          <a:noFill/>
-        </p:spPr>
-        <p:txBody>
-          <a:bodyPr wrap="none" rtlCol="0">
-            <a:spAutoFit/>
-          </a:bodyPr>
-          <a:lstStyle/>
-          <a:p>
-            <a:r>
-              <a:rPr lang="en-AU" sz="2400" dirty="0">
-                <a:latin typeface="Arial Rounded MT Bold" panose="020F0704030504030204" pitchFamily="34" charset="0"/>
-              </a:rPr>
-              <a:t>Any number of observers can subscribe their call-back methods.</a:t>
-            </a:r>
-            <a:endParaRPr lang="en-GB" sz="2400" dirty="0">
               <a:latin typeface="Arial Rounded MT Bold" panose="020F0704030504030204" pitchFamily="34" charset="0"/>
             </a:endParaRPr>
           </a:p>
@@ -15503,10 +15472,10 @@
       </p:sp>
       <p:pic>
         <p:nvPicPr>
-          <p:cNvPr id="18" name="Picture 17">
+          <p:cNvPr id="19" name="Picture 18">
             <a:extLst>
               <a:ext uri="{FF2B5EF4-FFF2-40B4-BE49-F238E27FC236}">
-                <a16:creationId xmlns:a16="http://schemas.microsoft.com/office/drawing/2014/main" id="{33D9802A-9445-49D7-A27B-28F1909D1CDA}"/>
+                <a16:creationId xmlns:a16="http://schemas.microsoft.com/office/drawing/2014/main" id="{826626D6-BB35-4A88-A8D6-8BA9190F13F9}"/>
               </a:ext>
             </a:extLst>
           </p:cNvPr>
@@ -15523,8 +15492,8 @@
         </p:blipFill>
         <p:spPr>
           <a:xfrm>
-            <a:off x="2367590" y="2233611"/>
-            <a:ext cx="6919105" cy="4167189"/>
+            <a:off x="2380544" y="2000682"/>
+            <a:ext cx="7047375" cy="4324525"/>
           </a:xfrm>
           <a:prstGeom prst="rect">
             <a:avLst/>
@@ -15534,7 +15503,7 @@
     </p:spTree>
     <p:extLst>
       <p:ext uri="{BB962C8B-B14F-4D97-AF65-F5344CB8AC3E}">
-        <p14:creationId xmlns:p14="http://schemas.microsoft.com/office/powerpoint/2010/main" val="2191977677"/>
+        <p14:creationId xmlns:p14="http://schemas.microsoft.com/office/powerpoint/2010/main" val="2412719446"/>
       </p:ext>
     </p:extLst>
   </p:cSld>
@@ -15586,7 +15555,7 @@
               <a:rPr lang="en-AU" cap="none" dirty="0">
                 <a:latin typeface="Arial Rounded MT Bold" panose="020F0704030504030204" pitchFamily="34" charset="0"/>
               </a:rPr>
-              <a:t>Factory</a:t>
+              <a:t>Subscriber/Observer pattern</a:t>
             </a:r>
             <a:endParaRPr lang="en-GB" cap="none" dirty="0">
               <a:latin typeface="Arial Rounded MT Bold" panose="020F0704030504030204" pitchFamily="34" charset="0"/>
@@ -15596,79 +15565,78 @@
       </p:sp>
       <p:sp>
         <p:nvSpPr>
-          <p:cNvPr id="3" name="Content Placeholder 2">
+          <p:cNvPr id="10" name="TextBox 9">
             <a:extLst>
               <a:ext uri="{FF2B5EF4-FFF2-40B4-BE49-F238E27FC236}">
-                <a16:creationId xmlns:a16="http://schemas.microsoft.com/office/drawing/2014/main" id="{362E9CD4-3E6D-4AE6-82C3-A4C4AC23402A}"/>
+                <a16:creationId xmlns:a16="http://schemas.microsoft.com/office/drawing/2014/main" id="{54CE0EBA-7DE0-4746-B9C3-CEDFFD22DDA2}"/>
               </a:ext>
             </a:extLst>
           </p:cNvPr>
-          <p:cNvSpPr>
-            <a:spLocks noGrp="1"/>
-          </p:cNvSpPr>
-          <p:nvPr>
-            <p:ph idx="1"/>
-          </p:nvPr>
+          <p:cNvSpPr txBox="1"/>
+          <p:nvPr/>
         </p:nvSpPr>
         <p:spPr>
           <a:xfrm>
-            <a:off x="2188368" y="2323913"/>
-            <a:ext cx="8002587" cy="2743387"/>
+            <a:off x="1141413" y="1619250"/>
+            <a:ext cx="9812686" cy="461665"/>
           </a:xfrm>
+          <a:prstGeom prst="rect">
+            <a:avLst/>
+          </a:prstGeom>
+          <a:noFill/>
         </p:spPr>
         <p:txBody>
-          <a:bodyPr>
-            <a:normAutofit/>
+          <a:bodyPr wrap="none" rtlCol="0">
+            <a:spAutoFit/>
           </a:bodyPr>
           <a:lstStyle/>
           <a:p>
-            <a:pPr marL="0" indent="0">
-              <a:buNone/>
-            </a:pPr>
-            <a:r>
-              <a:rPr lang="en-GB" sz="3600" dirty="0">
-                <a:effectLst/>
-                <a:latin typeface="Calibri" panose="020F0502020204030204" pitchFamily="34" charset="0"/>
-                <a:ea typeface="Calibri" panose="020F0502020204030204" pitchFamily="34" charset="0"/>
-                <a:cs typeface="Times New Roman" panose="02020603050405020304" pitchFamily="18" charset="0"/>
-              </a:rPr>
-              <a:t>If a shoe factory creates shoes</a:t>
-            </a:r>
-          </a:p>
-          <a:p>
-            <a:pPr marL="0" indent="0">
-              <a:buNone/>
-            </a:pPr>
-            <a:r>
-              <a:rPr lang="en-GB" sz="3600" dirty="0">
-                <a:effectLst/>
-                <a:latin typeface="Calibri" panose="020F0502020204030204" pitchFamily="34" charset="0"/>
-                <a:ea typeface="Calibri" panose="020F0502020204030204" pitchFamily="34" charset="0"/>
-                <a:cs typeface="Times New Roman" panose="02020603050405020304" pitchFamily="18" charset="0"/>
-              </a:rPr>
-              <a:t>and a car factory creates cars,</a:t>
-            </a:r>
-          </a:p>
-          <a:p>
-            <a:pPr marL="0" indent="0">
-              <a:buNone/>
-            </a:pPr>
-            <a:r>
-              <a:rPr lang="en-GB" sz="3600" dirty="0">
-                <a:effectLst/>
-                <a:latin typeface="Calibri" panose="020F0502020204030204" pitchFamily="34" charset="0"/>
-                <a:ea typeface="Calibri" panose="020F0502020204030204" pitchFamily="34" charset="0"/>
-                <a:cs typeface="Times New Roman" panose="02020603050405020304" pitchFamily="18" charset="0"/>
-              </a:rPr>
-              <a:t>then an object factory creates objects.</a:t>
-            </a:r>
+            <a:r>
+              <a:rPr lang="en-AU" sz="2400" dirty="0">
+                <a:latin typeface="Arial Rounded MT Bold" panose="020F0704030504030204" pitchFamily="34" charset="0"/>
+              </a:rPr>
+              <a:t>Any number of observers can subscribe their call-back methods.</a:t>
+            </a:r>
+            <a:endParaRPr lang="en-GB" sz="2400" dirty="0">
+              <a:latin typeface="Arial Rounded MT Bold" panose="020F0704030504030204" pitchFamily="34" charset="0"/>
+            </a:endParaRPr>
           </a:p>
         </p:txBody>
       </p:sp>
+      <p:pic>
+        <p:nvPicPr>
+          <p:cNvPr id="18" name="Picture 17">
+            <a:extLst>
+              <a:ext uri="{FF2B5EF4-FFF2-40B4-BE49-F238E27FC236}">
+                <a16:creationId xmlns:a16="http://schemas.microsoft.com/office/drawing/2014/main" id="{33D9802A-9445-49D7-A27B-28F1909D1CDA}"/>
+              </a:ext>
+            </a:extLst>
+          </p:cNvPr>
+          <p:cNvPicPr>
+            <a:picLocks noChangeAspect="1"/>
+          </p:cNvPicPr>
+          <p:nvPr/>
+        </p:nvPicPr>
+        <p:blipFill>
+          <a:blip r:embed="rId2"/>
+          <a:stretch>
+            <a:fillRect/>
+          </a:stretch>
+        </p:blipFill>
+        <p:spPr>
+          <a:xfrm>
+            <a:off x="2367590" y="2233611"/>
+            <a:ext cx="6919105" cy="4167189"/>
+          </a:xfrm>
+          <a:prstGeom prst="rect">
+            <a:avLst/>
+          </a:prstGeom>
+        </p:spPr>
+      </p:pic>
     </p:spTree>
     <p:extLst>
       <p:ext uri="{BB962C8B-B14F-4D97-AF65-F5344CB8AC3E}">
-        <p14:creationId xmlns:p14="http://schemas.microsoft.com/office/powerpoint/2010/main" val="2142643036"/>
+        <p14:creationId xmlns:p14="http://schemas.microsoft.com/office/powerpoint/2010/main" val="2191977677"/>
       </p:ext>
     </p:extLst>
   </p:cSld>
@@ -15717,10 +15685,10 @@
           <a:lstStyle/>
           <a:p>
             <a:r>
-              <a:rPr lang="en-AU" cap="none" dirty="0">
+              <a:rPr lang="en-AU" cap="none" dirty="0" err="1">
                 <a:latin typeface="Arial Rounded MT Bold" panose="020F0704030504030204" pitchFamily="34" charset="0"/>
               </a:rPr>
-              <a:t>Abstract factory</a:t>
+              <a:t>Multiton</a:t>
             </a:r>
             <a:endParaRPr lang="en-GB" cap="none" dirty="0">
               <a:latin typeface="Arial Rounded MT Bold" panose="020F0704030504030204" pitchFamily="34" charset="0"/>
@@ -15746,24 +15714,34 @@
         </p:nvSpPr>
         <p:spPr>
           <a:xfrm>
-            <a:off x="1279435" y="3672845"/>
-            <a:ext cx="9905999" cy="2374271"/>
+            <a:off x="1676401" y="4736120"/>
+            <a:ext cx="8401050" cy="1304925"/>
           </a:xfrm>
         </p:spPr>
         <p:txBody>
-          <a:bodyPr>
-            <a:normAutofit/>
-          </a:bodyPr>
+          <a:bodyPr/>
           <a:lstStyle/>
           <a:p>
             <a:pPr marL="0" indent="0">
               <a:buNone/>
             </a:pPr>
             <a:r>
-              <a:rPr lang="en-AU" sz="2800" dirty="0">
+              <a:rPr lang="en-US" dirty="0">
                 <a:latin typeface="Arial Rounded MT Bold" panose="020F0704030504030204" pitchFamily="34" charset="0"/>
               </a:rPr>
-              <a:t>A container of actual (concrete) factories.</a:t>
+              <a:t>There can be multiple instances of a </a:t>
+            </a:r>
+            <a:r>
+              <a:rPr lang="en-US" dirty="0" err="1">
+                <a:latin typeface="Arial Rounded MT Bold" panose="020F0704030504030204" pitchFamily="34" charset="0"/>
+              </a:rPr>
+              <a:t>multiton</a:t>
+            </a:r>
+            <a:r>
+              <a:rPr lang="en-US" dirty="0">
+                <a:latin typeface="Arial Rounded MT Bold" panose="020F0704030504030204" pitchFamily="34" charset="0"/>
+              </a:rPr>
+              <a:t> class, but</a:t>
             </a:r>
           </a:p>
           <a:p>
@@ -15771,23 +15749,12 @@
               <a:buNone/>
             </a:pPr>
             <a:r>
-              <a:rPr lang="en-AU" sz="2800" dirty="0">
+              <a:rPr lang="en-US" dirty="0">
                 <a:latin typeface="Arial Rounded MT Bold" panose="020F0704030504030204" pitchFamily="34" charset="0"/>
               </a:rPr>
-              <a:t>Pretends to be a factory,</a:t>
-            </a:r>
-          </a:p>
-          <a:p>
-            <a:pPr marL="0" indent="0">
-              <a:buNone/>
-            </a:pPr>
-            <a:r>
-              <a:rPr lang="en-AU" sz="2800" dirty="0">
-                <a:latin typeface="Arial Rounded MT Bold" panose="020F0704030504030204" pitchFamily="34" charset="0"/>
-              </a:rPr>
-              <a:t>but actually delegates work to concrete factories.</a:t>
-            </a:r>
-            <a:endParaRPr lang="en-GB" sz="2800" dirty="0">
+              <a:t>each instance must uniquely represent its own “thing”.</a:t>
+            </a:r>
+            <a:endParaRPr lang="en-GB" dirty="0">
               <a:latin typeface="Arial Rounded MT Bold" panose="020F0704030504030204" pitchFamily="34" charset="0"/>
             </a:endParaRPr>
           </a:p>
@@ -15795,10 +15762,10 @@
       </p:sp>
       <p:pic>
         <p:nvPicPr>
-          <p:cNvPr id="13" name="Picture 12">
+          <p:cNvPr id="9" name="Picture 8">
             <a:extLst>
               <a:ext uri="{FF2B5EF4-FFF2-40B4-BE49-F238E27FC236}">
-                <a16:creationId xmlns:a16="http://schemas.microsoft.com/office/drawing/2014/main" id="{2FCA1D81-8067-4AFC-9CE0-A297BA982816}"/>
+                <a16:creationId xmlns:a16="http://schemas.microsoft.com/office/drawing/2014/main" id="{293463F8-5323-4D1F-AE02-9DFFC6B1DF71}"/>
               </a:ext>
             </a:extLst>
           </p:cNvPr>
@@ -15815,8 +15782,8 @@
         </p:blipFill>
         <p:spPr>
           <a:xfrm>
-            <a:off x="5579456" y="618518"/>
-            <a:ext cx="5726809" cy="4049096"/>
+            <a:off x="4275471" y="816955"/>
+            <a:ext cx="5687679" cy="3541714"/>
           </a:xfrm>
           <a:prstGeom prst="rect">
             <a:avLst/>
@@ -15826,7 +15793,7 @@
     </p:spTree>
     <p:extLst>
       <p:ext uri="{BB962C8B-B14F-4D97-AF65-F5344CB8AC3E}">
-        <p14:creationId xmlns:p14="http://schemas.microsoft.com/office/powerpoint/2010/main" val="2016141668"/>
+        <p14:creationId xmlns:p14="http://schemas.microsoft.com/office/powerpoint/2010/main" val="274433748"/>
       </p:ext>
     </p:extLst>
   </p:cSld>
@@ -16069,10 +16036,10 @@
           <a:lstStyle/>
           <a:p>
             <a:r>
-              <a:rPr lang="en-AU" cap="none" dirty="0" err="1">
+              <a:rPr lang="en-AU" cap="none" dirty="0">
                 <a:latin typeface="Arial Rounded MT Bold" panose="020F0704030504030204" pitchFamily="34" charset="0"/>
               </a:rPr>
-              <a:t>Multiton</a:t>
+              <a:t>Factory</a:t>
             </a:r>
             <a:endParaRPr lang="en-GB" cap="none" dirty="0">
               <a:latin typeface="Arial Rounded MT Bold" panose="020F0704030504030204" pitchFamily="34" charset="0"/>
@@ -16098,47 +16065,182 @@
         </p:nvSpPr>
         <p:spPr>
           <a:xfrm>
-            <a:off x="1676401" y="4736120"/>
-            <a:ext cx="8401050" cy="1304925"/>
+            <a:off x="2188368" y="2323913"/>
+            <a:ext cx="8002587" cy="2743387"/>
           </a:xfrm>
         </p:spPr>
         <p:txBody>
+          <a:bodyPr>
+            <a:normAutofit/>
+          </a:bodyPr>
+          <a:lstStyle/>
+          <a:p>
+            <a:pPr marL="0" indent="0">
+              <a:buNone/>
+            </a:pPr>
+            <a:r>
+              <a:rPr lang="en-GB" sz="3600" dirty="0">
+                <a:effectLst/>
+                <a:latin typeface="Calibri" panose="020F0502020204030204" pitchFamily="34" charset="0"/>
+                <a:ea typeface="Calibri" panose="020F0502020204030204" pitchFamily="34" charset="0"/>
+                <a:cs typeface="Times New Roman" panose="02020603050405020304" pitchFamily="18" charset="0"/>
+              </a:rPr>
+              <a:t>If a shoe factory creates shoes</a:t>
+            </a:r>
+          </a:p>
+          <a:p>
+            <a:pPr marL="0" indent="0">
+              <a:buNone/>
+            </a:pPr>
+            <a:r>
+              <a:rPr lang="en-GB" sz="3600" dirty="0">
+                <a:effectLst/>
+                <a:latin typeface="Calibri" panose="020F0502020204030204" pitchFamily="34" charset="0"/>
+                <a:ea typeface="Calibri" panose="020F0502020204030204" pitchFamily="34" charset="0"/>
+                <a:cs typeface="Times New Roman" panose="02020603050405020304" pitchFamily="18" charset="0"/>
+              </a:rPr>
+              <a:t>and a car factory creates cars,</a:t>
+            </a:r>
+          </a:p>
+          <a:p>
+            <a:pPr marL="0" indent="0">
+              <a:buNone/>
+            </a:pPr>
+            <a:r>
+              <a:rPr lang="en-GB" sz="3600" dirty="0">
+                <a:effectLst/>
+                <a:latin typeface="Calibri" panose="020F0502020204030204" pitchFamily="34" charset="0"/>
+                <a:ea typeface="Calibri" panose="020F0502020204030204" pitchFamily="34" charset="0"/>
+                <a:cs typeface="Times New Roman" panose="02020603050405020304" pitchFamily="18" charset="0"/>
+              </a:rPr>
+              <a:t>then an object factory creates objects.</a:t>
+            </a:r>
+          </a:p>
+        </p:txBody>
+      </p:sp>
+    </p:spTree>
+    <p:extLst>
+      <p:ext uri="{BB962C8B-B14F-4D97-AF65-F5344CB8AC3E}">
+        <p14:creationId xmlns:p14="http://schemas.microsoft.com/office/powerpoint/2010/main" val="2142643036"/>
+      </p:ext>
+    </p:extLst>
+  </p:cSld>
+  <p:clrMapOvr>
+    <a:masterClrMapping/>
+  </p:clrMapOvr>
+</p:sld>
+</file>
+
+<file path=ppt/slides/slide21.xml><?xml version="1.0" encoding="utf-8"?>
+<p:sld xmlns:a="http://schemas.openxmlformats.org/drawingml/2006/main" xmlns:r="http://schemas.openxmlformats.org/officeDocument/2006/relationships" xmlns:p="http://schemas.openxmlformats.org/presentationml/2006/main">
+  <p:cSld>
+    <p:spTree>
+      <p:nvGrpSpPr>
+        <p:cNvPr id="1" name=""/>
+        <p:cNvGrpSpPr/>
+        <p:nvPr/>
+      </p:nvGrpSpPr>
+      <p:grpSpPr>
+        <a:xfrm>
+          <a:off x="0" y="0"/>
+          <a:ext cx="0" cy="0"/>
+          <a:chOff x="0" y="0"/>
+          <a:chExt cx="0" cy="0"/>
+        </a:xfrm>
+      </p:grpSpPr>
+      <p:sp>
+        <p:nvSpPr>
+          <p:cNvPr id="2" name="Title 1">
+            <a:extLst>
+              <a:ext uri="{FF2B5EF4-FFF2-40B4-BE49-F238E27FC236}">
+                <a16:creationId xmlns:a16="http://schemas.microsoft.com/office/drawing/2014/main" id="{BC440246-F22F-45F1-BE99-09DA0246BDB9}"/>
+              </a:ext>
+            </a:extLst>
+          </p:cNvPr>
+          <p:cNvSpPr>
+            <a:spLocks noGrp="1"/>
+          </p:cNvSpPr>
+          <p:nvPr>
+            <p:ph type="title"/>
+          </p:nvPr>
+        </p:nvSpPr>
+        <p:spPr/>
+        <p:txBody>
           <a:bodyPr/>
           <a:lstStyle/>
           <a:p>
+            <a:r>
+              <a:rPr lang="en-AU" cap="none" dirty="0">
+                <a:latin typeface="Arial Rounded MT Bold" panose="020F0704030504030204" pitchFamily="34" charset="0"/>
+              </a:rPr>
+              <a:t>Abstract factory</a:t>
+            </a:r>
+            <a:endParaRPr lang="en-GB" cap="none" dirty="0">
+              <a:latin typeface="Arial Rounded MT Bold" panose="020F0704030504030204" pitchFamily="34" charset="0"/>
+            </a:endParaRPr>
+          </a:p>
+        </p:txBody>
+      </p:sp>
+      <p:sp>
+        <p:nvSpPr>
+          <p:cNvPr id="3" name="Content Placeholder 2">
+            <a:extLst>
+              <a:ext uri="{FF2B5EF4-FFF2-40B4-BE49-F238E27FC236}">
+                <a16:creationId xmlns:a16="http://schemas.microsoft.com/office/drawing/2014/main" id="{362E9CD4-3E6D-4AE6-82C3-A4C4AC23402A}"/>
+              </a:ext>
+            </a:extLst>
+          </p:cNvPr>
+          <p:cNvSpPr>
+            <a:spLocks noGrp="1"/>
+          </p:cNvSpPr>
+          <p:nvPr>
+            <p:ph idx="1"/>
+          </p:nvPr>
+        </p:nvSpPr>
+        <p:spPr>
+          <a:xfrm>
+            <a:off x="1279435" y="3672845"/>
+            <a:ext cx="9905999" cy="2374271"/>
+          </a:xfrm>
+        </p:spPr>
+        <p:txBody>
+          <a:bodyPr>
+            <a:normAutofit/>
+          </a:bodyPr>
+          <a:lstStyle/>
+          <a:p>
             <a:pPr marL="0" indent="0">
               <a:buNone/>
             </a:pPr>
             <a:r>
-              <a:rPr lang="en-US" dirty="0">
+              <a:rPr lang="en-AU" sz="2800" dirty="0">
                 <a:latin typeface="Arial Rounded MT Bold" panose="020F0704030504030204" pitchFamily="34" charset="0"/>
               </a:rPr>
-              <a:t>There can be multiple instances of a </a:t>
-            </a:r>
-            <a:r>
-              <a:rPr lang="en-US" dirty="0" err="1">
+              <a:t>A container of actual (concrete) factories.</a:t>
+            </a:r>
+          </a:p>
+          <a:p>
+            <a:pPr marL="0" indent="0">
+              <a:buNone/>
+            </a:pPr>
+            <a:r>
+              <a:rPr lang="en-AU" sz="2800" dirty="0">
                 <a:latin typeface="Arial Rounded MT Bold" panose="020F0704030504030204" pitchFamily="34" charset="0"/>
               </a:rPr>
-              <a:t>multiton</a:t>
-            </a:r>
-            <a:r>
-              <a:rPr lang="en-US" dirty="0">
+              <a:t>Pretends to be a factory,</a:t>
+            </a:r>
+          </a:p>
+          <a:p>
+            <a:pPr marL="0" indent="0">
+              <a:buNone/>
+            </a:pPr>
+            <a:r>
+              <a:rPr lang="en-AU" sz="2800" dirty="0">
                 <a:latin typeface="Arial Rounded MT Bold" panose="020F0704030504030204" pitchFamily="34" charset="0"/>
               </a:rPr>
-              <a:t> class, but</a:t>
-            </a:r>
-          </a:p>
-          <a:p>
-            <a:pPr marL="0" indent="0">
-              <a:buNone/>
-            </a:pPr>
-            <a:r>
-              <a:rPr lang="en-US" dirty="0">
-                <a:latin typeface="Arial Rounded MT Bold" panose="020F0704030504030204" pitchFamily="34" charset="0"/>
-              </a:rPr>
-              <a:t>each instance must uniquely represent its own “thing”.</a:t>
-            </a:r>
-            <a:endParaRPr lang="en-GB" dirty="0">
+              <a:t>but actually delegates work to concrete factories.</a:t>
+            </a:r>
+            <a:endParaRPr lang="en-GB" sz="2800" dirty="0">
               <a:latin typeface="Arial Rounded MT Bold" panose="020F0704030504030204" pitchFamily="34" charset="0"/>
             </a:endParaRPr>
           </a:p>
@@ -16146,10 +16248,10 @@
       </p:sp>
       <p:pic>
         <p:nvPicPr>
-          <p:cNvPr id="9" name="Picture 8">
+          <p:cNvPr id="5" name="Picture 4">
             <a:extLst>
               <a:ext uri="{FF2B5EF4-FFF2-40B4-BE49-F238E27FC236}">
-                <a16:creationId xmlns:a16="http://schemas.microsoft.com/office/drawing/2014/main" id="{293463F8-5323-4D1F-AE02-9DFFC6B1DF71}"/>
+                <a16:creationId xmlns:a16="http://schemas.microsoft.com/office/drawing/2014/main" id="{427B2143-840D-48A8-AAD7-666B300070EC}"/>
               </a:ext>
             </a:extLst>
           </p:cNvPr>
@@ -16166,8 +16268,8 @@
         </p:blipFill>
         <p:spPr>
           <a:xfrm>
-            <a:off x="4275471" y="816955"/>
-            <a:ext cx="5687679" cy="3541714"/>
+            <a:off x="5723015" y="500546"/>
+            <a:ext cx="5660826" cy="4002443"/>
           </a:xfrm>
           <a:prstGeom prst="rect">
             <a:avLst/>
@@ -16177,7 +16279,7 @@
     </p:spTree>
     <p:extLst>
       <p:ext uri="{BB962C8B-B14F-4D97-AF65-F5344CB8AC3E}">
-        <p14:creationId xmlns:p14="http://schemas.microsoft.com/office/powerpoint/2010/main" val="274433748"/>
+        <p14:creationId xmlns:p14="http://schemas.microsoft.com/office/powerpoint/2010/main" val="2016141668"/>
       </p:ext>
     </p:extLst>
   </p:cSld>
@@ -16187,7 +16289,7 @@
 </p:sld>
 </file>
 
-<file path=ppt/slides/slide21.xml><?xml version="1.0" encoding="utf-8"?>
+<file path=ppt/slides/slide22.xml><?xml version="1.0" encoding="utf-8"?>
 <p:sld xmlns:a="http://schemas.openxmlformats.org/drawingml/2006/main" xmlns:r="http://schemas.openxmlformats.org/officeDocument/2006/relationships" xmlns:p="http://schemas.openxmlformats.org/presentationml/2006/main">
   <p:cSld>
     <p:spTree>
@@ -16253,8 +16355,8 @@
         </p:nvSpPr>
         <p:spPr>
           <a:xfrm>
-            <a:off x="854015" y="1871932"/>
-            <a:ext cx="11415711" cy="4080295"/>
+            <a:off x="655608" y="2329132"/>
+            <a:ext cx="11415711" cy="3579963"/>
           </a:xfrm>
         </p:spPr>
         <p:txBody>
@@ -16378,121 +16480,6 @@
     <p:extLst>
       <p:ext uri="{BB962C8B-B14F-4D97-AF65-F5344CB8AC3E}">
         <p14:creationId xmlns:p14="http://schemas.microsoft.com/office/powerpoint/2010/main" val="3086386989"/>
-      </p:ext>
-    </p:extLst>
-  </p:cSld>
-  <p:clrMapOvr>
-    <a:masterClrMapping/>
-  </p:clrMapOvr>
-</p:sld>
-</file>
-
-<file path=ppt/slides/slide22.xml><?xml version="1.0" encoding="utf-8"?>
-<p:sld xmlns:a="http://schemas.openxmlformats.org/drawingml/2006/main" xmlns:r="http://schemas.openxmlformats.org/officeDocument/2006/relationships" xmlns:p="http://schemas.openxmlformats.org/presentationml/2006/main">
-  <p:cSld>
-    <p:spTree>
-      <p:nvGrpSpPr>
-        <p:cNvPr id="1" name=""/>
-        <p:cNvGrpSpPr/>
-        <p:nvPr/>
-      </p:nvGrpSpPr>
-      <p:grpSpPr>
-        <a:xfrm>
-          <a:off x="0" y="0"/>
-          <a:ext cx="0" cy="0"/>
-          <a:chOff x="0" y="0"/>
-          <a:chExt cx="0" cy="0"/>
-        </a:xfrm>
-      </p:grpSpPr>
-      <p:sp>
-        <p:nvSpPr>
-          <p:cNvPr id="2" name="Title 1">
-            <a:extLst>
-              <a:ext uri="{FF2B5EF4-FFF2-40B4-BE49-F238E27FC236}">
-                <a16:creationId xmlns:a16="http://schemas.microsoft.com/office/drawing/2014/main" id="{BC440246-F22F-45F1-BE99-09DA0246BDB9}"/>
-              </a:ext>
-            </a:extLst>
-          </p:cNvPr>
-          <p:cNvSpPr>
-            <a:spLocks noGrp="1"/>
-          </p:cNvSpPr>
-          <p:nvPr>
-            <p:ph type="title"/>
-          </p:nvPr>
-        </p:nvSpPr>
-        <p:spPr/>
-        <p:txBody>
-          <a:bodyPr/>
-          <a:lstStyle/>
-          <a:p>
-            <a:r>
-              <a:rPr lang="en-AU" cap="none" dirty="0">
-                <a:latin typeface="Arial Rounded MT Bold" panose="020F0704030504030204" pitchFamily="34" charset="0"/>
-              </a:rPr>
-              <a:t>Memento</a:t>
-            </a:r>
-            <a:endParaRPr lang="en-GB" cap="none" dirty="0">
-              <a:latin typeface="Arial Rounded MT Bold" panose="020F0704030504030204" pitchFamily="34" charset="0"/>
-            </a:endParaRPr>
-          </a:p>
-        </p:txBody>
-      </p:sp>
-      <p:sp>
-        <p:nvSpPr>
-          <p:cNvPr id="3" name="Content Placeholder 2">
-            <a:extLst>
-              <a:ext uri="{FF2B5EF4-FFF2-40B4-BE49-F238E27FC236}">
-                <a16:creationId xmlns:a16="http://schemas.microsoft.com/office/drawing/2014/main" id="{362E9CD4-3E6D-4AE6-82C3-A4C4AC23402A}"/>
-              </a:ext>
-            </a:extLst>
-          </p:cNvPr>
-          <p:cNvSpPr>
-            <a:spLocks noGrp="1"/>
-          </p:cNvSpPr>
-          <p:nvPr>
-            <p:ph idx="1"/>
-          </p:nvPr>
-        </p:nvSpPr>
-        <p:spPr/>
-        <p:txBody>
-          <a:bodyPr/>
-          <a:lstStyle/>
-          <a:p>
-            <a:pPr marL="0" indent="0">
-              <a:buNone/>
-            </a:pPr>
-            <a:r>
-              <a:rPr lang="en-AU" dirty="0">
-                <a:latin typeface="Arial Rounded MT Bold" panose="020F0704030504030204" pitchFamily="34" charset="0"/>
-              </a:rPr>
-              <a:t>Also known as Undo/Redo functionality.</a:t>
-            </a:r>
-          </a:p>
-          <a:p>
-            <a:pPr marL="0" indent="0">
-              <a:buNone/>
-            </a:pPr>
-            <a:endParaRPr lang="en-GB" dirty="0">
-              <a:latin typeface="Arial Rounded MT Bold" panose="020F0704030504030204" pitchFamily="34" charset="0"/>
-            </a:endParaRPr>
-          </a:p>
-          <a:p>
-            <a:pPr marL="0" indent="0">
-              <a:buNone/>
-            </a:pPr>
-            <a:r>
-              <a:rPr lang="en-GB" dirty="0">
-                <a:latin typeface="Arial Rounded MT Bold" panose="020F0704030504030204" pitchFamily="34" charset="0"/>
-              </a:rPr>
-              <a:t>Save the state.  Later, can restore the state.</a:t>
-            </a:r>
-          </a:p>
-        </p:txBody>
-      </p:sp>
-    </p:spTree>
-    <p:extLst>
-      <p:ext uri="{BB962C8B-B14F-4D97-AF65-F5344CB8AC3E}">
-        <p14:creationId xmlns:p14="http://schemas.microsoft.com/office/powerpoint/2010/main" val="3905659012"/>
       </p:ext>
     </p:extLst>
   </p:cSld>
@@ -16544,7 +16531,7 @@
               <a:rPr lang="en-AU" cap="none" dirty="0">
                 <a:latin typeface="Arial Rounded MT Bold" panose="020F0704030504030204" pitchFamily="34" charset="0"/>
               </a:rPr>
-              <a:t>Other patterns</a:t>
+              <a:t>Memento</a:t>
             </a:r>
             <a:endParaRPr lang="en-GB" cap="none" dirty="0">
               <a:latin typeface="Arial Rounded MT Bold" panose="020F0704030504030204" pitchFamily="34" charset="0"/>
@@ -16573,95 +16560,41 @@
           <a:bodyPr/>
           <a:lstStyle/>
           <a:p>
-            <a:pPr marL="457200" indent="-457200">
-              <a:buFont typeface="+mj-lt"/>
-              <a:buAutoNum type="arabicPeriod"/>
+            <a:pPr marL="0" indent="0">
+              <a:buNone/>
             </a:pPr>
             <a:r>
               <a:rPr lang="en-AU" dirty="0">
                 <a:latin typeface="Arial Rounded MT Bold" panose="020F0704030504030204" pitchFamily="34" charset="0"/>
               </a:rPr>
-              <a:t>Decorators</a:t>
-            </a:r>
-          </a:p>
-          <a:p>
-            <a:pPr marL="457200" indent="-457200">
-              <a:buFont typeface="+mj-lt"/>
-              <a:buAutoNum type="arabicPeriod"/>
-            </a:pPr>
-            <a:r>
-              <a:rPr lang="en-AU" dirty="0">
-                <a:latin typeface="Arial Rounded MT Bold" panose="020F0704030504030204" pitchFamily="34" charset="0"/>
-              </a:rPr>
-              <a:t>Façade</a:t>
-            </a:r>
-          </a:p>
-          <a:p>
-            <a:pPr marL="457200" indent="-457200">
-              <a:buFont typeface="+mj-lt"/>
-              <a:buAutoNum type="arabicPeriod"/>
-            </a:pPr>
-            <a:r>
-              <a:rPr lang="en-AU" dirty="0">
-                <a:latin typeface="Arial Rounded MT Bold" panose="020F0704030504030204" pitchFamily="34" charset="0"/>
-              </a:rPr>
-              <a:t>Dependency injection</a:t>
-            </a:r>
-          </a:p>
-          <a:p>
-            <a:pPr marL="457200" indent="-457200">
-              <a:buFont typeface="+mj-lt"/>
-              <a:buAutoNum type="arabicPeriod"/>
-            </a:pPr>
-            <a:r>
-              <a:rPr lang="en-US" dirty="0">
-                <a:latin typeface="Arial Rounded MT Bold" panose="020F0704030504030204" pitchFamily="34" charset="0"/>
-              </a:rPr>
-              <a:t>Flyweight</a:t>
-            </a:r>
-          </a:p>
-          <a:p>
-            <a:pPr marL="457200" indent="-457200">
-              <a:buFont typeface="+mj-lt"/>
-              <a:buAutoNum type="arabicPeriod"/>
-            </a:pPr>
-            <a:r>
-              <a:rPr lang="en-US" dirty="0">
-                <a:latin typeface="Arial Rounded MT Bold" panose="020F0704030504030204" pitchFamily="34" charset="0"/>
-              </a:rPr>
-              <a:t>Chain of responsibility</a:t>
-            </a:r>
-          </a:p>
-          <a:p>
-            <a:pPr marL="457200" indent="-457200">
-              <a:buFont typeface="+mj-lt"/>
-              <a:buAutoNum type="arabicPeriod"/>
-            </a:pPr>
-            <a:r>
-              <a:rPr lang="en-US" dirty="0">
-                <a:latin typeface="Arial Rounded MT Bold" panose="020F0704030504030204" pitchFamily="34" charset="0"/>
-              </a:rPr>
-              <a:t>Command</a:t>
-            </a:r>
-            <a:endParaRPr lang="en-AU" dirty="0">
-              <a:latin typeface="Arial Rounded MT Bold" panose="020F0704030504030204" pitchFamily="34" charset="0"/>
-            </a:endParaRPr>
-          </a:p>
-          <a:p>
-            <a:pPr marL="457200" indent="-457200">
-              <a:buFont typeface="+mj-lt"/>
-              <a:buAutoNum type="arabicPeriod"/>
+              <a:t>Also known as Undo/Redo functionality.</a:t>
+            </a:r>
+          </a:p>
+          <a:p>
+            <a:pPr marL="0" indent="0">
+              <a:buNone/>
             </a:pPr>
             <a:endParaRPr lang="en-GB" dirty="0">
               <a:latin typeface="Arial Rounded MT Bold" panose="020F0704030504030204" pitchFamily="34" charset="0"/>
             </a:endParaRPr>
+          </a:p>
+          <a:p>
+            <a:pPr marL="0" indent="0">
+              <a:buNone/>
+            </a:pPr>
+            <a:r>
+              <a:rPr lang="en-GB" dirty="0">
+                <a:latin typeface="Arial Rounded MT Bold" panose="020F0704030504030204" pitchFamily="34" charset="0"/>
+              </a:rPr>
+              <a:t>Save the state.  Later, can restore the state.</a:t>
+            </a:r>
           </a:p>
         </p:txBody>
       </p:sp>
     </p:spTree>
     <p:extLst>
       <p:ext uri="{BB962C8B-B14F-4D97-AF65-F5344CB8AC3E}">
-        <p14:creationId xmlns:p14="http://schemas.microsoft.com/office/powerpoint/2010/main" val="3608976484"/>
+        <p14:creationId xmlns:p14="http://schemas.microsoft.com/office/powerpoint/2010/main" val="3905659012"/>
       </p:ext>
     </p:extLst>
   </p:cSld>
@@ -16713,7 +16646,7 @@
               <a:rPr lang="en-AU" cap="none" dirty="0">
                 <a:latin typeface="Arial Rounded MT Bold" panose="020F0704030504030204" pitchFamily="34" charset="0"/>
               </a:rPr>
-              <a:t>Summary</a:t>
+              <a:t>Other patterns</a:t>
             </a:r>
             <a:endParaRPr lang="en-GB" cap="none" dirty="0">
               <a:latin typeface="Arial Rounded MT Bold" panose="020F0704030504030204" pitchFamily="34" charset="0"/>
@@ -16737,58 +16670,94 @@
             <p:ph idx="1"/>
           </p:nvPr>
         </p:nvSpPr>
-        <p:spPr/>
+        <p:spPr>
+          <a:xfrm>
+            <a:off x="2078967" y="2249487"/>
+            <a:ext cx="6478438" cy="3541714"/>
+          </a:xfrm>
+        </p:spPr>
         <p:txBody>
           <a:bodyPr/>
           <a:lstStyle/>
           <a:p>
-            <a:pPr marL="0" indent="0">
-              <a:buNone/>
+            <a:pPr marL="457200" indent="-457200">
+              <a:buFont typeface="+mj-lt"/>
+              <a:buAutoNum type="arabicPeriod"/>
             </a:pPr>
             <a:r>
               <a:rPr lang="en-AU" dirty="0">
                 <a:latin typeface="Arial Rounded MT Bold" panose="020F0704030504030204" pitchFamily="34" charset="0"/>
               </a:rPr>
-              <a:t>We all use patterns.</a:t>
-            </a:r>
-          </a:p>
-          <a:p>
-            <a:pPr marL="0" indent="0">
-              <a:buNone/>
+              <a:t>Decorators</a:t>
+            </a:r>
+          </a:p>
+          <a:p>
+            <a:pPr marL="457200" indent="-457200">
+              <a:buFont typeface="+mj-lt"/>
+              <a:buAutoNum type="arabicPeriod"/>
             </a:pPr>
             <a:r>
               <a:rPr lang="en-AU" dirty="0">
                 <a:latin typeface="Arial Rounded MT Bold" panose="020F0704030504030204" pitchFamily="34" charset="0"/>
               </a:rPr>
-              <a:t>Bigger toolbox </a:t>
-            </a:r>
-            <a:r>
-              <a:rPr lang="en-GB" sz="3200" b="1" dirty="0">
-                <a:latin typeface="Symbol" panose="05050102010706020507" pitchFamily="18" charset="2"/>
-              </a:rPr>
-              <a:t>®</a:t>
-            </a:r>
+              <a:t>Façade</a:t>
+            </a:r>
+          </a:p>
+          <a:p>
+            <a:pPr marL="457200" indent="-457200">
+              <a:buFont typeface="+mj-lt"/>
+              <a:buAutoNum type="arabicPeriod"/>
+            </a:pPr>
             <a:r>
               <a:rPr lang="en-AU" dirty="0">
                 <a:latin typeface="Arial Rounded MT Bold" panose="020F0704030504030204" pitchFamily="34" charset="0"/>
               </a:rPr>
-              <a:t>  more versatility.</a:t>
-            </a:r>
-          </a:p>
-          <a:p>
-            <a:pPr marL="0" indent="0">
-              <a:buNone/>
+              <a:t>Dependency injection</a:t>
+            </a:r>
+          </a:p>
+          <a:p>
+            <a:pPr marL="457200" indent="-457200">
+              <a:buFont typeface="+mj-lt"/>
+              <a:buAutoNum type="arabicPeriod"/>
             </a:pPr>
             <a:r>
-              <a:rPr lang="en-AU" dirty="0">
+              <a:rPr lang="en-US" dirty="0">
                 <a:latin typeface="Arial Rounded MT Bold" panose="020F0704030504030204" pitchFamily="34" charset="0"/>
               </a:rPr>
-              <a:t>Less reinventing of wheels.</a:t>
-            </a:r>
-          </a:p>
-          <a:p>
-            <a:pPr marL="0" indent="0">
-              <a:buNone/>
+              <a:t>Flyweight</a:t>
+            </a:r>
+          </a:p>
+          <a:p>
+            <a:pPr marL="457200" indent="-457200">
+              <a:buFont typeface="+mj-lt"/>
+              <a:buAutoNum type="arabicPeriod"/>
+            </a:pPr>
+            <a:r>
+              <a:rPr lang="en-US" dirty="0">
+                <a:latin typeface="Arial Rounded MT Bold" panose="020F0704030504030204" pitchFamily="34" charset="0"/>
+              </a:rPr>
+              <a:t>Chain of responsibility</a:t>
+            </a:r>
+          </a:p>
+          <a:p>
+            <a:pPr marL="457200" indent="-457200">
+              <a:buFont typeface="+mj-lt"/>
+              <a:buAutoNum type="arabicPeriod"/>
+            </a:pPr>
+            <a:r>
+              <a:rPr lang="en-US" dirty="0">
+                <a:latin typeface="Arial Rounded MT Bold" panose="020F0704030504030204" pitchFamily="34" charset="0"/>
+              </a:rPr>
+              <a:t>Command</a:t>
+            </a:r>
+            <a:endParaRPr lang="en-AU" dirty="0">
+              <a:latin typeface="Arial Rounded MT Bold" panose="020F0704030504030204" pitchFamily="34" charset="0"/>
+            </a:endParaRPr>
+          </a:p>
+          <a:p>
+            <a:pPr marL="457200" indent="-457200">
+              <a:buFont typeface="+mj-lt"/>
+              <a:buAutoNum type="arabicPeriod"/>
             </a:pPr>
             <a:endParaRPr lang="en-GB" dirty="0">
               <a:latin typeface="Arial Rounded MT Bold" panose="020F0704030504030204" pitchFamily="34" charset="0"/>
@@ -16799,7 +16768,7 @@
     </p:spTree>
     <p:extLst>
       <p:ext uri="{BB962C8B-B14F-4D97-AF65-F5344CB8AC3E}">
-        <p14:creationId xmlns:p14="http://schemas.microsoft.com/office/powerpoint/2010/main" val="2445621187"/>
+        <p14:creationId xmlns:p14="http://schemas.microsoft.com/office/powerpoint/2010/main" val="3608976484"/>
       </p:ext>
     </p:extLst>
   </p:cSld>
@@ -16851,7 +16820,7 @@
               <a:rPr lang="en-AU" cap="none" dirty="0">
                 <a:latin typeface="Arial Rounded MT Bold" panose="020F0704030504030204" pitchFamily="34" charset="0"/>
               </a:rPr>
-              <a:t>Thank you</a:t>
+              <a:t>Summary</a:t>
             </a:r>
             <a:endParaRPr lang="en-GB" cap="none" dirty="0">
               <a:latin typeface="Arial Rounded MT Bold" panose="020F0704030504030204" pitchFamily="34" charset="0"/>
@@ -16875,7 +16844,12 @@
             <p:ph idx="1"/>
           </p:nvPr>
         </p:nvSpPr>
-        <p:spPr/>
+        <p:spPr>
+          <a:xfrm>
+            <a:off x="2225615" y="2249487"/>
+            <a:ext cx="6927011" cy="2865977"/>
+          </a:xfrm>
+        </p:spPr>
         <p:txBody>
           <a:bodyPr/>
           <a:lstStyle/>
@@ -16887,7 +16861,41 @@
               <a:rPr lang="en-AU" dirty="0">
                 <a:latin typeface="Arial Rounded MT Bold" panose="020F0704030504030204" pitchFamily="34" charset="0"/>
               </a:rPr>
-              <a:t>Hope this was helpful to you.</a:t>
+              <a:t>We all use patterns.</a:t>
+            </a:r>
+          </a:p>
+          <a:p>
+            <a:pPr marL="0" indent="0">
+              <a:buNone/>
+            </a:pPr>
+            <a:r>
+              <a:rPr lang="en-AU" dirty="0">
+                <a:latin typeface="Arial Rounded MT Bold" panose="020F0704030504030204" pitchFamily="34" charset="0"/>
+              </a:rPr>
+              <a:t>Bigger toolbox </a:t>
+            </a:r>
+            <a:r>
+              <a:rPr lang="en-GB" sz="3200" b="1" dirty="0">
+                <a:latin typeface="Symbol" panose="05050102010706020507" pitchFamily="18" charset="2"/>
+              </a:rPr>
+              <a:t>®</a:t>
+            </a:r>
+            <a:r>
+              <a:rPr lang="en-AU" dirty="0">
+                <a:latin typeface="Arial Rounded MT Bold" panose="020F0704030504030204" pitchFamily="34" charset="0"/>
+              </a:rPr>
+              <a:t>  more versatility.</a:t>
+            </a:r>
+          </a:p>
+          <a:p>
+            <a:pPr marL="0" indent="0">
+              <a:buNone/>
+            </a:pPr>
+            <a:r>
+              <a:rPr lang="en-AU" dirty="0">
+                <a:latin typeface="Arial Rounded MT Bold" panose="020F0704030504030204" pitchFamily="34" charset="0"/>
+              </a:rPr>
+              <a:t>Less reinventing of wheels.</a:t>
             </a:r>
           </a:p>
           <a:p>
@@ -16897,97 +16905,13 @@
             <a:endParaRPr lang="en-GB" dirty="0">
               <a:latin typeface="Arial Rounded MT Bold" panose="020F0704030504030204" pitchFamily="34" charset="0"/>
             </a:endParaRPr>
-          </a:p>
-        </p:txBody>
-      </p:sp>
-      <p:sp>
-        <p:nvSpPr>
-          <p:cNvPr id="5" name="TextBox 4">
-            <a:extLst>
-              <a:ext uri="{FF2B5EF4-FFF2-40B4-BE49-F238E27FC236}">
-                <a16:creationId xmlns:a16="http://schemas.microsoft.com/office/drawing/2014/main" id="{0BDFF85C-E96D-4973-8066-0F6D373D9820}"/>
-              </a:ext>
-            </a:extLst>
-          </p:cNvPr>
-          <p:cNvSpPr txBox="1"/>
-          <p:nvPr/>
-        </p:nvSpPr>
-        <p:spPr>
-          <a:xfrm>
-            <a:off x="1141412" y="4891177"/>
-            <a:ext cx="10047048" cy="584775"/>
-          </a:xfrm>
-          <a:prstGeom prst="rect">
-            <a:avLst/>
-          </a:prstGeom>
-          <a:noFill/>
-        </p:spPr>
-        <p:txBody>
-          <a:bodyPr wrap="square">
-            <a:spAutoFit/>
-          </a:bodyPr>
-          <a:lstStyle/>
-          <a:p>
-            <a:r>
-              <a:rPr lang="en-GB" sz="3200" dirty="0">
-                <a:latin typeface="+mj-lt"/>
-              </a:rPr>
-              <a:t>https://github.com/ADUG-Perth/2021-Symposium</a:t>
-            </a:r>
-          </a:p>
-        </p:txBody>
-      </p:sp>
-      <p:sp>
-        <p:nvSpPr>
-          <p:cNvPr id="8" name="TextBox 7">
-            <a:extLst>
-              <a:ext uri="{FF2B5EF4-FFF2-40B4-BE49-F238E27FC236}">
-                <a16:creationId xmlns:a16="http://schemas.microsoft.com/office/drawing/2014/main" id="{7AA4FBC8-CD33-4787-B0EF-8E4DA919A22F}"/>
-              </a:ext>
-            </a:extLst>
-          </p:cNvPr>
-          <p:cNvSpPr txBox="1"/>
-          <p:nvPr/>
-        </p:nvSpPr>
-        <p:spPr>
-          <a:xfrm>
-            <a:off x="3398807" y="3429000"/>
-            <a:ext cx="4252823" cy="954107"/>
-          </a:xfrm>
-          <a:prstGeom prst="rect">
-            <a:avLst/>
-          </a:prstGeom>
-          <a:noFill/>
-        </p:spPr>
-        <p:txBody>
-          <a:bodyPr wrap="square" rtlCol="0">
-            <a:spAutoFit/>
-          </a:bodyPr>
-          <a:lstStyle/>
-          <a:p>
-            <a:pPr algn="r"/>
-            <a:r>
-              <a:rPr lang="en-GB" sz="2800" dirty="0">
-                <a:latin typeface="Arial Rounded MT Bold" panose="020F0704030504030204" pitchFamily="34" charset="0"/>
-              </a:rPr>
-              <a:t>www.batsoft.com.au</a:t>
-            </a:r>
-          </a:p>
-          <a:p>
-            <a:pPr algn="r"/>
-            <a:r>
-              <a:rPr lang="en-GB" sz="2800" dirty="0">
-                <a:latin typeface="Arial Rounded MT Bold" panose="020F0704030504030204" pitchFamily="34" charset="0"/>
-              </a:rPr>
-              <a:t>peter@batsoft.com.au</a:t>
-            </a:r>
           </a:p>
         </p:txBody>
       </p:sp>
     </p:spTree>
     <p:extLst>
       <p:ext uri="{BB962C8B-B14F-4D97-AF65-F5344CB8AC3E}">
-        <p14:creationId xmlns:p14="http://schemas.microsoft.com/office/powerpoint/2010/main" val="2183989879"/>
+        <p14:creationId xmlns:p14="http://schemas.microsoft.com/office/powerpoint/2010/main" val="2445621187"/>
       </p:ext>
     </p:extLst>
   </p:cSld>
@@ -17030,6 +16954,215 @@
             <p:ph type="title"/>
           </p:nvPr>
         </p:nvSpPr>
+        <p:spPr>
+          <a:xfrm>
+            <a:off x="1141413" y="618518"/>
+            <a:ext cx="8822096" cy="1478570"/>
+          </a:xfrm>
+        </p:spPr>
+        <p:txBody>
+          <a:bodyPr/>
+          <a:lstStyle/>
+          <a:p>
+            <a:pPr algn="ctr"/>
+            <a:r>
+              <a:rPr lang="en-AU" cap="none" dirty="0">
+                <a:latin typeface="Arial Rounded MT Bold" panose="020F0704030504030204" pitchFamily="34" charset="0"/>
+              </a:rPr>
+              <a:t>Thank you !</a:t>
+            </a:r>
+            <a:endParaRPr lang="en-GB" cap="none" dirty="0">
+              <a:latin typeface="Arial Rounded MT Bold" panose="020F0704030504030204" pitchFamily="34" charset="0"/>
+            </a:endParaRPr>
+          </a:p>
+        </p:txBody>
+      </p:sp>
+      <p:sp>
+        <p:nvSpPr>
+          <p:cNvPr id="5" name="TextBox 4">
+            <a:extLst>
+              <a:ext uri="{FF2B5EF4-FFF2-40B4-BE49-F238E27FC236}">
+                <a16:creationId xmlns:a16="http://schemas.microsoft.com/office/drawing/2014/main" id="{0BDFF85C-E96D-4973-8066-0F6D373D9820}"/>
+              </a:ext>
+            </a:extLst>
+          </p:cNvPr>
+          <p:cNvSpPr txBox="1"/>
+          <p:nvPr/>
+        </p:nvSpPr>
+        <p:spPr>
+          <a:xfrm>
+            <a:off x="1141412" y="4891177"/>
+            <a:ext cx="10047048" cy="584775"/>
+          </a:xfrm>
+          <a:prstGeom prst="rect">
+            <a:avLst/>
+          </a:prstGeom>
+          <a:noFill/>
+        </p:spPr>
+        <p:txBody>
+          <a:bodyPr wrap="square">
+            <a:spAutoFit/>
+          </a:bodyPr>
+          <a:lstStyle/>
+          <a:p>
+            <a:r>
+              <a:rPr lang="en-GB" sz="3200" dirty="0">
+                <a:latin typeface="+mj-lt"/>
+              </a:rPr>
+              <a:t>https://github.com/ADUG-Perth/Symposium-2021</a:t>
+            </a:r>
+          </a:p>
+        </p:txBody>
+      </p:sp>
+      <p:sp>
+        <p:nvSpPr>
+          <p:cNvPr id="8" name="TextBox 7">
+            <a:extLst>
+              <a:ext uri="{FF2B5EF4-FFF2-40B4-BE49-F238E27FC236}">
+                <a16:creationId xmlns:a16="http://schemas.microsoft.com/office/drawing/2014/main" id="{7AA4FBC8-CD33-4787-B0EF-8E4DA919A22F}"/>
+              </a:ext>
+            </a:extLst>
+          </p:cNvPr>
+          <p:cNvSpPr txBox="1"/>
+          <p:nvPr/>
+        </p:nvSpPr>
+        <p:spPr>
+          <a:xfrm>
+            <a:off x="3321169" y="2097088"/>
+            <a:ext cx="4252823" cy="954107"/>
+          </a:xfrm>
+          <a:prstGeom prst="rect">
+            <a:avLst/>
+          </a:prstGeom>
+          <a:noFill/>
+        </p:spPr>
+        <p:txBody>
+          <a:bodyPr wrap="square" rtlCol="0">
+            <a:spAutoFit/>
+          </a:bodyPr>
+          <a:lstStyle/>
+          <a:p>
+            <a:pPr algn="r"/>
+            <a:r>
+              <a:rPr lang="en-GB" sz="2800" dirty="0">
+                <a:latin typeface="Arial Rounded MT Bold" panose="020F0704030504030204" pitchFamily="34" charset="0"/>
+              </a:rPr>
+              <a:t>www.batsoft.com.au</a:t>
+            </a:r>
+          </a:p>
+          <a:p>
+            <a:pPr algn="r"/>
+            <a:r>
+              <a:rPr lang="en-GB" sz="2800" dirty="0">
+                <a:latin typeface="Arial Rounded MT Bold" panose="020F0704030504030204" pitchFamily="34" charset="0"/>
+              </a:rPr>
+              <a:t>peter@batsoft.com.au</a:t>
+            </a:r>
+          </a:p>
+        </p:txBody>
+      </p:sp>
+      <p:sp>
+        <p:nvSpPr>
+          <p:cNvPr id="6" name="TextBox 5">
+            <a:extLst>
+              <a:ext uri="{FF2B5EF4-FFF2-40B4-BE49-F238E27FC236}">
+                <a16:creationId xmlns:a16="http://schemas.microsoft.com/office/drawing/2014/main" id="{E8457FBD-CD05-4D55-8693-780C9FF8ABAC}"/>
+              </a:ext>
+            </a:extLst>
+          </p:cNvPr>
+          <p:cNvSpPr txBox="1"/>
+          <p:nvPr/>
+        </p:nvSpPr>
+        <p:spPr>
+          <a:xfrm>
+            <a:off x="3321168" y="3709576"/>
+            <a:ext cx="4252823" cy="523220"/>
+          </a:xfrm>
+          <a:prstGeom prst="rect">
+            <a:avLst/>
+          </a:prstGeom>
+          <a:noFill/>
+        </p:spPr>
+        <p:txBody>
+          <a:bodyPr wrap="square" rtlCol="0">
+            <a:spAutoFit/>
+          </a:bodyPr>
+          <a:lstStyle/>
+          <a:p>
+            <a:pPr algn="r"/>
+            <a:r>
+              <a:rPr lang="en-GB" sz="2800" dirty="0" err="1">
+                <a:latin typeface="Arial Rounded MT Bold" panose="020F0704030504030204" pitchFamily="34" charset="0"/>
+              </a:rPr>
+              <a:t>GetIt</a:t>
+            </a:r>
+            <a:r>
+              <a:rPr lang="en-GB" sz="2800" dirty="0">
+                <a:latin typeface="Arial Rounded MT Bold" panose="020F0704030504030204" pitchFamily="34" charset="0"/>
+              </a:rPr>
+              <a:t>: </a:t>
+            </a:r>
+            <a:r>
+              <a:rPr lang="en-GB" sz="2800" dirty="0" err="1">
+                <a:latin typeface="Arial Rounded MT Bold" panose="020F0704030504030204" pitchFamily="34" charset="0"/>
+              </a:rPr>
+              <a:t>BatSoft</a:t>
+            </a:r>
+            <a:r>
+              <a:rPr lang="en-GB" sz="2800" dirty="0">
+                <a:latin typeface="Arial Rounded MT Bold" panose="020F0704030504030204" pitchFamily="34" charset="0"/>
+              </a:rPr>
+              <a:t> Library</a:t>
+            </a:r>
+          </a:p>
+        </p:txBody>
+      </p:sp>
+    </p:spTree>
+    <p:extLst>
+      <p:ext uri="{BB962C8B-B14F-4D97-AF65-F5344CB8AC3E}">
+        <p14:creationId xmlns:p14="http://schemas.microsoft.com/office/powerpoint/2010/main" val="2183989879"/>
+      </p:ext>
+    </p:extLst>
+  </p:cSld>
+  <p:clrMapOvr>
+    <a:masterClrMapping/>
+  </p:clrMapOvr>
+</p:sld>
+</file>
+
+<file path=ppt/slides/slide27.xml><?xml version="1.0" encoding="utf-8"?>
+<p:sld xmlns:a="http://schemas.openxmlformats.org/drawingml/2006/main" xmlns:r="http://schemas.openxmlformats.org/officeDocument/2006/relationships" xmlns:p="http://schemas.openxmlformats.org/presentationml/2006/main">
+  <p:cSld>
+    <p:spTree>
+      <p:nvGrpSpPr>
+        <p:cNvPr id="1" name=""/>
+        <p:cNvGrpSpPr/>
+        <p:nvPr/>
+      </p:nvGrpSpPr>
+      <p:grpSpPr>
+        <a:xfrm>
+          <a:off x="0" y="0"/>
+          <a:ext cx="0" cy="0"/>
+          <a:chOff x="0" y="0"/>
+          <a:chExt cx="0" cy="0"/>
+        </a:xfrm>
+      </p:grpSpPr>
+      <p:sp>
+        <p:nvSpPr>
+          <p:cNvPr id="2" name="Title 1">
+            <a:extLst>
+              <a:ext uri="{FF2B5EF4-FFF2-40B4-BE49-F238E27FC236}">
+                <a16:creationId xmlns:a16="http://schemas.microsoft.com/office/drawing/2014/main" id="{BC440246-F22F-45F1-BE99-09DA0246BDB9}"/>
+              </a:ext>
+            </a:extLst>
+          </p:cNvPr>
+          <p:cNvSpPr>
+            <a:spLocks noGrp="1"/>
+          </p:cNvSpPr>
+          <p:nvPr>
+            <p:ph type="title"/>
+          </p:nvPr>
+        </p:nvSpPr>
         <p:spPr/>
         <p:txBody>
           <a:bodyPr/>
@@ -17074,7 +17207,7 @@
     </p:spTree>
     <p:extLst>
       <p:ext uri="{BB962C8B-B14F-4D97-AF65-F5344CB8AC3E}">
-        <p14:creationId xmlns:p14="http://schemas.microsoft.com/office/powerpoint/2010/main" val="2255456914"/>
+        <p14:creationId xmlns:p14="http://schemas.microsoft.com/office/powerpoint/2010/main" val="974031101"/>
       </p:ext>
     </p:extLst>
   </p:cSld>
@@ -17251,123 +17384,6 @@
           <p:cNvPr id="2" name="Title 1">
             <a:extLst>
               <a:ext uri="{FF2B5EF4-FFF2-40B4-BE49-F238E27FC236}">
-                <a16:creationId xmlns:a16="http://schemas.microsoft.com/office/drawing/2014/main" id="{BC440246-F22F-45F1-BE99-09DA0246BDB9}"/>
-              </a:ext>
-            </a:extLst>
-          </p:cNvPr>
-          <p:cNvSpPr>
-            <a:spLocks noGrp="1"/>
-          </p:cNvSpPr>
-          <p:nvPr>
-            <p:ph type="title"/>
-          </p:nvPr>
-        </p:nvSpPr>
-        <p:spPr/>
-        <p:txBody>
-          <a:bodyPr/>
-          <a:lstStyle/>
-          <a:p>
-            <a:r>
-              <a:rPr lang="en-AU" cap="none" dirty="0">
-                <a:latin typeface="Arial Rounded MT Bold" panose="020F0704030504030204" pitchFamily="34" charset="0"/>
-              </a:rPr>
-              <a:t>Why use patterns?</a:t>
-            </a:r>
-            <a:endParaRPr lang="en-GB" cap="none" dirty="0">
-              <a:latin typeface="Arial Rounded MT Bold" panose="020F0704030504030204" pitchFamily="34" charset="0"/>
-            </a:endParaRPr>
-          </a:p>
-        </p:txBody>
-      </p:sp>
-      <p:sp>
-        <p:nvSpPr>
-          <p:cNvPr id="3" name="Content Placeholder 2">
-            <a:extLst>
-              <a:ext uri="{FF2B5EF4-FFF2-40B4-BE49-F238E27FC236}">
-                <a16:creationId xmlns:a16="http://schemas.microsoft.com/office/drawing/2014/main" id="{362E9CD4-3E6D-4AE6-82C3-A4C4AC23402A}"/>
-              </a:ext>
-            </a:extLst>
-          </p:cNvPr>
-          <p:cNvSpPr>
-            <a:spLocks noGrp="1"/>
-          </p:cNvSpPr>
-          <p:nvPr>
-            <p:ph idx="1"/>
-          </p:nvPr>
-        </p:nvSpPr>
-        <p:spPr>
-          <a:xfrm>
-            <a:off x="1141412" y="2249487"/>
-            <a:ext cx="8554679" cy="2788339"/>
-          </a:xfrm>
-        </p:spPr>
-        <p:txBody>
-          <a:bodyPr>
-            <a:normAutofit/>
-          </a:bodyPr>
-          <a:lstStyle/>
-          <a:p>
-            <a:pPr marL="0" indent="0">
-              <a:buNone/>
-            </a:pPr>
-            <a:r>
-              <a:rPr lang="en-AU" sz="4400" dirty="0">
-                <a:latin typeface="Arial Rounded MT Bold" panose="020F0704030504030204" pitchFamily="34" charset="0"/>
-              </a:rPr>
-              <a:t>1.  Communication</a:t>
-            </a:r>
-          </a:p>
-          <a:p>
-            <a:pPr marL="0" indent="0">
-              <a:buNone/>
-            </a:pPr>
-            <a:r>
-              <a:rPr lang="en-AU" sz="4400" dirty="0">
-                <a:latin typeface="Arial Rounded MT Bold" panose="020F0704030504030204" pitchFamily="34" charset="0"/>
-              </a:rPr>
-              <a:t>2.  Conceptualisation</a:t>
-            </a:r>
-            <a:endParaRPr lang="en-GB" sz="4400" dirty="0">
-              <a:latin typeface="Arial Rounded MT Bold" panose="020F0704030504030204" pitchFamily="34" charset="0"/>
-            </a:endParaRPr>
-          </a:p>
-        </p:txBody>
-      </p:sp>
-    </p:spTree>
-    <p:extLst>
-      <p:ext uri="{BB962C8B-B14F-4D97-AF65-F5344CB8AC3E}">
-        <p14:creationId xmlns:p14="http://schemas.microsoft.com/office/powerpoint/2010/main" val="2927660174"/>
-      </p:ext>
-    </p:extLst>
-  </p:cSld>
-  <p:clrMapOvr>
-    <a:masterClrMapping/>
-  </p:clrMapOvr>
-</p:sld>
-</file>
-
-<file path=ppt/slides/slide5.xml><?xml version="1.0" encoding="utf-8"?>
-<p:sld xmlns:a="http://schemas.openxmlformats.org/drawingml/2006/main" xmlns:r="http://schemas.openxmlformats.org/officeDocument/2006/relationships" xmlns:p="http://schemas.openxmlformats.org/presentationml/2006/main">
-  <p:cSld>
-    <p:spTree>
-      <p:nvGrpSpPr>
-        <p:cNvPr id="1" name=""/>
-        <p:cNvGrpSpPr/>
-        <p:nvPr/>
-      </p:nvGrpSpPr>
-      <p:grpSpPr>
-        <a:xfrm>
-          <a:off x="0" y="0"/>
-          <a:ext cx="0" cy="0"/>
-          <a:chOff x="0" y="0"/>
-          <a:chExt cx="0" cy="0"/>
-        </a:xfrm>
-      </p:grpSpPr>
-      <p:sp>
-        <p:nvSpPr>
-          <p:cNvPr id="2" name="Title 1">
-            <a:extLst>
-              <a:ext uri="{FF2B5EF4-FFF2-40B4-BE49-F238E27FC236}">
                 <a16:creationId xmlns:a16="http://schemas.microsoft.com/office/drawing/2014/main" id="{E47AB6D0-8AEB-491A-86AC-0C7AD1ACA71D}"/>
               </a:ext>
             </a:extLst>
@@ -17542,7 +17558,7 @@
 </p:sld>
 </file>
 
-<file path=ppt/slides/slide6.xml><?xml version="1.0" encoding="utf-8"?>
+<file path=ppt/slides/slide5.xml><?xml version="1.0" encoding="utf-8"?>
 <p:sld xmlns:a="http://schemas.openxmlformats.org/drawingml/2006/main" xmlns:r="http://schemas.openxmlformats.org/officeDocument/2006/relationships" xmlns:p="http://schemas.openxmlformats.org/presentationml/2006/main">
   <p:cSld>
     <p:spTree>
@@ -17772,6 +17788,128 @@
     <p:extLst>
       <p:ext uri="{BB962C8B-B14F-4D97-AF65-F5344CB8AC3E}">
         <p14:creationId xmlns:p14="http://schemas.microsoft.com/office/powerpoint/2010/main" val="1804875753"/>
+      </p:ext>
+    </p:extLst>
+  </p:cSld>
+  <p:clrMapOvr>
+    <a:masterClrMapping/>
+  </p:clrMapOvr>
+</p:sld>
+</file>
+
+<file path=ppt/slides/slide6.xml><?xml version="1.0" encoding="utf-8"?>
+<p:sld xmlns:a="http://schemas.openxmlformats.org/drawingml/2006/main" xmlns:r="http://schemas.openxmlformats.org/officeDocument/2006/relationships" xmlns:p="http://schemas.openxmlformats.org/presentationml/2006/main">
+  <p:cSld>
+    <p:spTree>
+      <p:nvGrpSpPr>
+        <p:cNvPr id="1" name=""/>
+        <p:cNvGrpSpPr/>
+        <p:nvPr/>
+      </p:nvGrpSpPr>
+      <p:grpSpPr>
+        <a:xfrm>
+          <a:off x="0" y="0"/>
+          <a:ext cx="0" cy="0"/>
+          <a:chOff x="0" y="0"/>
+          <a:chExt cx="0" cy="0"/>
+        </a:xfrm>
+      </p:grpSpPr>
+      <p:sp>
+        <p:nvSpPr>
+          <p:cNvPr id="2" name="Title 1">
+            <a:extLst>
+              <a:ext uri="{FF2B5EF4-FFF2-40B4-BE49-F238E27FC236}">
+                <a16:creationId xmlns:a16="http://schemas.microsoft.com/office/drawing/2014/main" id="{E47AB6D0-8AEB-491A-86AC-0C7AD1ACA71D}"/>
+              </a:ext>
+            </a:extLst>
+          </p:cNvPr>
+          <p:cNvSpPr>
+            <a:spLocks noGrp="1"/>
+          </p:cNvSpPr>
+          <p:nvPr>
+            <p:ph type="title"/>
+          </p:nvPr>
+        </p:nvSpPr>
+        <p:spPr/>
+        <p:txBody>
+          <a:bodyPr/>
+          <a:lstStyle/>
+          <a:p>
+            <a:r>
+              <a:rPr lang="en-GB" sz="3200" cap="none" dirty="0">
+                <a:latin typeface="Arial Rounded MT Bold" panose="020F0704030504030204" pitchFamily="34" charset="0"/>
+              </a:rPr>
+              <a:t>New ideas:</a:t>
+            </a:r>
+            <a:br>
+              <a:rPr lang="en-GB" cap="none" dirty="0">
+                <a:latin typeface="Arial Rounded MT Bold" panose="020F0704030504030204" pitchFamily="34" charset="0"/>
+              </a:rPr>
+            </a:br>
+            <a:r>
+              <a:rPr lang="en-GB" sz="4800" cap="none" dirty="0">
+                <a:latin typeface="Arial Rounded MT Bold" panose="020F0704030504030204" pitchFamily="34" charset="0"/>
+              </a:rPr>
+              <a:t>Don’t reinvent wheels</a:t>
+            </a:r>
+          </a:p>
+        </p:txBody>
+      </p:sp>
+      <p:sp>
+        <p:nvSpPr>
+          <p:cNvPr id="3" name="Content Placeholder 2">
+            <a:extLst>
+              <a:ext uri="{FF2B5EF4-FFF2-40B4-BE49-F238E27FC236}">
+                <a16:creationId xmlns:a16="http://schemas.microsoft.com/office/drawing/2014/main" id="{997E3C31-8E7D-48D4-907A-9A75D54755DF}"/>
+              </a:ext>
+            </a:extLst>
+          </p:cNvPr>
+          <p:cNvSpPr>
+            <a:spLocks noGrp="1"/>
+          </p:cNvSpPr>
+          <p:nvPr>
+            <p:ph idx="1"/>
+          </p:nvPr>
+        </p:nvSpPr>
+        <p:spPr>
+          <a:xfrm>
+            <a:off x="1624492" y="2226485"/>
+            <a:ext cx="8563305" cy="3541714"/>
+          </a:xfrm>
+        </p:spPr>
+        <p:txBody>
+          <a:bodyPr>
+            <a:normAutofit/>
+          </a:bodyPr>
+          <a:lstStyle/>
+          <a:p>
+            <a:pPr marL="0" indent="0">
+              <a:buNone/>
+            </a:pPr>
+            <a:r>
+              <a:rPr lang="en-US" sz="2800" dirty="0">
+                <a:latin typeface="Arial Rounded MT Bold" panose="020F0704030504030204" pitchFamily="34" charset="0"/>
+              </a:rPr>
+              <a:t>Other developers have found solutions and techniques that could be just what we need.</a:t>
+            </a:r>
+          </a:p>
+          <a:p>
+            <a:pPr marL="0" indent="0">
+              <a:buNone/>
+            </a:pPr>
+            <a:r>
+              <a:rPr lang="en-US" sz="2800" dirty="0">
+                <a:latin typeface="Arial Rounded MT Bold" panose="020F0704030504030204" pitchFamily="34" charset="0"/>
+              </a:rPr>
+              <a:t>Why not learn them?</a:t>
+            </a:r>
+          </a:p>
+        </p:txBody>
+      </p:sp>
+    </p:spTree>
+    <p:extLst>
+      <p:ext uri="{BB962C8B-B14F-4D97-AF65-F5344CB8AC3E}">
+        <p14:creationId xmlns:p14="http://schemas.microsoft.com/office/powerpoint/2010/main" val="3919947239"/>
       </p:ext>
     </p:extLst>
   </p:cSld>
@@ -18127,129 +18265,26 @@
             <p:ph type="title"/>
           </p:nvPr>
         </p:nvSpPr>
-        <p:spPr/>
-        <p:txBody>
-          <a:bodyPr/>
-          <a:lstStyle/>
-          <a:p>
-            <a:r>
-              <a:rPr lang="en-AU" cap="none" dirty="0">
-                <a:latin typeface="Arial Rounded MT Bold" panose="020F0704030504030204" pitchFamily="34" charset="0"/>
-              </a:rPr>
-              <a:t>Criticisms</a:t>
-            </a:r>
-            <a:endParaRPr lang="en-GB" cap="none" dirty="0">
-              <a:latin typeface="Arial Rounded MT Bold" panose="020F0704030504030204" pitchFamily="34" charset="0"/>
-            </a:endParaRPr>
-          </a:p>
-        </p:txBody>
-      </p:sp>
-      <p:sp>
-        <p:nvSpPr>
-          <p:cNvPr id="3" name="Content Placeholder 2">
-            <a:extLst>
-              <a:ext uri="{FF2B5EF4-FFF2-40B4-BE49-F238E27FC236}">
-                <a16:creationId xmlns:a16="http://schemas.microsoft.com/office/drawing/2014/main" id="{5B5C54AD-CBB6-45A4-9C5A-836B3522EBE6}"/>
-              </a:ext>
-            </a:extLst>
-          </p:cNvPr>
-          <p:cNvSpPr>
-            <a:spLocks noGrp="1"/>
-          </p:cNvSpPr>
-          <p:nvPr>
-            <p:ph idx="1"/>
-          </p:nvPr>
-        </p:nvSpPr>
         <p:spPr>
           <a:xfrm>
-            <a:off x="1512349" y="2097088"/>
-            <a:ext cx="8114732" cy="3541714"/>
+            <a:off x="2538892" y="1877975"/>
+            <a:ext cx="6596481" cy="1478570"/>
           </a:xfrm>
         </p:spPr>
         <p:txBody>
           <a:bodyPr>
-            <a:normAutofit fontScale="55000" lnSpcReduction="20000"/>
+            <a:normAutofit/>
           </a:bodyPr>
           <a:lstStyle/>
           <a:p>
-            <a:pPr marL="0" indent="0">
-              <a:buNone/>
-            </a:pPr>
-            <a:r>
-              <a:rPr lang="en-US" sz="3600" dirty="0">
+            <a:pPr algn="ctr"/>
+            <a:r>
+              <a:rPr lang="en-AU" sz="5400" cap="none" dirty="0">
                 <a:latin typeface="Arial Rounded MT Bold" panose="020F0704030504030204" pitchFamily="34" charset="0"/>
               </a:rPr>
-              <a:t>1. Other language paradigms don’t need many patterns</a:t>
-            </a:r>
-          </a:p>
-          <a:p>
-            <a:pPr marL="0" indent="0">
-              <a:buNone/>
-            </a:pPr>
-            <a:r>
-              <a:rPr lang="en-US" sz="3600" dirty="0">
-                <a:latin typeface="Arial Rounded MT Bold" panose="020F0704030504030204" pitchFamily="34" charset="0"/>
-              </a:rPr>
-              <a:t>     (ex. functional languages, aspect-oriented…)</a:t>
-            </a:r>
-          </a:p>
-          <a:p>
-            <a:pPr marL="0" indent="0">
-              <a:buNone/>
-            </a:pPr>
-            <a:endParaRPr lang="en-US" sz="3600" dirty="0">
-              <a:latin typeface="Arial Rounded MT Bold" panose="020F0704030504030204" pitchFamily="34" charset="0"/>
-            </a:endParaRPr>
-          </a:p>
-          <a:p>
-            <a:pPr marL="0" indent="0">
-              <a:buNone/>
-            </a:pPr>
-            <a:r>
-              <a:rPr lang="en-US" sz="3600" dirty="0">
-                <a:latin typeface="Arial Rounded MT Bold" panose="020F0704030504030204" pitchFamily="34" charset="0"/>
-              </a:rPr>
-              <a:t>2. Patterns are used because libraries are incomplete.</a:t>
-            </a:r>
-          </a:p>
-          <a:p>
-            <a:pPr marL="0" indent="0">
-              <a:buNone/>
-            </a:pPr>
-            <a:endParaRPr lang="en-US" sz="3600" dirty="0">
-              <a:latin typeface="Arial Rounded MT Bold" panose="020F0704030504030204" pitchFamily="34" charset="0"/>
-            </a:endParaRPr>
-          </a:p>
-          <a:p>
-            <a:pPr marL="0" indent="0">
-              <a:buNone/>
-            </a:pPr>
-            <a:r>
-              <a:rPr lang="en-US" sz="3600" dirty="0">
-                <a:latin typeface="Arial Rounded MT Bold" panose="020F0704030504030204" pitchFamily="34" charset="0"/>
-              </a:rPr>
-              <a:t>3. Patterns are too rigid</a:t>
-            </a:r>
-          </a:p>
-          <a:p>
-            <a:pPr marL="0" indent="0">
-              <a:buNone/>
-            </a:pPr>
-            <a:endParaRPr lang="en-US" sz="3600" dirty="0">
-              <a:latin typeface="Arial Rounded MT Bold" panose="020F0704030504030204" pitchFamily="34" charset="0"/>
-            </a:endParaRPr>
-          </a:p>
-          <a:p>
-            <a:pPr marL="0" indent="0">
-              <a:buNone/>
-            </a:pPr>
-            <a:r>
-              <a:rPr lang="en-US" sz="3600" dirty="0">
-                <a:latin typeface="Arial Rounded MT Bold" panose="020F0704030504030204" pitchFamily="34" charset="0"/>
-              </a:rPr>
-              <a:t>4. People use complex patterns unnecessarily.</a:t>
-            </a:r>
-            <a:endParaRPr lang="en-GB" sz="3600" dirty="0">
+              <a:t>Criticisms</a:t>
+            </a:r>
+            <a:endParaRPr lang="en-GB" sz="5400" cap="none" dirty="0">
               <a:latin typeface="Arial Rounded MT Bold" panose="020F0704030504030204" pitchFamily="34" charset="0"/>
             </a:endParaRPr>
           </a:p>

--- a/Doc/Software patterns in Delphi.pptx
+++ b/Doc/Software patterns in Delphi.pptx
@@ -10,28 +10,29 @@
     <p:sldId id="257" r:id="rId4"/>
     <p:sldId id="260" r:id="rId5"/>
     <p:sldId id="261" r:id="rId6"/>
-    <p:sldId id="288" r:id="rId7"/>
-    <p:sldId id="262" r:id="rId8"/>
-    <p:sldId id="263" r:id="rId9"/>
-    <p:sldId id="265" r:id="rId10"/>
-    <p:sldId id="266" r:id="rId11"/>
-    <p:sldId id="267" r:id="rId12"/>
-    <p:sldId id="268" r:id="rId13"/>
-    <p:sldId id="272" r:id="rId14"/>
-    <p:sldId id="274" r:id="rId15"/>
-    <p:sldId id="275" r:id="rId16"/>
-    <p:sldId id="287" r:id="rId17"/>
-    <p:sldId id="270" r:id="rId18"/>
-    <p:sldId id="277" r:id="rId19"/>
-    <p:sldId id="276" r:id="rId20"/>
-    <p:sldId id="278" r:id="rId21"/>
-    <p:sldId id="282" r:id="rId22"/>
-    <p:sldId id="284" r:id="rId23"/>
-    <p:sldId id="279" r:id="rId24"/>
-    <p:sldId id="283" r:id="rId25"/>
-    <p:sldId id="286" r:id="rId26"/>
-    <p:sldId id="285" r:id="rId27"/>
-    <p:sldId id="289" r:id="rId28"/>
+    <p:sldId id="290" r:id="rId7"/>
+    <p:sldId id="288" r:id="rId8"/>
+    <p:sldId id="262" r:id="rId9"/>
+    <p:sldId id="263" r:id="rId10"/>
+    <p:sldId id="265" r:id="rId11"/>
+    <p:sldId id="266" r:id="rId12"/>
+    <p:sldId id="267" r:id="rId13"/>
+    <p:sldId id="268" r:id="rId14"/>
+    <p:sldId id="272" r:id="rId15"/>
+    <p:sldId id="274" r:id="rId16"/>
+    <p:sldId id="275" r:id="rId17"/>
+    <p:sldId id="287" r:id="rId18"/>
+    <p:sldId id="270" r:id="rId19"/>
+    <p:sldId id="277" r:id="rId20"/>
+    <p:sldId id="276" r:id="rId21"/>
+    <p:sldId id="278" r:id="rId22"/>
+    <p:sldId id="282" r:id="rId23"/>
+    <p:sldId id="284" r:id="rId24"/>
+    <p:sldId id="279" r:id="rId25"/>
+    <p:sldId id="283" r:id="rId26"/>
+    <p:sldId id="286" r:id="rId27"/>
+    <p:sldId id="285" r:id="rId28"/>
+    <p:sldId id="289" r:id="rId29"/>
   </p:sldIdLst>
   <p:sldSz cx="12192000" cy="6858000"/>
   <p:notesSz cx="6858000" cy="9144000"/>
@@ -200,7 +201,7 @@
           <a:noFill/>
           <a:extLst>
             <a:ext uri="{909E8E84-426E-40dd-AFC4-6F175D3DCCD1}">
-              <a14:hiddenFill xmlns="" xmlns:a14="http://schemas.microsoft.com/office/drawing/2010/main">
+              <a14:hiddenFill xmlns:a14="http://schemas.microsoft.com/office/drawing/2010/main" xmlns="">
                 <a:solidFill>
                   <a:srgbClr val="FFFFFF"/>
                 </a:solidFill>
@@ -260,7 +261,7 @@
             </a:ln>
             <a:extLst>
               <a:ext uri="{91240B29-F687-4f45-9708-019B960494DF}">
-                <a14:hiddenLine xmlns="" xmlns:a14="http://schemas.microsoft.com/office/drawing/2010/main" w="9525">
+                <a14:hiddenLine xmlns:a14="http://schemas.microsoft.com/office/drawing/2010/main" xmlns="" w="9525">
                   <a:solidFill>
                     <a:srgbClr val="000000"/>
                   </a:solidFill>
@@ -350,7 +351,7 @@
             </a:ln>
             <a:extLst>
               <a:ext uri="{91240B29-F687-4f45-9708-019B960494DF}">
-                <a14:hiddenLine xmlns="" xmlns:a14="http://schemas.microsoft.com/office/drawing/2010/main" w="9525">
+                <a14:hiddenLine xmlns:a14="http://schemas.microsoft.com/office/drawing/2010/main" xmlns="" w="9525">
                   <a:solidFill>
                     <a:srgbClr val="000000"/>
                   </a:solidFill>
@@ -440,7 +441,7 @@
             </a:ln>
             <a:extLst>
               <a:ext uri="{91240B29-F687-4f45-9708-019B960494DF}">
-                <a14:hiddenLine xmlns="" xmlns:a14="http://schemas.microsoft.com/office/drawing/2010/main" w="9525">
+                <a14:hiddenLine xmlns:a14="http://schemas.microsoft.com/office/drawing/2010/main" xmlns="" w="9525">
                   <a:solidFill>
                     <a:srgbClr val="000000"/>
                   </a:solidFill>
@@ -474,7 +475,7 @@
             </a:ln>
             <a:extLst>
               <a:ext uri="{91240B29-F687-4f45-9708-019B960494DF}">
-                <a14:hiddenLine xmlns="" xmlns:a14="http://schemas.microsoft.com/office/drawing/2010/main" w="9525">
+                <a14:hiddenLine xmlns:a14="http://schemas.microsoft.com/office/drawing/2010/main" xmlns="" w="9525">
                   <a:solidFill>
                     <a:srgbClr val="000000"/>
                   </a:solidFill>
@@ -564,7 +565,7 @@
             </a:ln>
             <a:extLst>
               <a:ext uri="{91240B29-F687-4f45-9708-019B960494DF}">
-                <a14:hiddenLine xmlns="" xmlns:a14="http://schemas.microsoft.com/office/drawing/2010/main" w="9525">
+                <a14:hiddenLine xmlns:a14="http://schemas.microsoft.com/office/drawing/2010/main" xmlns="" w="9525">
                   <a:solidFill>
                     <a:srgbClr val="000000"/>
                   </a:solidFill>
@@ -626,7 +627,7 @@
             </a:ln>
             <a:extLst>
               <a:ext uri="{91240B29-F687-4f45-9708-019B960494DF}">
-                <a14:hiddenLine xmlns="" xmlns:a14="http://schemas.microsoft.com/office/drawing/2010/main" w="9525">
+                <a14:hiddenLine xmlns:a14="http://schemas.microsoft.com/office/drawing/2010/main" xmlns="" w="9525">
                   <a:solidFill>
                     <a:srgbClr val="000000"/>
                   </a:solidFill>
@@ -688,7 +689,7 @@
             </a:ln>
             <a:extLst>
               <a:ext uri="{91240B29-F687-4f45-9708-019B960494DF}">
-                <a14:hiddenLine xmlns="" xmlns:a14="http://schemas.microsoft.com/office/drawing/2010/main" w="9525">
+                <a14:hiddenLine xmlns:a14="http://schemas.microsoft.com/office/drawing/2010/main" xmlns="" w="9525">
                   <a:solidFill>
                     <a:srgbClr val="000000"/>
                   </a:solidFill>
@@ -778,7 +779,7 @@
             </a:ln>
             <a:extLst>
               <a:ext uri="{91240B29-F687-4f45-9708-019B960494DF}">
-                <a14:hiddenLine xmlns="" xmlns:a14="http://schemas.microsoft.com/office/drawing/2010/main" w="9525">
+                <a14:hiddenLine xmlns:a14="http://schemas.microsoft.com/office/drawing/2010/main" xmlns="" w="9525">
                   <a:solidFill>
                     <a:srgbClr val="000000"/>
                   </a:solidFill>
@@ -840,7 +841,7 @@
             </a:ln>
             <a:extLst>
               <a:ext uri="{91240B29-F687-4f45-9708-019B960494DF}">
-                <a14:hiddenLine xmlns="" xmlns:a14="http://schemas.microsoft.com/office/drawing/2010/main" w="9525">
+                <a14:hiddenLine xmlns:a14="http://schemas.microsoft.com/office/drawing/2010/main" xmlns="" w="9525">
                   <a:solidFill>
                     <a:srgbClr val="000000"/>
                   </a:solidFill>
@@ -902,7 +903,7 @@
             </a:ln>
             <a:extLst>
               <a:ext uri="{91240B29-F687-4f45-9708-019B960494DF}">
-                <a14:hiddenLine xmlns="" xmlns:a14="http://schemas.microsoft.com/office/drawing/2010/main" w="9525">
+                <a14:hiddenLine xmlns:a14="http://schemas.microsoft.com/office/drawing/2010/main" xmlns="" w="9525">
                   <a:solidFill>
                     <a:srgbClr val="000000"/>
                   </a:solidFill>
@@ -992,7 +993,7 @@
             </a:ln>
             <a:extLst>
               <a:ext uri="{91240B29-F687-4f45-9708-019B960494DF}">
-                <a14:hiddenLine xmlns="" xmlns:a14="http://schemas.microsoft.com/office/drawing/2010/main" w="9525">
+                <a14:hiddenLine xmlns:a14="http://schemas.microsoft.com/office/drawing/2010/main" xmlns="" w="9525">
                   <a:solidFill>
                     <a:srgbClr val="000000"/>
                   </a:solidFill>
@@ -1082,7 +1083,7 @@
             </a:ln>
             <a:extLst>
               <a:ext uri="{91240B29-F687-4f45-9708-019B960494DF}">
-                <a14:hiddenLine xmlns="" xmlns:a14="http://schemas.microsoft.com/office/drawing/2010/main" w="9525">
+                <a14:hiddenLine xmlns:a14="http://schemas.microsoft.com/office/drawing/2010/main" xmlns="" w="9525">
                   <a:solidFill>
                     <a:srgbClr val="000000"/>
                   </a:solidFill>
@@ -1144,7 +1145,7 @@
             </a:ln>
             <a:extLst>
               <a:ext uri="{91240B29-F687-4f45-9708-019B960494DF}">
-                <a14:hiddenLine xmlns="" xmlns:a14="http://schemas.microsoft.com/office/drawing/2010/main" w="9525">
+                <a14:hiddenLine xmlns:a14="http://schemas.microsoft.com/office/drawing/2010/main" xmlns="" w="9525">
                   <a:solidFill>
                     <a:srgbClr val="000000"/>
                   </a:solidFill>
@@ -1254,7 +1255,7 @@
             </a:ln>
             <a:extLst>
               <a:ext uri="{91240B29-F687-4f45-9708-019B960494DF}">
-                <a14:hiddenLine xmlns="" xmlns:a14="http://schemas.microsoft.com/office/drawing/2010/main" w="9525">
+                <a14:hiddenLine xmlns:a14="http://schemas.microsoft.com/office/drawing/2010/main" xmlns="" w="9525">
                   <a:solidFill>
                     <a:srgbClr val="000000"/>
                   </a:solidFill>
@@ -1316,7 +1317,7 @@
             </a:ln>
             <a:extLst>
               <a:ext uri="{91240B29-F687-4f45-9708-019B960494DF}">
-                <a14:hiddenLine xmlns="" xmlns:a14="http://schemas.microsoft.com/office/drawing/2010/main" w="9525">
+                <a14:hiddenLine xmlns:a14="http://schemas.microsoft.com/office/drawing/2010/main" xmlns="" w="9525">
                   <a:solidFill>
                     <a:srgbClr val="000000"/>
                   </a:solidFill>
@@ -1406,7 +1407,7 @@
             </a:ln>
             <a:extLst>
               <a:ext uri="{91240B29-F687-4f45-9708-019B960494DF}">
-                <a14:hiddenLine xmlns="" xmlns:a14="http://schemas.microsoft.com/office/drawing/2010/main" w="9525">
+                <a14:hiddenLine xmlns:a14="http://schemas.microsoft.com/office/drawing/2010/main" xmlns="" w="9525">
                   <a:solidFill>
                     <a:srgbClr val="000000"/>
                   </a:solidFill>
@@ -1496,7 +1497,7 @@
             </a:ln>
             <a:extLst>
               <a:ext uri="{91240B29-F687-4f45-9708-019B960494DF}">
-                <a14:hiddenLine xmlns="" xmlns:a14="http://schemas.microsoft.com/office/drawing/2010/main" w="9525">
+                <a14:hiddenLine xmlns:a14="http://schemas.microsoft.com/office/drawing/2010/main" xmlns="" w="9525">
                   <a:solidFill>
                     <a:srgbClr val="000000"/>
                   </a:solidFill>
@@ -1558,7 +1559,7 @@
             </a:ln>
             <a:extLst>
               <a:ext uri="{91240B29-F687-4f45-9708-019B960494DF}">
-                <a14:hiddenLine xmlns="" xmlns:a14="http://schemas.microsoft.com/office/drawing/2010/main" w="9525">
+                <a14:hiddenLine xmlns:a14="http://schemas.microsoft.com/office/drawing/2010/main" xmlns="" w="9525">
                   <a:solidFill>
                     <a:srgbClr val="000000"/>
                   </a:solidFill>
@@ -1648,7 +1649,7 @@
             </a:ln>
             <a:extLst>
               <a:ext uri="{91240B29-F687-4f45-9708-019B960494DF}">
-                <a14:hiddenLine xmlns="" xmlns:a14="http://schemas.microsoft.com/office/drawing/2010/main" w="9525">
+                <a14:hiddenLine xmlns:a14="http://schemas.microsoft.com/office/drawing/2010/main" xmlns="" w="9525">
                   <a:solidFill>
                     <a:srgbClr val="000000"/>
                   </a:solidFill>
@@ -1738,7 +1739,7 @@
             </a:ln>
             <a:extLst>
               <a:ext uri="{91240B29-F687-4f45-9708-019B960494DF}">
-                <a14:hiddenLine xmlns="" xmlns:a14="http://schemas.microsoft.com/office/drawing/2010/main" w="9525">
+                <a14:hiddenLine xmlns:a14="http://schemas.microsoft.com/office/drawing/2010/main" xmlns="" w="9525">
                   <a:solidFill>
                     <a:srgbClr val="000000"/>
                   </a:solidFill>
@@ -1794,7 +1795,7 @@
             </a:ln>
             <a:extLst>
               <a:ext uri="{91240B29-F687-4f45-9708-019B960494DF}">
-                <a14:hiddenLine xmlns="" xmlns:a14="http://schemas.microsoft.com/office/drawing/2010/main" w="9525">
+                <a14:hiddenLine xmlns:a14="http://schemas.microsoft.com/office/drawing/2010/main" xmlns="" w="9525">
                   <a:solidFill>
                     <a:srgbClr val="000000"/>
                   </a:solidFill>
@@ -1884,7 +1885,7 @@
             </a:ln>
             <a:extLst>
               <a:ext uri="{91240B29-F687-4f45-9708-019B960494DF}">
-                <a14:hiddenLine xmlns="" xmlns:a14="http://schemas.microsoft.com/office/drawing/2010/main" w="9525">
+                <a14:hiddenLine xmlns:a14="http://schemas.microsoft.com/office/drawing/2010/main" xmlns="" w="9525">
                   <a:solidFill>
                     <a:srgbClr val="000000"/>
                   </a:solidFill>
@@ -1940,7 +1941,7 @@
             </a:ln>
             <a:extLst>
               <a:ext uri="{91240B29-F687-4f45-9708-019B960494DF}">
-                <a14:hiddenLine xmlns="" xmlns:a14="http://schemas.microsoft.com/office/drawing/2010/main" w="9525">
+                <a14:hiddenLine xmlns:a14="http://schemas.microsoft.com/office/drawing/2010/main" xmlns="" w="9525">
                   <a:solidFill>
                     <a:srgbClr val="000000"/>
                   </a:solidFill>
@@ -2030,7 +2031,7 @@
             </a:ln>
             <a:extLst>
               <a:ext uri="{91240B29-F687-4f45-9708-019B960494DF}">
-                <a14:hiddenLine xmlns="" xmlns:a14="http://schemas.microsoft.com/office/drawing/2010/main" w="9525">
+                <a14:hiddenLine xmlns:a14="http://schemas.microsoft.com/office/drawing/2010/main" xmlns="" w="9525">
                   <a:solidFill>
                     <a:srgbClr val="000000"/>
                   </a:solidFill>
@@ -2098,7 +2099,7 @@
             </a:ln>
             <a:extLst>
               <a:ext uri="{91240B29-F687-4f45-9708-019B960494DF}">
-                <a14:hiddenLine xmlns="" xmlns:a14="http://schemas.microsoft.com/office/drawing/2010/main" w="9525">
+                <a14:hiddenLine xmlns:a14="http://schemas.microsoft.com/office/drawing/2010/main" xmlns="" w="9525">
                   <a:solidFill>
                     <a:srgbClr val="000000"/>
                   </a:solidFill>
@@ -2188,7 +2189,7 @@
             </a:ln>
             <a:extLst>
               <a:ext uri="{91240B29-F687-4f45-9708-019B960494DF}">
-                <a14:hiddenLine xmlns="" xmlns:a14="http://schemas.microsoft.com/office/drawing/2010/main" w="9525">
+                <a14:hiddenLine xmlns:a14="http://schemas.microsoft.com/office/drawing/2010/main" xmlns="" w="9525">
                   <a:solidFill>
                     <a:srgbClr val="000000"/>
                   </a:solidFill>
@@ -2256,7 +2257,7 @@
             </a:ln>
             <a:extLst>
               <a:ext uri="{91240B29-F687-4f45-9708-019B960494DF}">
-                <a14:hiddenLine xmlns="" xmlns:a14="http://schemas.microsoft.com/office/drawing/2010/main" w="9525">
+                <a14:hiddenLine xmlns:a14="http://schemas.microsoft.com/office/drawing/2010/main" xmlns="" w="9525">
                   <a:solidFill>
                     <a:srgbClr val="000000"/>
                   </a:solidFill>
@@ -2346,7 +2347,7 @@
             </a:ln>
             <a:extLst>
               <a:ext uri="{91240B29-F687-4f45-9708-019B960494DF}">
-                <a14:hiddenLine xmlns="" xmlns:a14="http://schemas.microsoft.com/office/drawing/2010/main" w="9525">
+                <a14:hiddenLine xmlns:a14="http://schemas.microsoft.com/office/drawing/2010/main" xmlns="" w="9525">
                   <a:solidFill>
                     <a:srgbClr val="000000"/>
                   </a:solidFill>
@@ -2380,7 +2381,7 @@
             </a:ln>
             <a:extLst>
               <a:ext uri="{91240B29-F687-4f45-9708-019B960494DF}">
-                <a14:hiddenLine xmlns="" xmlns:a14="http://schemas.microsoft.com/office/drawing/2010/main" w="9525">
+                <a14:hiddenLine xmlns:a14="http://schemas.microsoft.com/office/drawing/2010/main" xmlns="" w="9525">
                   <a:solidFill>
                     <a:srgbClr val="000000"/>
                   </a:solidFill>
@@ -2470,7 +2471,7 @@
             </a:ln>
             <a:extLst>
               <a:ext uri="{91240B29-F687-4f45-9708-019B960494DF}">
-                <a14:hiddenLine xmlns="" xmlns:a14="http://schemas.microsoft.com/office/drawing/2010/main" w="9525">
+                <a14:hiddenLine xmlns:a14="http://schemas.microsoft.com/office/drawing/2010/main" xmlns="" w="9525">
                   <a:solidFill>
                     <a:srgbClr val="000000"/>
                   </a:solidFill>
@@ -2532,7 +2533,7 @@
             </a:ln>
             <a:extLst>
               <a:ext uri="{91240B29-F687-4f45-9708-019B960494DF}">
-                <a14:hiddenLine xmlns="" xmlns:a14="http://schemas.microsoft.com/office/drawing/2010/main" w="9525">
+                <a14:hiddenLine xmlns:a14="http://schemas.microsoft.com/office/drawing/2010/main" xmlns="" w="9525">
                   <a:solidFill>
                     <a:srgbClr val="000000"/>
                   </a:solidFill>
@@ -2594,7 +2595,7 @@
             </a:ln>
             <a:extLst>
               <a:ext uri="{91240B29-F687-4f45-9708-019B960494DF}">
-                <a14:hiddenLine xmlns="" xmlns:a14="http://schemas.microsoft.com/office/drawing/2010/main" w="9525">
+                <a14:hiddenLine xmlns:a14="http://schemas.microsoft.com/office/drawing/2010/main" xmlns="" w="9525">
                   <a:solidFill>
                     <a:srgbClr val="000000"/>
                   </a:solidFill>
@@ -2684,7 +2685,7 @@
             </a:ln>
             <a:extLst>
               <a:ext uri="{91240B29-F687-4f45-9708-019B960494DF}">
-                <a14:hiddenLine xmlns="" xmlns:a14="http://schemas.microsoft.com/office/drawing/2010/main" w="9525">
+                <a14:hiddenLine xmlns:a14="http://schemas.microsoft.com/office/drawing/2010/main" xmlns="" w="9525">
                   <a:solidFill>
                     <a:srgbClr val="000000"/>
                   </a:solidFill>
@@ -2752,7 +2753,7 @@
             </a:ln>
             <a:extLst>
               <a:ext uri="{91240B29-F687-4f45-9708-019B960494DF}">
-                <a14:hiddenLine xmlns="" xmlns:a14="http://schemas.microsoft.com/office/drawing/2010/main" w="9525">
+                <a14:hiddenLine xmlns:a14="http://schemas.microsoft.com/office/drawing/2010/main" xmlns="" w="9525">
                   <a:solidFill>
                     <a:srgbClr val="000000"/>
                   </a:solidFill>
@@ -2814,7 +2815,7 @@
             </a:ln>
             <a:extLst>
               <a:ext uri="{91240B29-F687-4f45-9708-019B960494DF}">
-                <a14:hiddenLine xmlns="" xmlns:a14="http://schemas.microsoft.com/office/drawing/2010/main" w="9525">
+                <a14:hiddenLine xmlns:a14="http://schemas.microsoft.com/office/drawing/2010/main" xmlns="" w="9525">
                   <a:solidFill>
                     <a:srgbClr val="000000"/>
                   </a:solidFill>
@@ -2904,7 +2905,7 @@
             </a:ln>
             <a:extLst>
               <a:ext uri="{91240B29-F687-4f45-9708-019B960494DF}">
-                <a14:hiddenLine xmlns="" xmlns:a14="http://schemas.microsoft.com/office/drawing/2010/main" w="9525">
+                <a14:hiddenLine xmlns:a14="http://schemas.microsoft.com/office/drawing/2010/main" xmlns="" w="9525">
                   <a:solidFill>
                     <a:srgbClr val="000000"/>
                   </a:solidFill>
@@ -2966,7 +2967,7 @@
             </a:ln>
             <a:extLst>
               <a:ext uri="{91240B29-F687-4f45-9708-019B960494DF}">
-                <a14:hiddenLine xmlns="" xmlns:a14="http://schemas.microsoft.com/office/drawing/2010/main" w="9525">
+                <a14:hiddenLine xmlns:a14="http://schemas.microsoft.com/office/drawing/2010/main" xmlns="" w="9525">
                   <a:solidFill>
                     <a:srgbClr val="000000"/>
                   </a:solidFill>
@@ -3056,7 +3057,7 @@
             </a:ln>
             <a:extLst>
               <a:ext uri="{91240B29-F687-4f45-9708-019B960494DF}">
-                <a14:hiddenLine xmlns="" xmlns:a14="http://schemas.microsoft.com/office/drawing/2010/main" w="9525">
+                <a14:hiddenLine xmlns:a14="http://schemas.microsoft.com/office/drawing/2010/main" xmlns="" w="9525">
                   <a:solidFill>
                     <a:srgbClr val="000000"/>
                   </a:solidFill>
@@ -3118,7 +3119,7 @@
             </a:ln>
             <a:extLst>
               <a:ext uri="{91240B29-F687-4f45-9708-019B960494DF}">
-                <a14:hiddenLine xmlns="" xmlns:a14="http://schemas.microsoft.com/office/drawing/2010/main" w="9525">
+                <a14:hiddenLine xmlns:a14="http://schemas.microsoft.com/office/drawing/2010/main" xmlns="" w="9525">
                   <a:solidFill>
                     <a:srgbClr val="000000"/>
                   </a:solidFill>
@@ -3208,7 +3209,7 @@
             </a:ln>
             <a:extLst>
               <a:ext uri="{91240B29-F687-4f45-9708-019B960494DF}">
-                <a14:hiddenLine xmlns="" xmlns:a14="http://schemas.microsoft.com/office/drawing/2010/main" w="9525">
+                <a14:hiddenLine xmlns:a14="http://schemas.microsoft.com/office/drawing/2010/main" xmlns="" w="9525">
                   <a:solidFill>
                     <a:srgbClr val="000000"/>
                   </a:solidFill>
@@ -3242,7 +3243,7 @@
             </a:ln>
             <a:extLst>
               <a:ext uri="{91240B29-F687-4f45-9708-019B960494DF}">
-                <a14:hiddenLine xmlns="" xmlns:a14="http://schemas.microsoft.com/office/drawing/2010/main" w="9525">
+                <a14:hiddenLine xmlns:a14="http://schemas.microsoft.com/office/drawing/2010/main" xmlns="" w="9525">
                   <a:solidFill>
                     <a:srgbClr val="000000"/>
                   </a:solidFill>
@@ -3307,7 +3308,7 @@
             </a:ln>
             <a:extLst>
               <a:ext uri="{91240B29-F687-4f45-9708-019B960494DF}">
-                <a14:hiddenLine xmlns="" xmlns:a14="http://schemas.microsoft.com/office/drawing/2010/main" w="9525">
+                <a14:hiddenLine xmlns:a14="http://schemas.microsoft.com/office/drawing/2010/main" xmlns="" w="9525">
                   <a:solidFill>
                     <a:srgbClr val="000000"/>
                   </a:solidFill>
@@ -3397,7 +3398,7 @@
             </a:ln>
             <a:extLst>
               <a:ext uri="{91240B29-F687-4f45-9708-019B960494DF}">
-                <a14:hiddenLine xmlns="" xmlns:a14="http://schemas.microsoft.com/office/drawing/2010/main" w="9525">
+                <a14:hiddenLine xmlns:a14="http://schemas.microsoft.com/office/drawing/2010/main" xmlns="" w="9525">
                   <a:solidFill>
                     <a:srgbClr val="000000"/>
                   </a:solidFill>
@@ -3459,7 +3460,7 @@
             </a:ln>
             <a:extLst>
               <a:ext uri="{91240B29-F687-4f45-9708-019B960494DF}">
-                <a14:hiddenLine xmlns="" xmlns:a14="http://schemas.microsoft.com/office/drawing/2010/main" w="9525">
+                <a14:hiddenLine xmlns:a14="http://schemas.microsoft.com/office/drawing/2010/main" xmlns="" w="9525">
                   <a:solidFill>
                     <a:srgbClr val="000000"/>
                   </a:solidFill>
@@ -3549,7 +3550,7 @@
             </a:ln>
             <a:extLst>
               <a:ext uri="{91240B29-F687-4f45-9708-019B960494DF}">
-                <a14:hiddenLine xmlns="" xmlns:a14="http://schemas.microsoft.com/office/drawing/2010/main" w="9525">
+                <a14:hiddenLine xmlns:a14="http://schemas.microsoft.com/office/drawing/2010/main" xmlns="" w="9525">
                   <a:solidFill>
                     <a:srgbClr val="000000"/>
                   </a:solidFill>
@@ -3639,7 +3640,7 @@
             </a:ln>
             <a:extLst>
               <a:ext uri="{91240B29-F687-4f45-9708-019B960494DF}">
-                <a14:hiddenLine xmlns="" xmlns:a14="http://schemas.microsoft.com/office/drawing/2010/main" w="9525">
+                <a14:hiddenLine xmlns:a14="http://schemas.microsoft.com/office/drawing/2010/main" xmlns="" w="9525">
                   <a:solidFill>
                     <a:srgbClr val="000000"/>
                   </a:solidFill>
@@ -3704,7 +3705,7 @@
             </a:ln>
             <a:extLst>
               <a:ext uri="{91240B29-F687-4f45-9708-019B960494DF}">
-                <a14:hiddenLine xmlns="" xmlns:a14="http://schemas.microsoft.com/office/drawing/2010/main" w="9525">
+                <a14:hiddenLine xmlns:a14="http://schemas.microsoft.com/office/drawing/2010/main" xmlns="" w="9525">
                   <a:solidFill>
                     <a:srgbClr val="000000"/>
                   </a:solidFill>
@@ -3766,7 +3767,7 @@
             </a:ln>
             <a:extLst>
               <a:ext uri="{91240B29-F687-4f45-9708-019B960494DF}">
-                <a14:hiddenLine xmlns="" xmlns:a14="http://schemas.microsoft.com/office/drawing/2010/main" w="9525">
+                <a14:hiddenLine xmlns:a14="http://schemas.microsoft.com/office/drawing/2010/main" xmlns="" w="9525">
                   <a:solidFill>
                     <a:srgbClr val="000000"/>
                   </a:solidFill>
@@ -3856,7 +3857,7 @@
             </a:ln>
             <a:extLst>
               <a:ext uri="{91240B29-F687-4f45-9708-019B960494DF}">
-                <a14:hiddenLine xmlns="" xmlns:a14="http://schemas.microsoft.com/office/drawing/2010/main" w="9525">
+                <a14:hiddenLine xmlns:a14="http://schemas.microsoft.com/office/drawing/2010/main" xmlns="" w="9525">
                   <a:solidFill>
                     <a:srgbClr val="000000"/>
                   </a:solidFill>
@@ -3946,7 +3947,7 @@
             </a:ln>
             <a:extLst>
               <a:ext uri="{91240B29-F687-4f45-9708-019B960494DF}">
-                <a14:hiddenLine xmlns="" xmlns:a14="http://schemas.microsoft.com/office/drawing/2010/main" w="9525">
+                <a14:hiddenLine xmlns:a14="http://schemas.microsoft.com/office/drawing/2010/main" xmlns="" w="9525">
                   <a:solidFill>
                     <a:srgbClr val="000000"/>
                   </a:solidFill>
@@ -4008,7 +4009,7 @@
             </a:ln>
             <a:extLst>
               <a:ext uri="{91240B29-F687-4f45-9708-019B960494DF}">
-                <a14:hiddenLine xmlns="" xmlns:a14="http://schemas.microsoft.com/office/drawing/2010/main" w="9525">
+                <a14:hiddenLine xmlns:a14="http://schemas.microsoft.com/office/drawing/2010/main" xmlns="" w="9525">
                   <a:solidFill>
                     <a:srgbClr val="000000"/>
                   </a:solidFill>
@@ -4128,7 +4129,7 @@
             </a:ln>
             <a:extLst>
               <a:ext uri="{91240B29-F687-4f45-9708-019B960494DF}">
-                <a14:hiddenLine xmlns="" xmlns:a14="http://schemas.microsoft.com/office/drawing/2010/main" w="9525">
+                <a14:hiddenLine xmlns:a14="http://schemas.microsoft.com/office/drawing/2010/main" xmlns="" w="9525">
                   <a:solidFill>
                     <a:srgbClr val="000000"/>
                   </a:solidFill>
@@ -4196,7 +4197,7 @@
             </a:ln>
             <a:extLst>
               <a:ext uri="{91240B29-F687-4f45-9708-019B960494DF}">
-                <a14:hiddenLine xmlns="" xmlns:a14="http://schemas.microsoft.com/office/drawing/2010/main" w="9525">
+                <a14:hiddenLine xmlns:a14="http://schemas.microsoft.com/office/drawing/2010/main" xmlns="" w="9525">
                   <a:solidFill>
                     <a:srgbClr val="000000"/>
                   </a:solidFill>
@@ -4286,7 +4287,7 @@
             </a:ln>
             <a:extLst>
               <a:ext uri="{91240B29-F687-4f45-9708-019B960494DF}">
-                <a14:hiddenLine xmlns="" xmlns:a14="http://schemas.microsoft.com/office/drawing/2010/main" w="9525">
+                <a14:hiddenLine xmlns:a14="http://schemas.microsoft.com/office/drawing/2010/main" xmlns="" w="9525">
                   <a:solidFill>
                     <a:srgbClr val="000000"/>
                   </a:solidFill>
@@ -4426,7 +4427,7 @@
           <a:p>
             <a:fld id="{2FB686EC-EB34-4483-B8BC-4B1442AC036E}" type="datetimeFigureOut">
               <a:rPr lang="en-GB" smtClean="0"/>
-              <a:t>09/09/2021</a:t>
+              <a:t>10/09/2021</a:t>
             </a:fld>
             <a:endParaRPr lang="en-GB"/>
           </a:p>
@@ -4693,7 +4694,7 @@
           <a:p>
             <a:fld id="{2FB686EC-EB34-4483-B8BC-4B1442AC036E}" type="datetimeFigureOut">
               <a:rPr lang="en-GB" smtClean="0"/>
-              <a:t>09/09/2021</a:t>
+              <a:t>10/09/2021</a:t>
             </a:fld>
             <a:endParaRPr lang="en-GB"/>
           </a:p>
@@ -4888,7 +4889,7 @@
           <a:p>
             <a:fld id="{2FB686EC-EB34-4483-B8BC-4B1442AC036E}" type="datetimeFigureOut">
               <a:rPr lang="en-GB" smtClean="0"/>
-              <a:t>09/09/2021</a:t>
+              <a:t>10/09/2021</a:t>
             </a:fld>
             <a:endParaRPr lang="en-GB"/>
           </a:p>
@@ -5151,7 +5152,7 @@
           <a:p>
             <a:fld id="{2FB686EC-EB34-4483-B8BC-4B1442AC036E}" type="datetimeFigureOut">
               <a:rPr lang="en-GB" smtClean="0"/>
-              <a:t>09/09/2021</a:t>
+              <a:t>10/09/2021</a:t>
             </a:fld>
             <a:endParaRPr lang="en-GB"/>
           </a:p>
@@ -5585,7 +5586,7 @@
           <a:p>
             <a:fld id="{2FB686EC-EB34-4483-B8BC-4B1442AC036E}" type="datetimeFigureOut">
               <a:rPr lang="en-GB" smtClean="0"/>
-              <a:t>09/09/2021</a:t>
+              <a:t>10/09/2021</a:t>
             </a:fld>
             <a:endParaRPr lang="en-GB"/>
           </a:p>
@@ -6131,7 +6132,7 @@
           <a:p>
             <a:fld id="{2FB686EC-EB34-4483-B8BC-4B1442AC036E}" type="datetimeFigureOut">
               <a:rPr lang="en-GB" smtClean="0"/>
-              <a:t>09/09/2021</a:t>
+              <a:t>10/09/2021</a:t>
             </a:fld>
             <a:endParaRPr lang="en-GB"/>
           </a:p>
@@ -6851,7 +6852,7 @@
           <a:p>
             <a:fld id="{2FB686EC-EB34-4483-B8BC-4B1442AC036E}" type="datetimeFigureOut">
               <a:rPr lang="en-GB" smtClean="0"/>
-              <a:t>09/09/2021</a:t>
+              <a:t>10/09/2021</a:t>
             </a:fld>
             <a:endParaRPr lang="en-GB"/>
           </a:p>
@@ -7021,7 +7022,7 @@
           <a:p>
             <a:fld id="{2FB686EC-EB34-4483-B8BC-4B1442AC036E}" type="datetimeFigureOut">
               <a:rPr lang="en-GB" smtClean="0"/>
-              <a:t>09/09/2021</a:t>
+              <a:t>10/09/2021</a:t>
             </a:fld>
             <a:endParaRPr lang="en-GB"/>
           </a:p>
@@ -7201,7 +7202,7 @@
           <a:p>
             <a:fld id="{2FB686EC-EB34-4483-B8BC-4B1442AC036E}" type="datetimeFigureOut">
               <a:rPr lang="en-GB" smtClean="0"/>
-              <a:t>09/09/2021</a:t>
+              <a:t>10/09/2021</a:t>
             </a:fld>
             <a:endParaRPr lang="en-GB"/>
           </a:p>
@@ -7371,7 +7372,7 @@
           <a:p>
             <a:fld id="{2FB686EC-EB34-4483-B8BC-4B1442AC036E}" type="datetimeFigureOut">
               <a:rPr lang="en-GB" smtClean="0"/>
-              <a:t>09/09/2021</a:t>
+              <a:t>10/09/2021</a:t>
             </a:fld>
             <a:endParaRPr lang="en-GB"/>
           </a:p>
@@ -7621,7 +7622,7 @@
           <a:p>
             <a:fld id="{2FB686EC-EB34-4483-B8BC-4B1442AC036E}" type="datetimeFigureOut">
               <a:rPr lang="en-GB" smtClean="0"/>
-              <a:t>09/09/2021</a:t>
+              <a:t>10/09/2021</a:t>
             </a:fld>
             <a:endParaRPr lang="en-GB"/>
           </a:p>
@@ -7853,7 +7854,7 @@
           <a:p>
             <a:fld id="{2FB686EC-EB34-4483-B8BC-4B1442AC036E}" type="datetimeFigureOut">
               <a:rPr lang="en-GB" smtClean="0"/>
-              <a:t>09/09/2021</a:t>
+              <a:t>10/09/2021</a:t>
             </a:fld>
             <a:endParaRPr lang="en-GB"/>
           </a:p>
@@ -8234,7 +8235,7 @@
           <a:p>
             <a:fld id="{2FB686EC-EB34-4483-B8BC-4B1442AC036E}" type="datetimeFigureOut">
               <a:rPr lang="en-GB" smtClean="0"/>
-              <a:t>09/09/2021</a:t>
+              <a:t>10/09/2021</a:t>
             </a:fld>
             <a:endParaRPr lang="en-GB"/>
           </a:p>
@@ -8352,7 +8353,7 @@
           <a:p>
             <a:fld id="{2FB686EC-EB34-4483-B8BC-4B1442AC036E}" type="datetimeFigureOut">
               <a:rPr lang="en-GB" smtClean="0"/>
-              <a:t>09/09/2021</a:t>
+              <a:t>10/09/2021</a:t>
             </a:fld>
             <a:endParaRPr lang="en-GB"/>
           </a:p>
@@ -8447,7 +8448,7 @@
           <a:p>
             <a:fld id="{2FB686EC-EB34-4483-B8BC-4B1442AC036E}" type="datetimeFigureOut">
               <a:rPr lang="en-GB" smtClean="0"/>
-              <a:t>09/09/2021</a:t>
+              <a:t>10/09/2021</a:t>
             </a:fld>
             <a:endParaRPr lang="en-GB"/>
           </a:p>
@@ -8696,7 +8697,7 @@
           <a:p>
             <a:fld id="{2FB686EC-EB34-4483-B8BC-4B1442AC036E}" type="datetimeFigureOut">
               <a:rPr lang="en-GB" smtClean="0"/>
-              <a:t>09/09/2021</a:t>
+              <a:t>10/09/2021</a:t>
             </a:fld>
             <a:endParaRPr lang="en-GB"/>
           </a:p>
@@ -8976,7 +8977,7 @@
           <a:p>
             <a:fld id="{2FB686EC-EB34-4483-B8BC-4B1442AC036E}" type="datetimeFigureOut">
               <a:rPr lang="en-GB" smtClean="0"/>
-              <a:t>09/09/2021</a:t>
+              <a:t>10/09/2021</a:t>
             </a:fld>
             <a:endParaRPr lang="en-GB"/>
           </a:p>
@@ -9092,7 +9093,7 @@
           <a:noFill/>
           <a:extLst>
             <a:ext uri="{909E8E84-426E-40dd-AFC4-6F175D3DCCD1}">
-              <a14:hiddenFill xmlns="" xmlns:a14="http://schemas.microsoft.com/office/drawing/2010/main">
+              <a14:hiddenFill xmlns:a14="http://schemas.microsoft.com/office/drawing/2010/main" xmlns="">
                 <a:solidFill>
                   <a:srgbClr val="FFFFFF"/>
                 </a:solidFill>
@@ -9166,7 +9167,7 @@
               </a:ln>
               <a:extLst>
                 <a:ext uri="{91240B29-F687-4f45-9708-019B960494DF}">
-                  <a14:hiddenLine xmlns="" xmlns:a14="http://schemas.microsoft.com/office/drawing/2010/main" w="9525">
+                  <a14:hiddenLine xmlns:a14="http://schemas.microsoft.com/office/drawing/2010/main" xmlns="" w="9525">
                     <a:solidFill>
                       <a:srgbClr val="000000"/>
                     </a:solidFill>
@@ -9256,7 +9257,7 @@
               </a:ln>
               <a:extLst>
                 <a:ext uri="{91240B29-F687-4f45-9708-019B960494DF}">
-                  <a14:hiddenLine xmlns="" xmlns:a14="http://schemas.microsoft.com/office/drawing/2010/main" w="9525">
+                  <a14:hiddenLine xmlns:a14="http://schemas.microsoft.com/office/drawing/2010/main" xmlns="" w="9525">
                     <a:solidFill>
                       <a:srgbClr val="000000"/>
                     </a:solidFill>
@@ -9346,7 +9347,7 @@
               </a:ln>
               <a:extLst>
                 <a:ext uri="{91240B29-F687-4f45-9708-019B960494DF}">
-                  <a14:hiddenLine xmlns="" xmlns:a14="http://schemas.microsoft.com/office/drawing/2010/main" w="9525">
+                  <a14:hiddenLine xmlns:a14="http://schemas.microsoft.com/office/drawing/2010/main" xmlns="" w="9525">
                     <a:solidFill>
                       <a:srgbClr val="000000"/>
                     </a:solidFill>
@@ -9408,7 +9409,7 @@
               </a:ln>
               <a:extLst>
                 <a:ext uri="{91240B29-F687-4f45-9708-019B960494DF}">
-                  <a14:hiddenLine xmlns="" xmlns:a14="http://schemas.microsoft.com/office/drawing/2010/main" w="9525">
+                  <a14:hiddenLine xmlns:a14="http://schemas.microsoft.com/office/drawing/2010/main" xmlns="" w="9525">
                     <a:solidFill>
                       <a:srgbClr val="000000"/>
                     </a:solidFill>
@@ -9498,7 +9499,7 @@
               </a:ln>
               <a:extLst>
                 <a:ext uri="{91240B29-F687-4f45-9708-019B960494DF}">
-                  <a14:hiddenLine xmlns="" xmlns:a14="http://schemas.microsoft.com/office/drawing/2010/main" w="9525">
+                  <a14:hiddenLine xmlns:a14="http://schemas.microsoft.com/office/drawing/2010/main" xmlns="" w="9525">
                     <a:solidFill>
                       <a:srgbClr val="000000"/>
                     </a:solidFill>
@@ -9560,7 +9561,7 @@
               </a:ln>
               <a:extLst>
                 <a:ext uri="{91240B29-F687-4f45-9708-019B960494DF}">
-                  <a14:hiddenLine xmlns="" xmlns:a14="http://schemas.microsoft.com/office/drawing/2010/main" w="9525">
+                  <a14:hiddenLine xmlns:a14="http://schemas.microsoft.com/office/drawing/2010/main" xmlns="" w="9525">
                     <a:solidFill>
                       <a:srgbClr val="000000"/>
                     </a:solidFill>
@@ -9622,7 +9623,7 @@
               </a:ln>
               <a:extLst>
                 <a:ext uri="{91240B29-F687-4f45-9708-019B960494DF}">
-                  <a14:hiddenLine xmlns="" xmlns:a14="http://schemas.microsoft.com/office/drawing/2010/main" w="9525">
+                  <a14:hiddenLine xmlns:a14="http://schemas.microsoft.com/office/drawing/2010/main" xmlns="" w="9525">
                     <a:solidFill>
                       <a:srgbClr val="000000"/>
                     </a:solidFill>
@@ -9712,7 +9713,7 @@
               </a:ln>
               <a:extLst>
                 <a:ext uri="{91240B29-F687-4f45-9708-019B960494DF}">
-                  <a14:hiddenLine xmlns="" xmlns:a14="http://schemas.microsoft.com/office/drawing/2010/main" w="9525">
+                  <a14:hiddenLine xmlns:a14="http://schemas.microsoft.com/office/drawing/2010/main" xmlns="" w="9525">
                     <a:solidFill>
                       <a:srgbClr val="000000"/>
                     </a:solidFill>
@@ -9802,7 +9803,7 @@
               </a:ln>
               <a:extLst>
                 <a:ext uri="{91240B29-F687-4f45-9708-019B960494DF}">
-                  <a14:hiddenLine xmlns="" xmlns:a14="http://schemas.microsoft.com/office/drawing/2010/main" w="9525">
+                  <a14:hiddenLine xmlns:a14="http://schemas.microsoft.com/office/drawing/2010/main" xmlns="" w="9525">
                     <a:solidFill>
                       <a:srgbClr val="000000"/>
                     </a:solidFill>
@@ -9864,7 +9865,7 @@
               </a:ln>
               <a:extLst>
                 <a:ext uri="{91240B29-F687-4f45-9708-019B960494DF}">
-                  <a14:hiddenLine xmlns="" xmlns:a14="http://schemas.microsoft.com/office/drawing/2010/main" w="9525">
+                  <a14:hiddenLine xmlns:a14="http://schemas.microsoft.com/office/drawing/2010/main" xmlns="" w="9525">
                     <a:solidFill>
                       <a:srgbClr val="000000"/>
                     </a:solidFill>
@@ -9974,7 +9975,7 @@
               </a:ln>
               <a:extLst>
                 <a:ext uri="{91240B29-F687-4f45-9708-019B960494DF}">
-                  <a14:hiddenLine xmlns="" xmlns:a14="http://schemas.microsoft.com/office/drawing/2010/main" w="9525">
+                  <a14:hiddenLine xmlns:a14="http://schemas.microsoft.com/office/drawing/2010/main" xmlns="" w="9525">
                     <a:solidFill>
                       <a:srgbClr val="000000"/>
                     </a:solidFill>
@@ -10058,7 +10059,7 @@
               </a:ln>
               <a:extLst>
                 <a:ext uri="{91240B29-F687-4f45-9708-019B960494DF}">
-                  <a14:hiddenLine xmlns="" xmlns:a14="http://schemas.microsoft.com/office/drawing/2010/main" w="9525">
+                  <a14:hiddenLine xmlns:a14="http://schemas.microsoft.com/office/drawing/2010/main" xmlns="" w="9525">
                     <a:solidFill>
                       <a:srgbClr val="000000"/>
                     </a:solidFill>
@@ -10120,7 +10121,7 @@
               </a:ln>
               <a:extLst>
                 <a:ext uri="{91240B29-F687-4f45-9708-019B960494DF}">
-                  <a14:hiddenLine xmlns="" xmlns:a14="http://schemas.microsoft.com/office/drawing/2010/main" w="9525">
+                  <a14:hiddenLine xmlns:a14="http://schemas.microsoft.com/office/drawing/2010/main" xmlns="" w="9525">
                     <a:solidFill>
                       <a:srgbClr val="000000"/>
                     </a:solidFill>
@@ -10182,7 +10183,7 @@
               </a:ln>
               <a:extLst>
                 <a:ext uri="{91240B29-F687-4f45-9708-019B960494DF}">
-                  <a14:hiddenLine xmlns="" xmlns:a14="http://schemas.microsoft.com/office/drawing/2010/main" w="9525">
+                  <a14:hiddenLine xmlns:a14="http://schemas.microsoft.com/office/drawing/2010/main" xmlns="" w="9525">
                     <a:solidFill>
                       <a:srgbClr val="000000"/>
                     </a:solidFill>
@@ -10272,7 +10273,7 @@
               </a:ln>
               <a:extLst>
                 <a:ext uri="{91240B29-F687-4f45-9708-019B960494DF}">
-                  <a14:hiddenLine xmlns="" xmlns:a14="http://schemas.microsoft.com/office/drawing/2010/main" w="9525">
+                  <a14:hiddenLine xmlns:a14="http://schemas.microsoft.com/office/drawing/2010/main" xmlns="" w="9525">
                     <a:solidFill>
                       <a:srgbClr val="000000"/>
                     </a:solidFill>
@@ -10306,7 +10307,7 @@
               </a:ln>
               <a:extLst>
                 <a:ext uri="{91240B29-F687-4f45-9708-019B960494DF}">
-                  <a14:hiddenLine xmlns="" xmlns:a14="http://schemas.microsoft.com/office/drawing/2010/main" w="9525">
+                  <a14:hiddenLine xmlns:a14="http://schemas.microsoft.com/office/drawing/2010/main" xmlns="" w="9525">
                     <a:solidFill>
                       <a:srgbClr val="000000"/>
                     </a:solidFill>
@@ -10371,7 +10372,7 @@
               </a:ln>
               <a:extLst>
                 <a:ext uri="{91240B29-F687-4f45-9708-019B960494DF}">
-                  <a14:hiddenLine xmlns="" xmlns:a14="http://schemas.microsoft.com/office/drawing/2010/main" w="9525">
+                  <a14:hiddenLine xmlns:a14="http://schemas.microsoft.com/office/drawing/2010/main" xmlns="" w="9525">
                     <a:solidFill>
                       <a:srgbClr val="000000"/>
                     </a:solidFill>
@@ -10461,7 +10462,7 @@
               </a:ln>
               <a:extLst>
                 <a:ext uri="{91240B29-F687-4f45-9708-019B960494DF}">
-                  <a14:hiddenLine xmlns="" xmlns:a14="http://schemas.microsoft.com/office/drawing/2010/main" w="9525">
+                  <a14:hiddenLine xmlns:a14="http://schemas.microsoft.com/office/drawing/2010/main" xmlns="" w="9525">
                     <a:solidFill>
                       <a:srgbClr val="000000"/>
                     </a:solidFill>
@@ -10523,7 +10524,7 @@
               </a:ln>
               <a:extLst>
                 <a:ext uri="{91240B29-F687-4f45-9708-019B960494DF}">
-                  <a14:hiddenLine xmlns="" xmlns:a14="http://schemas.microsoft.com/office/drawing/2010/main" w="9525">
+                  <a14:hiddenLine xmlns:a14="http://schemas.microsoft.com/office/drawing/2010/main" xmlns="" w="9525">
                     <a:solidFill>
                       <a:srgbClr val="000000"/>
                     </a:solidFill>
@@ -10613,7 +10614,7 @@
               </a:ln>
               <a:extLst>
                 <a:ext uri="{91240B29-F687-4f45-9708-019B960494DF}">
-                  <a14:hiddenLine xmlns="" xmlns:a14="http://schemas.microsoft.com/office/drawing/2010/main" w="9525">
+                  <a14:hiddenLine xmlns:a14="http://schemas.microsoft.com/office/drawing/2010/main" xmlns="" w="9525">
                     <a:solidFill>
                       <a:srgbClr val="000000"/>
                     </a:solidFill>
@@ -10678,7 +10679,7 @@
               </a:ln>
               <a:extLst>
                 <a:ext uri="{91240B29-F687-4f45-9708-019B960494DF}">
-                  <a14:hiddenLine xmlns="" xmlns:a14="http://schemas.microsoft.com/office/drawing/2010/main" w="9525">
+                  <a14:hiddenLine xmlns:a14="http://schemas.microsoft.com/office/drawing/2010/main" xmlns="" w="9525">
                     <a:solidFill>
                       <a:srgbClr val="000000"/>
                     </a:solidFill>
@@ -10740,7 +10741,7 @@
               </a:ln>
               <a:extLst>
                 <a:ext uri="{91240B29-F687-4f45-9708-019B960494DF}">
-                  <a14:hiddenLine xmlns="" xmlns:a14="http://schemas.microsoft.com/office/drawing/2010/main" w="9525">
+                  <a14:hiddenLine xmlns:a14="http://schemas.microsoft.com/office/drawing/2010/main" xmlns="" w="9525">
                     <a:solidFill>
                       <a:srgbClr val="000000"/>
                     </a:solidFill>
@@ -10830,7 +10831,7 @@
               </a:ln>
               <a:extLst>
                 <a:ext uri="{91240B29-F687-4f45-9708-019B960494DF}">
-                  <a14:hiddenLine xmlns="" xmlns:a14="http://schemas.microsoft.com/office/drawing/2010/main" w="9525">
+                  <a14:hiddenLine xmlns:a14="http://schemas.microsoft.com/office/drawing/2010/main" xmlns="" w="9525">
                     <a:solidFill>
                       <a:srgbClr val="000000"/>
                     </a:solidFill>
@@ -10920,7 +10921,7 @@
               </a:ln>
               <a:extLst>
                 <a:ext uri="{91240B29-F687-4f45-9708-019B960494DF}">
-                  <a14:hiddenLine xmlns="" xmlns:a14="http://schemas.microsoft.com/office/drawing/2010/main" w="9525">
+                  <a14:hiddenLine xmlns:a14="http://schemas.microsoft.com/office/drawing/2010/main" xmlns="" w="9525">
                     <a:solidFill>
                       <a:srgbClr val="000000"/>
                     </a:solidFill>
@@ -10985,7 +10986,7 @@
               </a:ln>
               <a:extLst>
                 <a:ext uri="{91240B29-F687-4f45-9708-019B960494DF}">
-                  <a14:hiddenLine xmlns="" xmlns:a14="http://schemas.microsoft.com/office/drawing/2010/main" w="9525">
+                  <a14:hiddenLine xmlns:a14="http://schemas.microsoft.com/office/drawing/2010/main" xmlns="" w="9525">
                     <a:solidFill>
                       <a:srgbClr val="000000"/>
                     </a:solidFill>
@@ -11105,7 +11106,7 @@
               </a:ln>
               <a:extLst>
                 <a:ext uri="{91240B29-F687-4f45-9708-019B960494DF}">
-                  <a14:hiddenLine xmlns="" xmlns:a14="http://schemas.microsoft.com/office/drawing/2010/main" w="9525">
+                  <a14:hiddenLine xmlns:a14="http://schemas.microsoft.com/office/drawing/2010/main" xmlns="" w="9525">
                     <a:solidFill>
                       <a:srgbClr val="000000"/>
                     </a:solidFill>
@@ -11203,7 +11204,7 @@
               </a:ln>
               <a:extLst>
                 <a:ext uri="{91240B29-F687-4f45-9708-019B960494DF}">
-                  <a14:hiddenLine xmlns="" xmlns:a14="http://schemas.microsoft.com/office/drawing/2010/main" w="9525">
+                  <a14:hiddenLine xmlns:a14="http://schemas.microsoft.com/office/drawing/2010/main" xmlns="" w="9525">
                     <a:solidFill>
                       <a:srgbClr val="000000"/>
                     </a:solidFill>
@@ -11318,7 +11319,7 @@
               </a:ln>
               <a:extLst>
                 <a:ext uri="{91240B29-F687-4f45-9708-019B960494DF}">
-                  <a14:hiddenLine xmlns="" xmlns:a14="http://schemas.microsoft.com/office/drawing/2010/main" w="9525">
+                  <a14:hiddenLine xmlns:a14="http://schemas.microsoft.com/office/drawing/2010/main" xmlns="" w="9525">
                     <a:solidFill>
                       <a:srgbClr val="000000"/>
                     </a:solidFill>
@@ -11408,7 +11409,7 @@
               </a:ln>
               <a:extLst>
                 <a:ext uri="{91240B29-F687-4f45-9708-019B960494DF}">
-                  <a14:hiddenLine xmlns="" xmlns:a14="http://schemas.microsoft.com/office/drawing/2010/main" w="9525">
+                  <a14:hiddenLine xmlns:a14="http://schemas.microsoft.com/office/drawing/2010/main" xmlns="" w="9525">
                     <a:solidFill>
                       <a:srgbClr val="000000"/>
                     </a:solidFill>
@@ -11473,7 +11474,7 @@
               </a:ln>
               <a:extLst>
                 <a:ext uri="{91240B29-F687-4f45-9708-019B960494DF}">
-                  <a14:hiddenLine xmlns="" xmlns:a14="http://schemas.microsoft.com/office/drawing/2010/main" w="9525">
+                  <a14:hiddenLine xmlns:a14="http://schemas.microsoft.com/office/drawing/2010/main" xmlns="" w="9525">
                     <a:solidFill>
                       <a:srgbClr val="000000"/>
                     </a:solidFill>
@@ -11563,7 +11564,7 @@
               </a:ln>
               <a:extLst>
                 <a:ext uri="{91240B29-F687-4f45-9708-019B960494DF}">
-                  <a14:hiddenLine xmlns="" xmlns:a14="http://schemas.microsoft.com/office/drawing/2010/main" w="9525">
+                  <a14:hiddenLine xmlns:a14="http://schemas.microsoft.com/office/drawing/2010/main" xmlns="" w="9525">
                     <a:solidFill>
                       <a:srgbClr val="000000"/>
                     </a:solidFill>
@@ -11631,7 +11632,7 @@
               </a:ln>
               <a:extLst>
                 <a:ext uri="{91240B29-F687-4f45-9708-019B960494DF}">
-                  <a14:hiddenLine xmlns="" xmlns:a14="http://schemas.microsoft.com/office/drawing/2010/main" w="9525">
+                  <a14:hiddenLine xmlns:a14="http://schemas.microsoft.com/office/drawing/2010/main" xmlns="" w="9525">
                     <a:solidFill>
                       <a:srgbClr val="000000"/>
                     </a:solidFill>
@@ -11721,7 +11722,7 @@
               </a:ln>
               <a:extLst>
                 <a:ext uri="{91240B29-F687-4f45-9708-019B960494DF}">
-                  <a14:hiddenLine xmlns="" xmlns:a14="http://schemas.microsoft.com/office/drawing/2010/main" w="9525">
+                  <a14:hiddenLine xmlns:a14="http://schemas.microsoft.com/office/drawing/2010/main" xmlns="" w="9525">
                     <a:solidFill>
                       <a:srgbClr val="000000"/>
                     </a:solidFill>
@@ -11789,7 +11790,7 @@
               </a:ln>
               <a:extLst>
                 <a:ext uri="{91240B29-F687-4f45-9708-019B960494DF}">
-                  <a14:hiddenLine xmlns="" xmlns:a14="http://schemas.microsoft.com/office/drawing/2010/main" w="9525">
+                  <a14:hiddenLine xmlns:a14="http://schemas.microsoft.com/office/drawing/2010/main" xmlns="" w="9525">
                     <a:solidFill>
                       <a:srgbClr val="000000"/>
                     </a:solidFill>
@@ -11879,7 +11880,7 @@
               </a:ln>
               <a:extLst>
                 <a:ext uri="{91240B29-F687-4f45-9708-019B960494DF}">
-                  <a14:hiddenLine xmlns="" xmlns:a14="http://schemas.microsoft.com/office/drawing/2010/main" w="9525">
+                  <a14:hiddenLine xmlns:a14="http://schemas.microsoft.com/office/drawing/2010/main" xmlns="" w="9525">
                     <a:solidFill>
                       <a:srgbClr val="000000"/>
                     </a:solidFill>
@@ -11913,7 +11914,7 @@
               </a:ln>
               <a:extLst>
                 <a:ext uri="{91240B29-F687-4f45-9708-019B960494DF}">
-                  <a14:hiddenLine xmlns="" xmlns:a14="http://schemas.microsoft.com/office/drawing/2010/main" w="9525">
+                  <a14:hiddenLine xmlns:a14="http://schemas.microsoft.com/office/drawing/2010/main" xmlns="" w="9525">
                     <a:solidFill>
                       <a:srgbClr val="000000"/>
                     </a:solidFill>
@@ -12052,7 +12053,7 @@
           <a:p>
             <a:fld id="{2FB686EC-EB34-4483-B8BC-4B1442AC036E}" type="datetimeFigureOut">
               <a:rPr lang="en-GB" smtClean="0"/>
-              <a:t>09/09/2021</a:t>
+              <a:t>10/09/2021</a:t>
             </a:fld>
             <a:endParaRPr lang="en-GB"/>
           </a:p>
@@ -12691,7 +12692,7 @@
           <p:cNvPr id="2" name="Title 1">
             <a:extLst>
               <a:ext uri="{FF2B5EF4-FFF2-40B4-BE49-F238E27FC236}">
-                <a16:creationId xmlns:a16="http://schemas.microsoft.com/office/drawing/2014/main" id="{4F4B3DEE-E2EC-4438-B25D-5107834C7512}"/>
+                <a16:creationId xmlns:a16="http://schemas.microsoft.com/office/drawing/2014/main" id="{0612A5F4-9E40-49C4-A477-937FB604B4C5}"/>
               </a:ext>
             </a:extLst>
           </p:cNvPr>
@@ -12702,7 +12703,12 @@
             <p:ph type="title"/>
           </p:nvPr>
         </p:nvSpPr>
-        <p:spPr/>
+        <p:spPr>
+          <a:xfrm>
+            <a:off x="1141412" y="618518"/>
+            <a:ext cx="10402887" cy="1478570"/>
+          </a:xfrm>
+        </p:spPr>
         <p:txBody>
           <a:bodyPr>
             <a:normAutofit/>
@@ -12713,7 +12719,7 @@
               <a:rPr lang="en-US" sz="3600" cap="none" dirty="0">
                 <a:latin typeface="Arial Rounded MT Bold" panose="020F0704030504030204" pitchFamily="34" charset="0"/>
               </a:rPr>
-              <a:t>2. Patterns are used because libraries are incomplete</a:t>
+              <a:t>1. Other languages don’t need many patterns</a:t>
             </a:r>
             <a:endParaRPr lang="en-GB" sz="3600" cap="none" dirty="0">
               <a:latin typeface="Arial Rounded MT Bold" panose="020F0704030504030204" pitchFamily="34" charset="0"/>
@@ -12726,7 +12732,7 @@
           <p:cNvPr id="3" name="Content Placeholder 2">
             <a:extLst>
               <a:ext uri="{FF2B5EF4-FFF2-40B4-BE49-F238E27FC236}">
-                <a16:creationId xmlns:a16="http://schemas.microsoft.com/office/drawing/2014/main" id="{AA5FFD25-D8B2-41BE-B050-8B00E4AC708C}"/>
+                <a16:creationId xmlns:a16="http://schemas.microsoft.com/office/drawing/2014/main" id="{79D2CB8C-4955-4B6C-95DF-A2C3E29BB29C}"/>
               </a:ext>
             </a:extLst>
           </p:cNvPr>
@@ -12739,114 +12745,57 @@
         </p:nvSpPr>
         <p:spPr>
           <a:xfrm>
-            <a:off x="1039483" y="2174433"/>
-            <a:ext cx="10545792" cy="4065049"/>
+            <a:off x="790529" y="2827456"/>
+            <a:ext cx="10607765" cy="2382899"/>
           </a:xfrm>
         </p:spPr>
         <p:txBody>
           <a:bodyPr>
-            <a:noAutofit/>
+            <a:normAutofit/>
           </a:bodyPr>
           <a:lstStyle/>
           <a:p>
-            <a:pPr marL="0" indent="0">
-              <a:buNone/>
+            <a:pPr>
+              <a:lnSpc>
+                <a:spcPct val="115000"/>
+              </a:lnSpc>
+              <a:spcBef>
+                <a:spcPts val="500"/>
+              </a:spcBef>
+              <a:spcAft>
+                <a:spcPts val="500"/>
+              </a:spcAft>
             </a:pPr>
             <a:r>
-              <a:rPr lang="en-US" dirty="0">
+              <a:rPr lang="en-GB" sz="3200" dirty="0">
+                <a:effectLst/>
                 <a:latin typeface="Arial Rounded MT Bold" panose="020F0704030504030204" pitchFamily="34" charset="0"/>
-              </a:rPr>
-              <a:t>Some patterns:</a:t>
-            </a:r>
-          </a:p>
-          <a:p>
-            <a:pPr marL="361950" indent="-361950"/>
-            <a:r>
-              <a:rPr lang="en-US" i="1" dirty="0">
+                <a:ea typeface="Calibri" panose="020F0502020204030204" pitchFamily="34" charset="0"/>
+                <a:cs typeface="Times New Roman" panose="02020603050405020304" pitchFamily="18" charset="0"/>
+              </a:rPr>
+              <a:t>Different tools – different strengths.  </a:t>
+            </a:r>
+          </a:p>
+          <a:p>
+            <a:pPr>
+              <a:lnSpc>
+                <a:spcPct val="115000"/>
+              </a:lnSpc>
+              <a:spcBef>
+                <a:spcPts val="500"/>
+              </a:spcBef>
+              <a:spcAft>
+                <a:spcPts val="500"/>
+              </a:spcAft>
+            </a:pPr>
+            <a:r>
+              <a:rPr lang="en-GB" sz="3200" dirty="0">
+                <a:effectLst/>
                 <a:latin typeface="Arial Rounded MT Bold" panose="020F0704030504030204" pitchFamily="34" charset="0"/>
-              </a:rPr>
-              <a:t>are</a:t>
-            </a:r>
-            <a:r>
-              <a:rPr lang="en-US" dirty="0">
-                <a:latin typeface="Arial Rounded MT Bold" panose="020F0704030504030204" pitchFamily="34" charset="0"/>
-              </a:rPr>
-              <a:t> part of libraries</a:t>
-            </a:r>
-          </a:p>
-          <a:p>
-            <a:pPr marL="361950" indent="-361950">
-              <a:buNone/>
-            </a:pPr>
-            <a:r>
-              <a:rPr lang="en-US" dirty="0">
-                <a:latin typeface="Arial Rounded MT Bold" panose="020F0704030504030204" pitchFamily="34" charset="0"/>
-              </a:rPr>
-              <a:t>	ex. containers (</a:t>
-            </a:r>
-            <a:r>
-              <a:rPr lang="en-US" dirty="0" err="1">
-                <a:latin typeface="Arial Rounded MT Bold" panose="020F0704030504030204" pitchFamily="34" charset="0"/>
-              </a:rPr>
-              <a:t>TList</a:t>
-            </a:r>
-            <a:r>
-              <a:rPr lang="en-US" dirty="0">
-                <a:latin typeface="Arial Rounded MT Bold" panose="020F0704030504030204" pitchFamily="34" charset="0"/>
-              </a:rPr>
-              <a:t>&lt;&gt;, </a:t>
-            </a:r>
-            <a:r>
-              <a:rPr lang="en-US" dirty="0" err="1">
-                <a:latin typeface="Arial Rounded MT Bold" panose="020F0704030504030204" pitchFamily="34" charset="0"/>
-              </a:rPr>
-              <a:t>TDictionary</a:t>
-            </a:r>
-            <a:r>
-              <a:rPr lang="en-US" dirty="0">
-                <a:latin typeface="Arial Rounded MT Bold" panose="020F0704030504030204" pitchFamily="34" charset="0"/>
-              </a:rPr>
-              <a:t>&lt;&gt;)</a:t>
-            </a:r>
-          </a:p>
-          <a:p>
-            <a:pPr marL="361950" indent="-361950"/>
-            <a:r>
-              <a:rPr lang="en-US" dirty="0">
-                <a:latin typeface="Arial Rounded MT Bold" panose="020F0704030504030204" pitchFamily="34" charset="0"/>
-              </a:rPr>
-              <a:t>become part of the language</a:t>
-            </a:r>
-          </a:p>
-          <a:p>
-            <a:pPr marL="361950" indent="-361950">
-              <a:buNone/>
-            </a:pPr>
-            <a:r>
-              <a:rPr lang="en-US" dirty="0">
-                <a:latin typeface="Arial Rounded MT Bold" panose="020F0704030504030204" pitchFamily="34" charset="0"/>
-              </a:rPr>
-              <a:t>	ex. abstractions (interfaces, base classes)</a:t>
-            </a:r>
-          </a:p>
-          <a:p>
-            <a:pPr marL="361950" indent="-361950"/>
-            <a:r>
-              <a:rPr lang="en-US" dirty="0">
-                <a:latin typeface="Arial Rounded MT Bold" panose="020F0704030504030204" pitchFamily="34" charset="0"/>
-              </a:rPr>
-              <a:t>we use as a natural part of our process</a:t>
-            </a:r>
-          </a:p>
-          <a:p>
-            <a:pPr marL="361950" indent="-361950">
-              <a:buNone/>
-            </a:pPr>
-            <a:r>
-              <a:rPr lang="en-US" dirty="0">
-                <a:latin typeface="Arial Rounded MT Bold" panose="020F0704030504030204" pitchFamily="34" charset="0"/>
-              </a:rPr>
-              <a:t>	ex. composites (forms/frames with controls and other components)</a:t>
+                <a:ea typeface="Calibri" panose="020F0502020204030204" pitchFamily="34" charset="0"/>
+                <a:cs typeface="Times New Roman" panose="02020603050405020304" pitchFamily="18" charset="0"/>
+              </a:rPr>
+              <a:t>Other language paradigms have their own patterns (idioms).  Patterns still exist, just different patterns.</a:t>
             </a:r>
           </a:p>
         </p:txBody>
@@ -12854,7 +12803,7 @@
     </p:spTree>
     <p:extLst>
       <p:ext uri="{BB962C8B-B14F-4D97-AF65-F5344CB8AC3E}">
-        <p14:creationId xmlns:p14="http://schemas.microsoft.com/office/powerpoint/2010/main" val="765259415"/>
+        <p14:creationId xmlns:p14="http://schemas.microsoft.com/office/powerpoint/2010/main" val="350359889"/>
       </p:ext>
     </p:extLst>
   </p:cSld>
@@ -12886,7 +12835,7 @@
           <p:cNvPr id="2" name="Title 1">
             <a:extLst>
               <a:ext uri="{FF2B5EF4-FFF2-40B4-BE49-F238E27FC236}">
-                <a16:creationId xmlns:a16="http://schemas.microsoft.com/office/drawing/2014/main" id="{BC440246-F22F-45F1-BE99-09DA0246BDB9}"/>
+                <a16:creationId xmlns:a16="http://schemas.microsoft.com/office/drawing/2014/main" id="{4F4B3DEE-E2EC-4438-B25D-5107834C7512}"/>
               </a:ext>
             </a:extLst>
           </p:cNvPr>
@@ -12908,7 +12857,7 @@
               <a:rPr lang="en-US" sz="3600" cap="none" dirty="0">
                 <a:latin typeface="Arial Rounded MT Bold" panose="020F0704030504030204" pitchFamily="34" charset="0"/>
               </a:rPr>
-              <a:t>3. Patterns are too rigid</a:t>
+              <a:t>2. Patterns are used because libraries are incomplete</a:t>
             </a:r>
             <a:endParaRPr lang="en-GB" sz="3600" cap="none" dirty="0">
               <a:latin typeface="Arial Rounded MT Bold" panose="020F0704030504030204" pitchFamily="34" charset="0"/>
@@ -12921,7 +12870,7 @@
           <p:cNvPr id="3" name="Content Placeholder 2">
             <a:extLst>
               <a:ext uri="{FF2B5EF4-FFF2-40B4-BE49-F238E27FC236}">
-                <a16:creationId xmlns:a16="http://schemas.microsoft.com/office/drawing/2014/main" id="{362E9CD4-3E6D-4AE6-82C3-A4C4AC23402A}"/>
+                <a16:creationId xmlns:a16="http://schemas.microsoft.com/office/drawing/2014/main" id="{AA5FFD25-D8B2-41BE-B050-8B00E4AC708C}"/>
               </a:ext>
             </a:extLst>
           </p:cNvPr>
@@ -12932,66 +12881,116 @@
             <p:ph idx="1"/>
           </p:nvPr>
         </p:nvSpPr>
-        <p:spPr/>
+        <p:spPr>
+          <a:xfrm>
+            <a:off x="1039483" y="2174433"/>
+            <a:ext cx="10545792" cy="4065049"/>
+          </a:xfrm>
+        </p:spPr>
         <p:txBody>
           <a:bodyPr>
-            <a:normAutofit/>
+            <a:noAutofit/>
           </a:bodyPr>
           <a:lstStyle/>
           <a:p>
-            <a:endParaRPr lang="en-GB" sz="2800" dirty="0">
-              <a:effectLst/>
-              <a:latin typeface="Arial Rounded MT Bold" panose="020F0704030504030204" pitchFamily="34" charset="0"/>
-              <a:ea typeface="Calibri" panose="020F0502020204030204" pitchFamily="34" charset="0"/>
-              <a:cs typeface="Times New Roman" panose="02020603050405020304" pitchFamily="18" charset="0"/>
-            </a:endParaRPr>
-          </a:p>
-          <a:p>
-            <a:r>
-              <a:rPr lang="en-GB" sz="2800" dirty="0">
-                <a:effectLst/>
+            <a:pPr marL="0" indent="0">
+              <a:buNone/>
+            </a:pPr>
+            <a:r>
+              <a:rPr lang="en-US" dirty="0">
                 <a:latin typeface="Arial Rounded MT Bold" panose="020F0704030504030204" pitchFamily="34" charset="0"/>
-                <a:ea typeface="Calibri" panose="020F0502020204030204" pitchFamily="34" charset="0"/>
-                <a:cs typeface="Times New Roman" panose="02020603050405020304" pitchFamily="18" charset="0"/>
-              </a:rPr>
-              <a:t>Understand the </a:t>
-            </a:r>
-            <a:r>
-              <a:rPr lang="en-GB" sz="2800" i="1" dirty="0">
-                <a:effectLst/>
+              </a:rPr>
+              <a:t>Some patterns:</a:t>
+            </a:r>
+          </a:p>
+          <a:p>
+            <a:pPr marL="361950" indent="-361950"/>
+            <a:r>
+              <a:rPr lang="en-US" i="1" dirty="0">
                 <a:latin typeface="Arial Rounded MT Bold" panose="020F0704030504030204" pitchFamily="34" charset="0"/>
-                <a:ea typeface="Calibri" panose="020F0502020204030204" pitchFamily="34" charset="0"/>
-                <a:cs typeface="Times New Roman" panose="02020603050405020304" pitchFamily="18" charset="0"/>
-              </a:rPr>
-              <a:t>concept</a:t>
-            </a:r>
-            <a:r>
-              <a:rPr lang="en-GB" sz="2800" dirty="0">
-                <a:effectLst/>
+              </a:rPr>
+              <a:t>are</a:t>
+            </a:r>
+            <a:r>
+              <a:rPr lang="en-US" dirty="0">
                 <a:latin typeface="Arial Rounded MT Bold" panose="020F0704030504030204" pitchFamily="34" charset="0"/>
-                <a:ea typeface="Calibri" panose="020F0502020204030204" pitchFamily="34" charset="0"/>
-                <a:cs typeface="Times New Roman" panose="02020603050405020304" pitchFamily="18" charset="0"/>
-              </a:rPr>
-              <a:t> of a pattern.</a:t>
-            </a:r>
-          </a:p>
-          <a:p>
-            <a:endParaRPr lang="en-GB" sz="2800" dirty="0">
-              <a:effectLst/>
-              <a:latin typeface="Arial Rounded MT Bold" panose="020F0704030504030204" pitchFamily="34" charset="0"/>
-              <a:ea typeface="Calibri" panose="020F0502020204030204" pitchFamily="34" charset="0"/>
-              <a:cs typeface="Times New Roman" panose="02020603050405020304" pitchFamily="18" charset="0"/>
-            </a:endParaRPr>
-          </a:p>
-          <a:p>
-            <a:r>
-              <a:rPr lang="en-GB" sz="2800" dirty="0">
-                <a:effectLst/>
+              </a:rPr>
+              <a:t> part of libraries</a:t>
+            </a:r>
+          </a:p>
+          <a:p>
+            <a:pPr marL="361950" indent="-361950">
+              <a:buNone/>
+            </a:pPr>
+            <a:r>
+              <a:rPr lang="en-US" dirty="0">
                 <a:latin typeface="Arial Rounded MT Bold" panose="020F0704030504030204" pitchFamily="34" charset="0"/>
-                <a:ea typeface="Calibri" panose="020F0502020204030204" pitchFamily="34" charset="0"/>
-                <a:cs typeface="Times New Roman" panose="02020603050405020304" pitchFamily="18" charset="0"/>
-              </a:rPr>
-              <a:t>Don’t get hung up on “the correct implementation”.</a:t>
+              </a:rPr>
+              <a:t>	ex. containers (</a:t>
+            </a:r>
+            <a:r>
+              <a:rPr lang="en-US" dirty="0" err="1">
+                <a:latin typeface="Arial Rounded MT Bold" panose="020F0704030504030204" pitchFamily="34" charset="0"/>
+              </a:rPr>
+              <a:t>TList</a:t>
+            </a:r>
+            <a:r>
+              <a:rPr lang="en-US" dirty="0">
+                <a:latin typeface="Arial Rounded MT Bold" panose="020F0704030504030204" pitchFamily="34" charset="0"/>
+              </a:rPr>
+              <a:t>&lt;&gt;, </a:t>
+            </a:r>
+            <a:r>
+              <a:rPr lang="en-US" dirty="0" err="1">
+                <a:latin typeface="Arial Rounded MT Bold" panose="020F0704030504030204" pitchFamily="34" charset="0"/>
+              </a:rPr>
+              <a:t>TDictionary</a:t>
+            </a:r>
+            <a:r>
+              <a:rPr lang="en-US" dirty="0">
+                <a:latin typeface="Arial Rounded MT Bold" panose="020F0704030504030204" pitchFamily="34" charset="0"/>
+              </a:rPr>
+              <a:t>&lt;&gt;)</a:t>
+            </a:r>
+          </a:p>
+          <a:p>
+            <a:pPr marL="361950" indent="-361950"/>
+            <a:r>
+              <a:rPr lang="en-US" dirty="0">
+                <a:latin typeface="Arial Rounded MT Bold" panose="020F0704030504030204" pitchFamily="34" charset="0"/>
+              </a:rPr>
+              <a:t>become part of the language</a:t>
+            </a:r>
+          </a:p>
+          <a:p>
+            <a:pPr marL="361950" indent="-361950">
+              <a:buNone/>
+            </a:pPr>
+            <a:r>
+              <a:rPr lang="en-US" dirty="0">
+                <a:latin typeface="Arial Rounded MT Bold" panose="020F0704030504030204" pitchFamily="34" charset="0"/>
+              </a:rPr>
+              <a:t>	ex. abstractions (interfaces, base classes)</a:t>
+            </a:r>
+          </a:p>
+          <a:p>
+            <a:pPr marL="361950" indent="-361950"/>
+            <a:r>
+              <a:rPr lang="en-US" dirty="0">
+                <a:latin typeface="Arial Rounded MT Bold" panose="020F0704030504030204" pitchFamily="34" charset="0"/>
+              </a:rPr>
+              <a:t>we use as a natural part of our process</a:t>
+            </a:r>
+          </a:p>
+          <a:p>
+            <a:pPr marL="361950" indent="-361950">
+              <a:buNone/>
+            </a:pPr>
+            <a:r>
+              <a:rPr lang="en-US" dirty="0">
+                <a:latin typeface="Arial Rounded MT Bold" panose="020F0704030504030204" pitchFamily="34" charset="0"/>
+              </a:rPr>
+              <a:t>	ex. composites (forms/frames with controls and other components)</a:t>
             </a:r>
           </a:p>
         </p:txBody>
@@ -12999,7 +12998,7 @@
     </p:spTree>
     <p:extLst>
       <p:ext uri="{BB962C8B-B14F-4D97-AF65-F5344CB8AC3E}">
-        <p14:creationId xmlns:p14="http://schemas.microsoft.com/office/powerpoint/2010/main" val="1968602111"/>
+        <p14:creationId xmlns:p14="http://schemas.microsoft.com/office/powerpoint/2010/main" val="765259415"/>
       </p:ext>
     </p:extLst>
   </p:cSld>
@@ -13050,6 +13049,151 @@
           <a:lstStyle/>
           <a:p>
             <a:r>
+              <a:rPr lang="en-US" sz="3600" cap="none" dirty="0">
+                <a:latin typeface="Arial Rounded MT Bold" panose="020F0704030504030204" pitchFamily="34" charset="0"/>
+              </a:rPr>
+              <a:t>3. Patterns are too rigid</a:t>
+            </a:r>
+            <a:endParaRPr lang="en-GB" sz="3600" cap="none" dirty="0">
+              <a:latin typeface="Arial Rounded MT Bold" panose="020F0704030504030204" pitchFamily="34" charset="0"/>
+            </a:endParaRPr>
+          </a:p>
+        </p:txBody>
+      </p:sp>
+      <p:sp>
+        <p:nvSpPr>
+          <p:cNvPr id="3" name="Content Placeholder 2">
+            <a:extLst>
+              <a:ext uri="{FF2B5EF4-FFF2-40B4-BE49-F238E27FC236}">
+                <a16:creationId xmlns:a16="http://schemas.microsoft.com/office/drawing/2014/main" id="{362E9CD4-3E6D-4AE6-82C3-A4C4AC23402A}"/>
+              </a:ext>
+            </a:extLst>
+          </p:cNvPr>
+          <p:cNvSpPr>
+            <a:spLocks noGrp="1"/>
+          </p:cNvSpPr>
+          <p:nvPr>
+            <p:ph idx="1"/>
+          </p:nvPr>
+        </p:nvSpPr>
+        <p:spPr/>
+        <p:txBody>
+          <a:bodyPr>
+            <a:normAutofit/>
+          </a:bodyPr>
+          <a:lstStyle/>
+          <a:p>
+            <a:endParaRPr lang="en-GB" sz="2800" dirty="0">
+              <a:effectLst/>
+              <a:latin typeface="Arial Rounded MT Bold" panose="020F0704030504030204" pitchFamily="34" charset="0"/>
+              <a:ea typeface="Calibri" panose="020F0502020204030204" pitchFamily="34" charset="0"/>
+              <a:cs typeface="Times New Roman" panose="02020603050405020304" pitchFamily="18" charset="0"/>
+            </a:endParaRPr>
+          </a:p>
+          <a:p>
+            <a:r>
+              <a:rPr lang="en-GB" sz="2800" dirty="0">
+                <a:effectLst/>
+                <a:latin typeface="Arial Rounded MT Bold" panose="020F0704030504030204" pitchFamily="34" charset="0"/>
+                <a:ea typeface="Calibri" panose="020F0502020204030204" pitchFamily="34" charset="0"/>
+                <a:cs typeface="Times New Roman" panose="02020603050405020304" pitchFamily="18" charset="0"/>
+              </a:rPr>
+              <a:t>Understand the </a:t>
+            </a:r>
+            <a:r>
+              <a:rPr lang="en-GB" sz="2800" i="1" dirty="0">
+                <a:effectLst/>
+                <a:latin typeface="Arial Rounded MT Bold" panose="020F0704030504030204" pitchFamily="34" charset="0"/>
+                <a:ea typeface="Calibri" panose="020F0502020204030204" pitchFamily="34" charset="0"/>
+                <a:cs typeface="Times New Roman" panose="02020603050405020304" pitchFamily="18" charset="0"/>
+              </a:rPr>
+              <a:t>concept</a:t>
+            </a:r>
+            <a:r>
+              <a:rPr lang="en-GB" sz="2800" dirty="0">
+                <a:effectLst/>
+                <a:latin typeface="Arial Rounded MT Bold" panose="020F0704030504030204" pitchFamily="34" charset="0"/>
+                <a:ea typeface="Calibri" panose="020F0502020204030204" pitchFamily="34" charset="0"/>
+                <a:cs typeface="Times New Roman" panose="02020603050405020304" pitchFamily="18" charset="0"/>
+              </a:rPr>
+              <a:t> of a pattern.</a:t>
+            </a:r>
+          </a:p>
+          <a:p>
+            <a:endParaRPr lang="en-GB" sz="2800" dirty="0">
+              <a:effectLst/>
+              <a:latin typeface="Arial Rounded MT Bold" panose="020F0704030504030204" pitchFamily="34" charset="0"/>
+              <a:ea typeface="Calibri" panose="020F0502020204030204" pitchFamily="34" charset="0"/>
+              <a:cs typeface="Times New Roman" panose="02020603050405020304" pitchFamily="18" charset="0"/>
+            </a:endParaRPr>
+          </a:p>
+          <a:p>
+            <a:r>
+              <a:rPr lang="en-GB" sz="2800" dirty="0">
+                <a:effectLst/>
+                <a:latin typeface="Arial Rounded MT Bold" panose="020F0704030504030204" pitchFamily="34" charset="0"/>
+                <a:ea typeface="Calibri" panose="020F0502020204030204" pitchFamily="34" charset="0"/>
+                <a:cs typeface="Times New Roman" panose="02020603050405020304" pitchFamily="18" charset="0"/>
+              </a:rPr>
+              <a:t>Don’t get hung up on “the correct implementation”.</a:t>
+            </a:r>
+          </a:p>
+        </p:txBody>
+      </p:sp>
+    </p:spTree>
+    <p:extLst>
+      <p:ext uri="{BB962C8B-B14F-4D97-AF65-F5344CB8AC3E}">
+        <p14:creationId xmlns:p14="http://schemas.microsoft.com/office/powerpoint/2010/main" val="1968602111"/>
+      </p:ext>
+    </p:extLst>
+  </p:cSld>
+  <p:clrMapOvr>
+    <a:masterClrMapping/>
+  </p:clrMapOvr>
+</p:sld>
+</file>
+
+<file path=ppt/slides/slide13.xml><?xml version="1.0" encoding="utf-8"?>
+<p:sld xmlns:a="http://schemas.openxmlformats.org/drawingml/2006/main" xmlns:r="http://schemas.openxmlformats.org/officeDocument/2006/relationships" xmlns:p="http://schemas.openxmlformats.org/presentationml/2006/main">
+  <p:cSld>
+    <p:spTree>
+      <p:nvGrpSpPr>
+        <p:cNvPr id="1" name=""/>
+        <p:cNvGrpSpPr/>
+        <p:nvPr/>
+      </p:nvGrpSpPr>
+      <p:grpSpPr>
+        <a:xfrm>
+          <a:off x="0" y="0"/>
+          <a:ext cx="0" cy="0"/>
+          <a:chOff x="0" y="0"/>
+          <a:chExt cx="0" cy="0"/>
+        </a:xfrm>
+      </p:grpSpPr>
+      <p:sp>
+        <p:nvSpPr>
+          <p:cNvPr id="2" name="Title 1">
+            <a:extLst>
+              <a:ext uri="{FF2B5EF4-FFF2-40B4-BE49-F238E27FC236}">
+                <a16:creationId xmlns:a16="http://schemas.microsoft.com/office/drawing/2014/main" id="{BC440246-F22F-45F1-BE99-09DA0246BDB9}"/>
+              </a:ext>
+            </a:extLst>
+          </p:cNvPr>
+          <p:cNvSpPr>
+            <a:spLocks noGrp="1"/>
+          </p:cNvSpPr>
+          <p:nvPr>
+            <p:ph type="title"/>
+          </p:nvPr>
+        </p:nvSpPr>
+        <p:spPr/>
+        <p:txBody>
+          <a:bodyPr>
+            <a:normAutofit/>
+          </a:bodyPr>
+          <a:lstStyle/>
+          <a:p>
+            <a:r>
               <a:rPr lang="en-US" sz="3600" cap="none" dirty="0"/>
               <a:t>4. People use complex patterns unnecessarily.</a:t>
             </a:r>
@@ -13357,7 +13501,7 @@
 </p:sld>
 </file>
 
-<file path=ppt/slides/slide13.xml><?xml version="1.0" encoding="utf-8"?>
+<file path=ppt/slides/slide14.xml><?xml version="1.0" encoding="utf-8"?>
 <p:sld xmlns:a="http://schemas.openxmlformats.org/drawingml/2006/main" xmlns:r="http://schemas.openxmlformats.org/officeDocument/2006/relationships" xmlns:p="http://schemas.openxmlformats.org/presentationml/2006/main">
   <p:cSld>
     <p:bg>
@@ -13875,7 +14019,7 @@
 </p:sld>
 </file>
 
-<file path=ppt/slides/slide14.xml><?xml version="1.0" encoding="utf-8"?>
+<file path=ppt/slides/slide15.xml><?xml version="1.0" encoding="utf-8"?>
 <p:sld xmlns:a="http://schemas.openxmlformats.org/drawingml/2006/main" xmlns:r="http://schemas.openxmlformats.org/officeDocument/2006/relationships" xmlns:p="http://schemas.openxmlformats.org/presentationml/2006/main">
   <p:cSld>
     <p:bg>
@@ -14854,7 +14998,7 @@
 </p:sld>
 </file>
 
-<file path=ppt/slides/slide15.xml><?xml version="1.0" encoding="utf-8"?>
+<file path=ppt/slides/slide16.xml><?xml version="1.0" encoding="utf-8"?>
 <p:sld xmlns:a="http://schemas.openxmlformats.org/drawingml/2006/main" xmlns:r="http://schemas.openxmlformats.org/officeDocument/2006/relationships" xmlns:p="http://schemas.openxmlformats.org/presentationml/2006/main">
   <p:cSld>
     <p:bg>
@@ -15352,7 +15496,7 @@
 </p:sld>
 </file>
 
-<file path=ppt/slides/slide16.xml><?xml version="1.0" encoding="utf-8"?>
+<file path=ppt/slides/slide17.xml><?xml version="1.0" encoding="utf-8"?>
 <p:sld xmlns:a="http://schemas.openxmlformats.org/drawingml/2006/main" xmlns:r="http://schemas.openxmlformats.org/officeDocument/2006/relationships" xmlns:p="http://schemas.openxmlformats.org/presentationml/2006/main">
   <p:cSld>
     <p:spTree>
@@ -15411,99 +15555,6 @@
     <p:extLst>
       <p:ext uri="{BB962C8B-B14F-4D97-AF65-F5344CB8AC3E}">
         <p14:creationId xmlns:p14="http://schemas.microsoft.com/office/powerpoint/2010/main" val="2255456914"/>
-      </p:ext>
-    </p:extLst>
-  </p:cSld>
-  <p:clrMapOvr>
-    <a:masterClrMapping/>
-  </p:clrMapOvr>
-</p:sld>
-</file>
-
-<file path=ppt/slides/slide17.xml><?xml version="1.0" encoding="utf-8"?>
-<p:sld xmlns:a="http://schemas.openxmlformats.org/drawingml/2006/main" xmlns:r="http://schemas.openxmlformats.org/officeDocument/2006/relationships" xmlns:p="http://schemas.openxmlformats.org/presentationml/2006/main">
-  <p:cSld>
-    <p:spTree>
-      <p:nvGrpSpPr>
-        <p:cNvPr id="1" name=""/>
-        <p:cNvGrpSpPr/>
-        <p:nvPr/>
-      </p:nvGrpSpPr>
-      <p:grpSpPr>
-        <a:xfrm>
-          <a:off x="0" y="0"/>
-          <a:ext cx="0" cy="0"/>
-          <a:chOff x="0" y="0"/>
-          <a:chExt cx="0" cy="0"/>
-        </a:xfrm>
-      </p:grpSpPr>
-      <p:sp>
-        <p:nvSpPr>
-          <p:cNvPr id="2" name="Title 1">
-            <a:extLst>
-              <a:ext uri="{FF2B5EF4-FFF2-40B4-BE49-F238E27FC236}">
-                <a16:creationId xmlns:a16="http://schemas.microsoft.com/office/drawing/2014/main" id="{BC440246-F22F-45F1-BE99-09DA0246BDB9}"/>
-              </a:ext>
-            </a:extLst>
-          </p:cNvPr>
-          <p:cNvSpPr>
-            <a:spLocks noGrp="1"/>
-          </p:cNvSpPr>
-          <p:nvPr>
-            <p:ph type="title"/>
-          </p:nvPr>
-        </p:nvSpPr>
-        <p:spPr/>
-        <p:txBody>
-          <a:bodyPr/>
-          <a:lstStyle/>
-          <a:p>
-            <a:r>
-              <a:rPr lang="en-AU" cap="none" dirty="0">
-                <a:latin typeface="Arial Rounded MT Bold" panose="020F0704030504030204" pitchFamily="34" charset="0"/>
-              </a:rPr>
-              <a:t>Delphi events are single call-backs</a:t>
-            </a:r>
-            <a:endParaRPr lang="en-GB" cap="none" dirty="0">
-              <a:latin typeface="Arial Rounded MT Bold" panose="020F0704030504030204" pitchFamily="34" charset="0"/>
-            </a:endParaRPr>
-          </a:p>
-        </p:txBody>
-      </p:sp>
-      <p:pic>
-        <p:nvPicPr>
-          <p:cNvPr id="19" name="Picture 18">
-            <a:extLst>
-              <a:ext uri="{FF2B5EF4-FFF2-40B4-BE49-F238E27FC236}">
-                <a16:creationId xmlns:a16="http://schemas.microsoft.com/office/drawing/2014/main" id="{826626D6-BB35-4A88-A8D6-8BA9190F13F9}"/>
-              </a:ext>
-            </a:extLst>
-          </p:cNvPr>
-          <p:cNvPicPr>
-            <a:picLocks noChangeAspect="1"/>
-          </p:cNvPicPr>
-          <p:nvPr/>
-        </p:nvPicPr>
-        <p:blipFill>
-          <a:blip r:embed="rId2"/>
-          <a:stretch>
-            <a:fillRect/>
-          </a:stretch>
-        </p:blipFill>
-        <p:spPr>
-          <a:xfrm>
-            <a:off x="2380544" y="2000682"/>
-            <a:ext cx="7047375" cy="4324525"/>
-          </a:xfrm>
-          <a:prstGeom prst="rect">
-            <a:avLst/>
-          </a:prstGeom>
-        </p:spPr>
-      </p:pic>
-    </p:spTree>
-    <p:extLst>
-      <p:ext uri="{BB962C8B-B14F-4D97-AF65-F5344CB8AC3E}">
-        <p14:creationId xmlns:p14="http://schemas.microsoft.com/office/powerpoint/2010/main" val="2412719446"/>
       </p:ext>
     </p:extLst>
   </p:cSld>
@@ -15555,49 +15606,9 @@
               <a:rPr lang="en-AU" cap="none" dirty="0">
                 <a:latin typeface="Arial Rounded MT Bold" panose="020F0704030504030204" pitchFamily="34" charset="0"/>
               </a:rPr>
-              <a:t>Subscriber/Observer pattern</a:t>
+              <a:t>Delphi events are single call-backs</a:t>
             </a:r>
             <a:endParaRPr lang="en-GB" cap="none" dirty="0">
-              <a:latin typeface="Arial Rounded MT Bold" panose="020F0704030504030204" pitchFamily="34" charset="0"/>
-            </a:endParaRPr>
-          </a:p>
-        </p:txBody>
-      </p:sp>
-      <p:sp>
-        <p:nvSpPr>
-          <p:cNvPr id="10" name="TextBox 9">
-            <a:extLst>
-              <a:ext uri="{FF2B5EF4-FFF2-40B4-BE49-F238E27FC236}">
-                <a16:creationId xmlns:a16="http://schemas.microsoft.com/office/drawing/2014/main" id="{54CE0EBA-7DE0-4746-B9C3-CEDFFD22DDA2}"/>
-              </a:ext>
-            </a:extLst>
-          </p:cNvPr>
-          <p:cNvSpPr txBox="1"/>
-          <p:nvPr/>
-        </p:nvSpPr>
-        <p:spPr>
-          <a:xfrm>
-            <a:off x="1141413" y="1619250"/>
-            <a:ext cx="9812686" cy="461665"/>
-          </a:xfrm>
-          <a:prstGeom prst="rect">
-            <a:avLst/>
-          </a:prstGeom>
-          <a:noFill/>
-        </p:spPr>
-        <p:txBody>
-          <a:bodyPr wrap="none" rtlCol="0">
-            <a:spAutoFit/>
-          </a:bodyPr>
-          <a:lstStyle/>
-          <a:p>
-            <a:r>
-              <a:rPr lang="en-AU" sz="2400" dirty="0">
-                <a:latin typeface="Arial Rounded MT Bold" panose="020F0704030504030204" pitchFamily="34" charset="0"/>
-              </a:rPr>
-              <a:t>Any number of observers can subscribe their call-back methods.</a:t>
-            </a:r>
-            <a:endParaRPr lang="en-GB" sz="2400" dirty="0">
               <a:latin typeface="Arial Rounded MT Bold" panose="020F0704030504030204" pitchFamily="34" charset="0"/>
             </a:endParaRPr>
           </a:p>
@@ -15605,10 +15616,10 @@
       </p:sp>
       <p:pic>
         <p:nvPicPr>
-          <p:cNvPr id="18" name="Picture 17">
+          <p:cNvPr id="19" name="Picture 18">
             <a:extLst>
               <a:ext uri="{FF2B5EF4-FFF2-40B4-BE49-F238E27FC236}">
-                <a16:creationId xmlns:a16="http://schemas.microsoft.com/office/drawing/2014/main" id="{33D9802A-9445-49D7-A27B-28F1909D1CDA}"/>
+                <a16:creationId xmlns:a16="http://schemas.microsoft.com/office/drawing/2014/main" id="{826626D6-BB35-4A88-A8D6-8BA9190F13F9}"/>
               </a:ext>
             </a:extLst>
           </p:cNvPr>
@@ -15625,8 +15636,8 @@
         </p:blipFill>
         <p:spPr>
           <a:xfrm>
-            <a:off x="2367590" y="2233611"/>
-            <a:ext cx="6919105" cy="4167189"/>
+            <a:off x="2380544" y="2000682"/>
+            <a:ext cx="7047375" cy="4324525"/>
           </a:xfrm>
           <a:prstGeom prst="rect">
             <a:avLst/>
@@ -15636,7 +15647,7 @@
     </p:spTree>
     <p:extLst>
       <p:ext uri="{BB962C8B-B14F-4D97-AF65-F5344CB8AC3E}">
-        <p14:creationId xmlns:p14="http://schemas.microsoft.com/office/powerpoint/2010/main" val="2191977677"/>
+        <p14:creationId xmlns:p14="http://schemas.microsoft.com/office/powerpoint/2010/main" val="2412719446"/>
       </p:ext>
     </p:extLst>
   </p:cSld>
@@ -15685,10 +15696,10 @@
           <a:lstStyle/>
           <a:p>
             <a:r>
-              <a:rPr lang="en-AU" cap="none" dirty="0" err="1">
+              <a:rPr lang="en-AU" cap="none" dirty="0">
                 <a:latin typeface="Arial Rounded MT Bold" panose="020F0704030504030204" pitchFamily="34" charset="0"/>
               </a:rPr>
-              <a:t>Multiton</a:t>
+              <a:t>Subscriber/Observer pattern</a:t>
             </a:r>
             <a:endParaRPr lang="en-GB" cap="none" dirty="0">
               <a:latin typeface="Arial Rounded MT Bold" panose="020F0704030504030204" pitchFamily="34" charset="0"/>
@@ -15698,63 +15709,39 @@
       </p:sp>
       <p:sp>
         <p:nvSpPr>
-          <p:cNvPr id="3" name="Content Placeholder 2">
+          <p:cNvPr id="10" name="TextBox 9">
             <a:extLst>
               <a:ext uri="{FF2B5EF4-FFF2-40B4-BE49-F238E27FC236}">
-                <a16:creationId xmlns:a16="http://schemas.microsoft.com/office/drawing/2014/main" id="{362E9CD4-3E6D-4AE6-82C3-A4C4AC23402A}"/>
+                <a16:creationId xmlns:a16="http://schemas.microsoft.com/office/drawing/2014/main" id="{54CE0EBA-7DE0-4746-B9C3-CEDFFD22DDA2}"/>
               </a:ext>
             </a:extLst>
           </p:cNvPr>
-          <p:cNvSpPr>
-            <a:spLocks noGrp="1"/>
-          </p:cNvSpPr>
-          <p:nvPr>
-            <p:ph idx="1"/>
-          </p:nvPr>
+          <p:cNvSpPr txBox="1"/>
+          <p:nvPr/>
         </p:nvSpPr>
         <p:spPr>
           <a:xfrm>
-            <a:off x="1676401" y="4736120"/>
-            <a:ext cx="8401050" cy="1304925"/>
+            <a:off x="1141413" y="1619250"/>
+            <a:ext cx="9812686" cy="461665"/>
           </a:xfrm>
+          <a:prstGeom prst="rect">
+            <a:avLst/>
+          </a:prstGeom>
+          <a:noFill/>
         </p:spPr>
         <p:txBody>
-          <a:bodyPr/>
+          <a:bodyPr wrap="none" rtlCol="0">
+            <a:spAutoFit/>
+          </a:bodyPr>
           <a:lstStyle/>
           <a:p>
-            <a:pPr marL="0" indent="0">
-              <a:buNone/>
-            </a:pPr>
-            <a:r>
-              <a:rPr lang="en-US" dirty="0">
+            <a:r>
+              <a:rPr lang="en-AU" sz="2400" dirty="0">
                 <a:latin typeface="Arial Rounded MT Bold" panose="020F0704030504030204" pitchFamily="34" charset="0"/>
               </a:rPr>
-              <a:t>There can be multiple instances of a </a:t>
-            </a:r>
-            <a:r>
-              <a:rPr lang="en-US" dirty="0" err="1">
-                <a:latin typeface="Arial Rounded MT Bold" panose="020F0704030504030204" pitchFamily="34" charset="0"/>
-              </a:rPr>
-              <a:t>multiton</a:t>
-            </a:r>
-            <a:r>
-              <a:rPr lang="en-US" dirty="0">
-                <a:latin typeface="Arial Rounded MT Bold" panose="020F0704030504030204" pitchFamily="34" charset="0"/>
-              </a:rPr>
-              <a:t> class, but</a:t>
-            </a:r>
-          </a:p>
-          <a:p>
-            <a:pPr marL="0" indent="0">
-              <a:buNone/>
-            </a:pPr>
-            <a:r>
-              <a:rPr lang="en-US" dirty="0">
-                <a:latin typeface="Arial Rounded MT Bold" panose="020F0704030504030204" pitchFamily="34" charset="0"/>
-              </a:rPr>
-              <a:t>each instance must uniquely represent its own “thing”.</a:t>
-            </a:r>
-            <a:endParaRPr lang="en-GB" dirty="0">
+              <a:t>Any number of observers can subscribe their call-back methods.</a:t>
+            </a:r>
+            <a:endParaRPr lang="en-GB" sz="2400" dirty="0">
               <a:latin typeface="Arial Rounded MT Bold" panose="020F0704030504030204" pitchFamily="34" charset="0"/>
             </a:endParaRPr>
           </a:p>
@@ -15762,10 +15749,10 @@
       </p:sp>
       <p:pic>
         <p:nvPicPr>
-          <p:cNvPr id="9" name="Picture 8">
+          <p:cNvPr id="18" name="Picture 17">
             <a:extLst>
               <a:ext uri="{FF2B5EF4-FFF2-40B4-BE49-F238E27FC236}">
-                <a16:creationId xmlns:a16="http://schemas.microsoft.com/office/drawing/2014/main" id="{293463F8-5323-4D1F-AE02-9DFFC6B1DF71}"/>
+                <a16:creationId xmlns:a16="http://schemas.microsoft.com/office/drawing/2014/main" id="{33D9802A-9445-49D7-A27B-28F1909D1CDA}"/>
               </a:ext>
             </a:extLst>
           </p:cNvPr>
@@ -15782,8 +15769,8 @@
         </p:blipFill>
         <p:spPr>
           <a:xfrm>
-            <a:off x="4275471" y="816955"/>
-            <a:ext cx="5687679" cy="3541714"/>
+            <a:off x="2367590" y="2233611"/>
+            <a:ext cx="6919105" cy="4167189"/>
           </a:xfrm>
           <a:prstGeom prst="rect">
             <a:avLst/>
@@ -15793,7 +15780,7 @@
     </p:spTree>
     <p:extLst>
       <p:ext uri="{BB962C8B-B14F-4D97-AF65-F5344CB8AC3E}">
-        <p14:creationId xmlns:p14="http://schemas.microsoft.com/office/powerpoint/2010/main" val="274433748"/>
+        <p14:creationId xmlns:p14="http://schemas.microsoft.com/office/powerpoint/2010/main" val="2191977677"/>
       </p:ext>
     </p:extLst>
   </p:cSld>
@@ -16036,10 +16023,10 @@
           <a:lstStyle/>
           <a:p>
             <a:r>
-              <a:rPr lang="en-AU" cap="none" dirty="0">
+              <a:rPr lang="en-AU" cap="none" dirty="0" err="1">
                 <a:latin typeface="Arial Rounded MT Bold" panose="020F0704030504030204" pitchFamily="34" charset="0"/>
               </a:rPr>
-              <a:t>Factory</a:t>
+              <a:t>Multiton</a:t>
             </a:r>
             <a:endParaRPr lang="en-GB" cap="none" dirty="0">
               <a:latin typeface="Arial Rounded MT Bold" panose="020F0704030504030204" pitchFamily="34" charset="0"/>
@@ -16065,27 +16052,34 @@
         </p:nvSpPr>
         <p:spPr>
           <a:xfrm>
-            <a:off x="2188368" y="2323913"/>
-            <a:ext cx="8002587" cy="2743387"/>
+            <a:off x="1676401" y="4736120"/>
+            <a:ext cx="8401050" cy="1304925"/>
           </a:xfrm>
         </p:spPr>
         <p:txBody>
-          <a:bodyPr>
-            <a:normAutofit/>
-          </a:bodyPr>
+          <a:bodyPr/>
           <a:lstStyle/>
           <a:p>
             <a:pPr marL="0" indent="0">
               <a:buNone/>
             </a:pPr>
             <a:r>
-              <a:rPr lang="en-GB" sz="3600" dirty="0">
-                <a:effectLst/>
-                <a:latin typeface="Calibri" panose="020F0502020204030204" pitchFamily="34" charset="0"/>
-                <a:ea typeface="Calibri" panose="020F0502020204030204" pitchFamily="34" charset="0"/>
-                <a:cs typeface="Times New Roman" panose="02020603050405020304" pitchFamily="18" charset="0"/>
-              </a:rPr>
-              <a:t>If a shoe factory creates shoes</a:t>
+              <a:rPr lang="en-US" dirty="0">
+                <a:latin typeface="Arial Rounded MT Bold" panose="020F0704030504030204" pitchFamily="34" charset="0"/>
+              </a:rPr>
+              <a:t>There can be multiple instances of a </a:t>
+            </a:r>
+            <a:r>
+              <a:rPr lang="en-US" dirty="0" err="1">
+                <a:latin typeface="Arial Rounded MT Bold" panose="020F0704030504030204" pitchFamily="34" charset="0"/>
+              </a:rPr>
+              <a:t>multiton</a:t>
+            </a:r>
+            <a:r>
+              <a:rPr lang="en-US" dirty="0">
+                <a:latin typeface="Arial Rounded MT Bold" panose="020F0704030504030204" pitchFamily="34" charset="0"/>
+              </a:rPr>
+              <a:t> class, but</a:t>
             </a:r>
           </a:p>
           <a:p>
@@ -16093,35 +16087,51 @@
               <a:buNone/>
             </a:pPr>
             <a:r>
-              <a:rPr lang="en-GB" sz="3600" dirty="0">
-                <a:effectLst/>
-                <a:latin typeface="Calibri" panose="020F0502020204030204" pitchFamily="34" charset="0"/>
-                <a:ea typeface="Calibri" panose="020F0502020204030204" pitchFamily="34" charset="0"/>
-                <a:cs typeface="Times New Roman" panose="02020603050405020304" pitchFamily="18" charset="0"/>
-              </a:rPr>
-              <a:t>and a car factory creates cars,</a:t>
-            </a:r>
-          </a:p>
-          <a:p>
-            <a:pPr marL="0" indent="0">
-              <a:buNone/>
-            </a:pPr>
-            <a:r>
-              <a:rPr lang="en-GB" sz="3600" dirty="0">
-                <a:effectLst/>
-                <a:latin typeface="Calibri" panose="020F0502020204030204" pitchFamily="34" charset="0"/>
-                <a:ea typeface="Calibri" panose="020F0502020204030204" pitchFamily="34" charset="0"/>
-                <a:cs typeface="Times New Roman" panose="02020603050405020304" pitchFamily="18" charset="0"/>
-              </a:rPr>
-              <a:t>then an object factory creates objects.</a:t>
-            </a:r>
+              <a:rPr lang="en-US" dirty="0">
+                <a:latin typeface="Arial Rounded MT Bold" panose="020F0704030504030204" pitchFamily="34" charset="0"/>
+              </a:rPr>
+              <a:t>each instance must uniquely represent its own “thing”.</a:t>
+            </a:r>
+            <a:endParaRPr lang="en-GB" dirty="0">
+              <a:latin typeface="Arial Rounded MT Bold" panose="020F0704030504030204" pitchFamily="34" charset="0"/>
+            </a:endParaRPr>
           </a:p>
         </p:txBody>
       </p:sp>
+      <p:pic>
+        <p:nvPicPr>
+          <p:cNvPr id="9" name="Picture 8">
+            <a:extLst>
+              <a:ext uri="{FF2B5EF4-FFF2-40B4-BE49-F238E27FC236}">
+                <a16:creationId xmlns:a16="http://schemas.microsoft.com/office/drawing/2014/main" id="{293463F8-5323-4D1F-AE02-9DFFC6B1DF71}"/>
+              </a:ext>
+            </a:extLst>
+          </p:cNvPr>
+          <p:cNvPicPr>
+            <a:picLocks noChangeAspect="1"/>
+          </p:cNvPicPr>
+          <p:nvPr/>
+        </p:nvPicPr>
+        <p:blipFill>
+          <a:blip r:embed="rId2"/>
+          <a:stretch>
+            <a:fillRect/>
+          </a:stretch>
+        </p:blipFill>
+        <p:spPr>
+          <a:xfrm>
+            <a:off x="4275471" y="816955"/>
+            <a:ext cx="5687679" cy="3541714"/>
+          </a:xfrm>
+          <a:prstGeom prst="rect">
+            <a:avLst/>
+          </a:prstGeom>
+        </p:spPr>
+      </p:pic>
     </p:spTree>
     <p:extLst>
       <p:ext uri="{BB962C8B-B14F-4D97-AF65-F5344CB8AC3E}">
-        <p14:creationId xmlns:p14="http://schemas.microsoft.com/office/powerpoint/2010/main" val="2142643036"/>
+        <p14:creationId xmlns:p14="http://schemas.microsoft.com/office/powerpoint/2010/main" val="274433748"/>
       </p:ext>
     </p:extLst>
   </p:cSld>
@@ -16173,6 +16183,140 @@
               <a:rPr lang="en-AU" cap="none" dirty="0">
                 <a:latin typeface="Arial Rounded MT Bold" panose="020F0704030504030204" pitchFamily="34" charset="0"/>
               </a:rPr>
+              <a:t>Factory</a:t>
+            </a:r>
+            <a:endParaRPr lang="en-GB" cap="none" dirty="0">
+              <a:latin typeface="Arial Rounded MT Bold" panose="020F0704030504030204" pitchFamily="34" charset="0"/>
+            </a:endParaRPr>
+          </a:p>
+        </p:txBody>
+      </p:sp>
+      <p:sp>
+        <p:nvSpPr>
+          <p:cNvPr id="3" name="Content Placeholder 2">
+            <a:extLst>
+              <a:ext uri="{FF2B5EF4-FFF2-40B4-BE49-F238E27FC236}">
+                <a16:creationId xmlns:a16="http://schemas.microsoft.com/office/drawing/2014/main" id="{362E9CD4-3E6D-4AE6-82C3-A4C4AC23402A}"/>
+              </a:ext>
+            </a:extLst>
+          </p:cNvPr>
+          <p:cNvSpPr>
+            <a:spLocks noGrp="1"/>
+          </p:cNvSpPr>
+          <p:nvPr>
+            <p:ph idx="1"/>
+          </p:nvPr>
+        </p:nvSpPr>
+        <p:spPr>
+          <a:xfrm>
+            <a:off x="2188368" y="2323913"/>
+            <a:ext cx="8002587" cy="2743387"/>
+          </a:xfrm>
+        </p:spPr>
+        <p:txBody>
+          <a:bodyPr>
+            <a:normAutofit/>
+          </a:bodyPr>
+          <a:lstStyle/>
+          <a:p>
+            <a:pPr marL="0" indent="0">
+              <a:buNone/>
+            </a:pPr>
+            <a:r>
+              <a:rPr lang="en-GB" sz="3600" dirty="0">
+                <a:effectLst/>
+                <a:latin typeface="Calibri" panose="020F0502020204030204" pitchFamily="34" charset="0"/>
+                <a:ea typeface="Calibri" panose="020F0502020204030204" pitchFamily="34" charset="0"/>
+                <a:cs typeface="Times New Roman" panose="02020603050405020304" pitchFamily="18" charset="0"/>
+              </a:rPr>
+              <a:t>If a shoe factory creates shoes</a:t>
+            </a:r>
+          </a:p>
+          <a:p>
+            <a:pPr marL="0" indent="0">
+              <a:buNone/>
+            </a:pPr>
+            <a:r>
+              <a:rPr lang="en-GB" sz="3600" dirty="0">
+                <a:effectLst/>
+                <a:latin typeface="Calibri" panose="020F0502020204030204" pitchFamily="34" charset="0"/>
+                <a:ea typeface="Calibri" panose="020F0502020204030204" pitchFamily="34" charset="0"/>
+                <a:cs typeface="Times New Roman" panose="02020603050405020304" pitchFamily="18" charset="0"/>
+              </a:rPr>
+              <a:t>and a car factory creates cars,</a:t>
+            </a:r>
+          </a:p>
+          <a:p>
+            <a:pPr marL="0" indent="0">
+              <a:buNone/>
+            </a:pPr>
+            <a:r>
+              <a:rPr lang="en-GB" sz="3600" dirty="0">
+                <a:effectLst/>
+                <a:latin typeface="Calibri" panose="020F0502020204030204" pitchFamily="34" charset="0"/>
+                <a:ea typeface="Calibri" panose="020F0502020204030204" pitchFamily="34" charset="0"/>
+                <a:cs typeface="Times New Roman" panose="02020603050405020304" pitchFamily="18" charset="0"/>
+              </a:rPr>
+              <a:t>then an object factory creates objects.</a:t>
+            </a:r>
+          </a:p>
+        </p:txBody>
+      </p:sp>
+    </p:spTree>
+    <p:extLst>
+      <p:ext uri="{BB962C8B-B14F-4D97-AF65-F5344CB8AC3E}">
+        <p14:creationId xmlns:p14="http://schemas.microsoft.com/office/powerpoint/2010/main" val="2142643036"/>
+      </p:ext>
+    </p:extLst>
+  </p:cSld>
+  <p:clrMapOvr>
+    <a:masterClrMapping/>
+  </p:clrMapOvr>
+</p:sld>
+</file>
+
+<file path=ppt/slides/slide22.xml><?xml version="1.0" encoding="utf-8"?>
+<p:sld xmlns:a="http://schemas.openxmlformats.org/drawingml/2006/main" xmlns:r="http://schemas.openxmlformats.org/officeDocument/2006/relationships" xmlns:p="http://schemas.openxmlformats.org/presentationml/2006/main">
+  <p:cSld>
+    <p:spTree>
+      <p:nvGrpSpPr>
+        <p:cNvPr id="1" name=""/>
+        <p:cNvGrpSpPr/>
+        <p:nvPr/>
+      </p:nvGrpSpPr>
+      <p:grpSpPr>
+        <a:xfrm>
+          <a:off x="0" y="0"/>
+          <a:ext cx="0" cy="0"/>
+          <a:chOff x="0" y="0"/>
+          <a:chExt cx="0" cy="0"/>
+        </a:xfrm>
+      </p:grpSpPr>
+      <p:sp>
+        <p:nvSpPr>
+          <p:cNvPr id="2" name="Title 1">
+            <a:extLst>
+              <a:ext uri="{FF2B5EF4-FFF2-40B4-BE49-F238E27FC236}">
+                <a16:creationId xmlns:a16="http://schemas.microsoft.com/office/drawing/2014/main" id="{BC440246-F22F-45F1-BE99-09DA0246BDB9}"/>
+              </a:ext>
+            </a:extLst>
+          </p:cNvPr>
+          <p:cNvSpPr>
+            <a:spLocks noGrp="1"/>
+          </p:cNvSpPr>
+          <p:nvPr>
+            <p:ph type="title"/>
+          </p:nvPr>
+        </p:nvSpPr>
+        <p:spPr/>
+        <p:txBody>
+          <a:bodyPr/>
+          <a:lstStyle/>
+          <a:p>
+            <a:r>
+              <a:rPr lang="en-AU" cap="none" dirty="0">
+                <a:latin typeface="Arial Rounded MT Bold" panose="020F0704030504030204" pitchFamily="34" charset="0"/>
+              </a:rPr>
               <a:t>Abstract factory</a:t>
             </a:r>
             <a:endParaRPr lang="en-GB" cap="none" dirty="0">
@@ -16289,7 +16433,7 @@
 </p:sld>
 </file>
 
-<file path=ppt/slides/slide22.xml><?xml version="1.0" encoding="utf-8"?>
+<file path=ppt/slides/slide23.xml><?xml version="1.0" encoding="utf-8"?>
 <p:sld xmlns:a="http://schemas.openxmlformats.org/drawingml/2006/main" xmlns:r="http://schemas.openxmlformats.org/officeDocument/2006/relationships" xmlns:p="http://schemas.openxmlformats.org/presentationml/2006/main">
   <p:cSld>
     <p:spTree>
@@ -16480,121 +16624,6 @@
     <p:extLst>
       <p:ext uri="{BB962C8B-B14F-4D97-AF65-F5344CB8AC3E}">
         <p14:creationId xmlns:p14="http://schemas.microsoft.com/office/powerpoint/2010/main" val="3086386989"/>
-      </p:ext>
-    </p:extLst>
-  </p:cSld>
-  <p:clrMapOvr>
-    <a:masterClrMapping/>
-  </p:clrMapOvr>
-</p:sld>
-</file>
-
-<file path=ppt/slides/slide23.xml><?xml version="1.0" encoding="utf-8"?>
-<p:sld xmlns:a="http://schemas.openxmlformats.org/drawingml/2006/main" xmlns:r="http://schemas.openxmlformats.org/officeDocument/2006/relationships" xmlns:p="http://schemas.openxmlformats.org/presentationml/2006/main">
-  <p:cSld>
-    <p:spTree>
-      <p:nvGrpSpPr>
-        <p:cNvPr id="1" name=""/>
-        <p:cNvGrpSpPr/>
-        <p:nvPr/>
-      </p:nvGrpSpPr>
-      <p:grpSpPr>
-        <a:xfrm>
-          <a:off x="0" y="0"/>
-          <a:ext cx="0" cy="0"/>
-          <a:chOff x="0" y="0"/>
-          <a:chExt cx="0" cy="0"/>
-        </a:xfrm>
-      </p:grpSpPr>
-      <p:sp>
-        <p:nvSpPr>
-          <p:cNvPr id="2" name="Title 1">
-            <a:extLst>
-              <a:ext uri="{FF2B5EF4-FFF2-40B4-BE49-F238E27FC236}">
-                <a16:creationId xmlns:a16="http://schemas.microsoft.com/office/drawing/2014/main" id="{BC440246-F22F-45F1-BE99-09DA0246BDB9}"/>
-              </a:ext>
-            </a:extLst>
-          </p:cNvPr>
-          <p:cNvSpPr>
-            <a:spLocks noGrp="1"/>
-          </p:cNvSpPr>
-          <p:nvPr>
-            <p:ph type="title"/>
-          </p:nvPr>
-        </p:nvSpPr>
-        <p:spPr/>
-        <p:txBody>
-          <a:bodyPr/>
-          <a:lstStyle/>
-          <a:p>
-            <a:r>
-              <a:rPr lang="en-AU" cap="none" dirty="0">
-                <a:latin typeface="Arial Rounded MT Bold" panose="020F0704030504030204" pitchFamily="34" charset="0"/>
-              </a:rPr>
-              <a:t>Memento</a:t>
-            </a:r>
-            <a:endParaRPr lang="en-GB" cap="none" dirty="0">
-              <a:latin typeface="Arial Rounded MT Bold" panose="020F0704030504030204" pitchFamily="34" charset="0"/>
-            </a:endParaRPr>
-          </a:p>
-        </p:txBody>
-      </p:sp>
-      <p:sp>
-        <p:nvSpPr>
-          <p:cNvPr id="3" name="Content Placeholder 2">
-            <a:extLst>
-              <a:ext uri="{FF2B5EF4-FFF2-40B4-BE49-F238E27FC236}">
-                <a16:creationId xmlns:a16="http://schemas.microsoft.com/office/drawing/2014/main" id="{362E9CD4-3E6D-4AE6-82C3-A4C4AC23402A}"/>
-              </a:ext>
-            </a:extLst>
-          </p:cNvPr>
-          <p:cNvSpPr>
-            <a:spLocks noGrp="1"/>
-          </p:cNvSpPr>
-          <p:nvPr>
-            <p:ph idx="1"/>
-          </p:nvPr>
-        </p:nvSpPr>
-        <p:spPr/>
-        <p:txBody>
-          <a:bodyPr/>
-          <a:lstStyle/>
-          <a:p>
-            <a:pPr marL="0" indent="0">
-              <a:buNone/>
-            </a:pPr>
-            <a:r>
-              <a:rPr lang="en-AU" dirty="0">
-                <a:latin typeface="Arial Rounded MT Bold" panose="020F0704030504030204" pitchFamily="34" charset="0"/>
-              </a:rPr>
-              <a:t>Also known as Undo/Redo functionality.</a:t>
-            </a:r>
-          </a:p>
-          <a:p>
-            <a:pPr marL="0" indent="0">
-              <a:buNone/>
-            </a:pPr>
-            <a:endParaRPr lang="en-GB" dirty="0">
-              <a:latin typeface="Arial Rounded MT Bold" panose="020F0704030504030204" pitchFamily="34" charset="0"/>
-            </a:endParaRPr>
-          </a:p>
-          <a:p>
-            <a:pPr marL="0" indent="0">
-              <a:buNone/>
-            </a:pPr>
-            <a:r>
-              <a:rPr lang="en-GB" dirty="0">
-                <a:latin typeface="Arial Rounded MT Bold" panose="020F0704030504030204" pitchFamily="34" charset="0"/>
-              </a:rPr>
-              <a:t>Save the state.  Later, can restore the state.</a:t>
-            </a:r>
-          </a:p>
-        </p:txBody>
-      </p:sp>
-    </p:spTree>
-    <p:extLst>
-      <p:ext uri="{BB962C8B-B14F-4D97-AF65-F5344CB8AC3E}">
-        <p14:creationId xmlns:p14="http://schemas.microsoft.com/office/powerpoint/2010/main" val="3905659012"/>
       </p:ext>
     </p:extLst>
   </p:cSld>
@@ -16646,7 +16675,7 @@
               <a:rPr lang="en-AU" cap="none" dirty="0">
                 <a:latin typeface="Arial Rounded MT Bold" panose="020F0704030504030204" pitchFamily="34" charset="0"/>
               </a:rPr>
-              <a:t>Other patterns</a:t>
+              <a:t>Memento</a:t>
             </a:r>
             <a:endParaRPr lang="en-GB" cap="none" dirty="0">
               <a:latin typeface="Arial Rounded MT Bold" panose="020F0704030504030204" pitchFamily="34" charset="0"/>
@@ -16670,105 +16699,46 @@
             <p:ph idx="1"/>
           </p:nvPr>
         </p:nvSpPr>
-        <p:spPr>
-          <a:xfrm>
-            <a:off x="2078967" y="2249487"/>
-            <a:ext cx="6478438" cy="3541714"/>
-          </a:xfrm>
-        </p:spPr>
+        <p:spPr/>
         <p:txBody>
           <a:bodyPr/>
           <a:lstStyle/>
           <a:p>
-            <a:pPr marL="457200" indent="-457200">
-              <a:buFont typeface="+mj-lt"/>
-              <a:buAutoNum type="arabicPeriod"/>
+            <a:pPr marL="0" indent="0">
+              <a:buNone/>
             </a:pPr>
             <a:r>
               <a:rPr lang="en-AU" dirty="0">
                 <a:latin typeface="Arial Rounded MT Bold" panose="020F0704030504030204" pitchFamily="34" charset="0"/>
               </a:rPr>
-              <a:t>Decorators</a:t>
-            </a:r>
-          </a:p>
-          <a:p>
-            <a:pPr marL="457200" indent="-457200">
-              <a:buFont typeface="+mj-lt"/>
-              <a:buAutoNum type="arabicPeriod"/>
-            </a:pPr>
-            <a:r>
-              <a:rPr lang="en-AU" dirty="0">
-                <a:latin typeface="Arial Rounded MT Bold" panose="020F0704030504030204" pitchFamily="34" charset="0"/>
-              </a:rPr>
-              <a:t>Façade</a:t>
-            </a:r>
-          </a:p>
-          <a:p>
-            <a:pPr marL="457200" indent="-457200">
-              <a:buFont typeface="+mj-lt"/>
-              <a:buAutoNum type="arabicPeriod"/>
-            </a:pPr>
-            <a:r>
-              <a:rPr lang="en-AU" dirty="0">
-                <a:latin typeface="Arial Rounded MT Bold" panose="020F0704030504030204" pitchFamily="34" charset="0"/>
-              </a:rPr>
-              <a:t>Dependency injection</a:t>
-            </a:r>
-          </a:p>
-          <a:p>
-            <a:pPr marL="457200" indent="-457200">
-              <a:buFont typeface="+mj-lt"/>
-              <a:buAutoNum type="arabicPeriod"/>
-            </a:pPr>
-            <a:r>
-              <a:rPr lang="en-US" dirty="0">
-                <a:latin typeface="Arial Rounded MT Bold" panose="020F0704030504030204" pitchFamily="34" charset="0"/>
-              </a:rPr>
-              <a:t>Flyweight</a:t>
-            </a:r>
-          </a:p>
-          <a:p>
-            <a:pPr marL="457200" indent="-457200">
-              <a:buFont typeface="+mj-lt"/>
-              <a:buAutoNum type="arabicPeriod"/>
-            </a:pPr>
-            <a:r>
-              <a:rPr lang="en-US" dirty="0">
-                <a:latin typeface="Arial Rounded MT Bold" panose="020F0704030504030204" pitchFamily="34" charset="0"/>
-              </a:rPr>
-              <a:t>Chain of responsibility</a:t>
-            </a:r>
-          </a:p>
-          <a:p>
-            <a:pPr marL="457200" indent="-457200">
-              <a:buFont typeface="+mj-lt"/>
-              <a:buAutoNum type="arabicPeriod"/>
-            </a:pPr>
-            <a:r>
-              <a:rPr lang="en-US" dirty="0">
-                <a:latin typeface="Arial Rounded MT Bold" panose="020F0704030504030204" pitchFamily="34" charset="0"/>
-              </a:rPr>
-              <a:t>Command</a:t>
-            </a:r>
-            <a:endParaRPr lang="en-AU" dirty="0">
-              <a:latin typeface="Arial Rounded MT Bold" panose="020F0704030504030204" pitchFamily="34" charset="0"/>
-            </a:endParaRPr>
-          </a:p>
-          <a:p>
-            <a:pPr marL="457200" indent="-457200">
-              <a:buFont typeface="+mj-lt"/>
-              <a:buAutoNum type="arabicPeriod"/>
+              <a:t>Also known as Undo/Redo functionality.</a:t>
+            </a:r>
+          </a:p>
+          <a:p>
+            <a:pPr marL="0" indent="0">
+              <a:buNone/>
             </a:pPr>
             <a:endParaRPr lang="en-GB" dirty="0">
               <a:latin typeface="Arial Rounded MT Bold" panose="020F0704030504030204" pitchFamily="34" charset="0"/>
             </a:endParaRPr>
+          </a:p>
+          <a:p>
+            <a:pPr marL="0" indent="0">
+              <a:buNone/>
+            </a:pPr>
+            <a:r>
+              <a:rPr lang="en-GB" dirty="0">
+                <a:latin typeface="Arial Rounded MT Bold" panose="020F0704030504030204" pitchFamily="34" charset="0"/>
+              </a:rPr>
+              <a:t>Save the state.  Later, can restore the state.</a:t>
+            </a:r>
           </a:p>
         </p:txBody>
       </p:sp>
     </p:spTree>
     <p:extLst>
       <p:ext uri="{BB962C8B-B14F-4D97-AF65-F5344CB8AC3E}">
-        <p14:creationId xmlns:p14="http://schemas.microsoft.com/office/powerpoint/2010/main" val="3608976484"/>
+        <p14:creationId xmlns:p14="http://schemas.microsoft.com/office/powerpoint/2010/main" val="3905659012"/>
       </p:ext>
     </p:extLst>
   </p:cSld>
@@ -16820,7 +16790,7 @@
               <a:rPr lang="en-AU" cap="none" dirty="0">
                 <a:latin typeface="Arial Rounded MT Bold" panose="020F0704030504030204" pitchFamily="34" charset="0"/>
               </a:rPr>
-              <a:t>Summary</a:t>
+              <a:t>Other patterns</a:t>
             </a:r>
             <a:endParaRPr lang="en-GB" cap="none" dirty="0">
               <a:latin typeface="Arial Rounded MT Bold" panose="020F0704030504030204" pitchFamily="34" charset="0"/>
@@ -16846,61 +16816,92 @@
         </p:nvSpPr>
         <p:spPr>
           <a:xfrm>
-            <a:off x="2225615" y="2249487"/>
-            <a:ext cx="6927011" cy="2865977"/>
+            <a:off x="2078967" y="2249487"/>
+            <a:ext cx="6478438" cy="3541714"/>
           </a:xfrm>
         </p:spPr>
         <p:txBody>
           <a:bodyPr/>
           <a:lstStyle/>
           <a:p>
-            <a:pPr marL="0" indent="0">
-              <a:buNone/>
+            <a:pPr marL="457200" indent="-457200">
+              <a:buFont typeface="+mj-lt"/>
+              <a:buAutoNum type="arabicPeriod"/>
             </a:pPr>
             <a:r>
               <a:rPr lang="en-AU" dirty="0">
                 <a:latin typeface="Arial Rounded MT Bold" panose="020F0704030504030204" pitchFamily="34" charset="0"/>
               </a:rPr>
-              <a:t>We all use patterns.</a:t>
-            </a:r>
-          </a:p>
-          <a:p>
-            <a:pPr marL="0" indent="0">
-              <a:buNone/>
+              <a:t>Decorators</a:t>
+            </a:r>
+          </a:p>
+          <a:p>
+            <a:pPr marL="457200" indent="-457200">
+              <a:buFont typeface="+mj-lt"/>
+              <a:buAutoNum type="arabicPeriod"/>
             </a:pPr>
             <a:r>
               <a:rPr lang="en-AU" dirty="0">
                 <a:latin typeface="Arial Rounded MT Bold" panose="020F0704030504030204" pitchFamily="34" charset="0"/>
               </a:rPr>
-              <a:t>Bigger toolbox </a:t>
-            </a:r>
-            <a:r>
-              <a:rPr lang="en-GB" sz="3200" b="1" dirty="0">
-                <a:latin typeface="Symbol" panose="05050102010706020507" pitchFamily="18" charset="2"/>
-              </a:rPr>
-              <a:t>®</a:t>
-            </a:r>
+              <a:t>Façade</a:t>
+            </a:r>
+          </a:p>
+          <a:p>
+            <a:pPr marL="457200" indent="-457200">
+              <a:buFont typeface="+mj-lt"/>
+              <a:buAutoNum type="arabicPeriod"/>
+            </a:pPr>
             <a:r>
               <a:rPr lang="en-AU" dirty="0">
                 <a:latin typeface="Arial Rounded MT Bold" panose="020F0704030504030204" pitchFamily="34" charset="0"/>
               </a:rPr>
-              <a:t>  more versatility.</a:t>
-            </a:r>
-          </a:p>
-          <a:p>
-            <a:pPr marL="0" indent="0">
-              <a:buNone/>
+              <a:t>Dependency injection</a:t>
+            </a:r>
+          </a:p>
+          <a:p>
+            <a:pPr marL="457200" indent="-457200">
+              <a:buFont typeface="+mj-lt"/>
+              <a:buAutoNum type="arabicPeriod"/>
             </a:pPr>
             <a:r>
-              <a:rPr lang="en-AU" dirty="0">
+              <a:rPr lang="en-US" dirty="0">
                 <a:latin typeface="Arial Rounded MT Bold" panose="020F0704030504030204" pitchFamily="34" charset="0"/>
               </a:rPr>
-              <a:t>Less reinventing of wheels.</a:t>
-            </a:r>
-          </a:p>
-          <a:p>
-            <a:pPr marL="0" indent="0">
-              <a:buNone/>
+              <a:t>Flyweight</a:t>
+            </a:r>
+          </a:p>
+          <a:p>
+            <a:pPr marL="457200" indent="-457200">
+              <a:buFont typeface="+mj-lt"/>
+              <a:buAutoNum type="arabicPeriod"/>
+            </a:pPr>
+            <a:r>
+              <a:rPr lang="en-US" dirty="0">
+                <a:latin typeface="Arial Rounded MT Bold" panose="020F0704030504030204" pitchFamily="34" charset="0"/>
+              </a:rPr>
+              <a:t>Chain of responsibility</a:t>
+            </a:r>
+          </a:p>
+          <a:p>
+            <a:pPr marL="457200" indent="-457200">
+              <a:buFont typeface="+mj-lt"/>
+              <a:buAutoNum type="arabicPeriod"/>
+            </a:pPr>
+            <a:r>
+              <a:rPr lang="en-US" dirty="0">
+                <a:latin typeface="Arial Rounded MT Bold" panose="020F0704030504030204" pitchFamily="34" charset="0"/>
+              </a:rPr>
+              <a:t>Command</a:t>
+            </a:r>
+            <a:endParaRPr lang="en-AU" dirty="0">
+              <a:latin typeface="Arial Rounded MT Bold" panose="020F0704030504030204" pitchFamily="34" charset="0"/>
+            </a:endParaRPr>
+          </a:p>
+          <a:p>
+            <a:pPr marL="457200" indent="-457200">
+              <a:buFont typeface="+mj-lt"/>
+              <a:buAutoNum type="arabicPeriod"/>
             </a:pPr>
             <a:endParaRPr lang="en-GB" dirty="0">
               <a:latin typeface="Arial Rounded MT Bold" panose="020F0704030504030204" pitchFamily="34" charset="0"/>
@@ -16911,7 +16912,7 @@
     </p:spTree>
     <p:extLst>
       <p:ext uri="{BB962C8B-B14F-4D97-AF65-F5344CB8AC3E}">
-        <p14:creationId xmlns:p14="http://schemas.microsoft.com/office/powerpoint/2010/main" val="2445621187"/>
+        <p14:creationId xmlns:p14="http://schemas.microsoft.com/office/powerpoint/2010/main" val="3608976484"/>
       </p:ext>
     </p:extLst>
   </p:cSld>
@@ -16954,6 +16955,149 @@
             <p:ph type="title"/>
           </p:nvPr>
         </p:nvSpPr>
+        <p:spPr/>
+        <p:txBody>
+          <a:bodyPr/>
+          <a:lstStyle/>
+          <a:p>
+            <a:r>
+              <a:rPr lang="en-AU" cap="none" dirty="0">
+                <a:latin typeface="Arial Rounded MT Bold" panose="020F0704030504030204" pitchFamily="34" charset="0"/>
+              </a:rPr>
+              <a:t>Summary</a:t>
+            </a:r>
+            <a:endParaRPr lang="en-GB" cap="none" dirty="0">
+              <a:latin typeface="Arial Rounded MT Bold" panose="020F0704030504030204" pitchFamily="34" charset="0"/>
+            </a:endParaRPr>
+          </a:p>
+        </p:txBody>
+      </p:sp>
+      <p:sp>
+        <p:nvSpPr>
+          <p:cNvPr id="3" name="Content Placeholder 2">
+            <a:extLst>
+              <a:ext uri="{FF2B5EF4-FFF2-40B4-BE49-F238E27FC236}">
+                <a16:creationId xmlns:a16="http://schemas.microsoft.com/office/drawing/2014/main" id="{362E9CD4-3E6D-4AE6-82C3-A4C4AC23402A}"/>
+              </a:ext>
+            </a:extLst>
+          </p:cNvPr>
+          <p:cNvSpPr>
+            <a:spLocks noGrp="1"/>
+          </p:cNvSpPr>
+          <p:nvPr>
+            <p:ph idx="1"/>
+          </p:nvPr>
+        </p:nvSpPr>
+        <p:spPr>
+          <a:xfrm>
+            <a:off x="2225615" y="2249487"/>
+            <a:ext cx="6927011" cy="2865977"/>
+          </a:xfrm>
+        </p:spPr>
+        <p:txBody>
+          <a:bodyPr/>
+          <a:lstStyle/>
+          <a:p>
+            <a:pPr marL="0" indent="0">
+              <a:buNone/>
+            </a:pPr>
+            <a:r>
+              <a:rPr lang="en-AU" dirty="0">
+                <a:latin typeface="Arial Rounded MT Bold" panose="020F0704030504030204" pitchFamily="34" charset="0"/>
+              </a:rPr>
+              <a:t>We all use patterns.</a:t>
+            </a:r>
+          </a:p>
+          <a:p>
+            <a:pPr marL="0" indent="0">
+              <a:buNone/>
+            </a:pPr>
+            <a:r>
+              <a:rPr lang="en-AU" dirty="0">
+                <a:latin typeface="Arial Rounded MT Bold" panose="020F0704030504030204" pitchFamily="34" charset="0"/>
+              </a:rPr>
+              <a:t>Bigger toolbox </a:t>
+            </a:r>
+            <a:r>
+              <a:rPr lang="en-GB" sz="3200" b="1" dirty="0">
+                <a:latin typeface="Symbol" panose="05050102010706020507" pitchFamily="18" charset="2"/>
+              </a:rPr>
+              <a:t>®</a:t>
+            </a:r>
+            <a:r>
+              <a:rPr lang="en-AU" dirty="0">
+                <a:latin typeface="Arial Rounded MT Bold" panose="020F0704030504030204" pitchFamily="34" charset="0"/>
+              </a:rPr>
+              <a:t>  more versatility.</a:t>
+            </a:r>
+          </a:p>
+          <a:p>
+            <a:pPr marL="0" indent="0">
+              <a:buNone/>
+            </a:pPr>
+            <a:r>
+              <a:rPr lang="en-AU" dirty="0">
+                <a:latin typeface="Arial Rounded MT Bold" panose="020F0704030504030204" pitchFamily="34" charset="0"/>
+              </a:rPr>
+              <a:t>Less reinventing of wheels.</a:t>
+            </a:r>
+          </a:p>
+          <a:p>
+            <a:pPr marL="0" indent="0">
+              <a:buNone/>
+            </a:pPr>
+            <a:endParaRPr lang="en-GB" dirty="0">
+              <a:latin typeface="Arial Rounded MT Bold" panose="020F0704030504030204" pitchFamily="34" charset="0"/>
+            </a:endParaRPr>
+          </a:p>
+        </p:txBody>
+      </p:sp>
+    </p:spTree>
+    <p:extLst>
+      <p:ext uri="{BB962C8B-B14F-4D97-AF65-F5344CB8AC3E}">
+        <p14:creationId xmlns:p14="http://schemas.microsoft.com/office/powerpoint/2010/main" val="2445621187"/>
+      </p:ext>
+    </p:extLst>
+  </p:cSld>
+  <p:clrMapOvr>
+    <a:masterClrMapping/>
+  </p:clrMapOvr>
+</p:sld>
+</file>
+
+<file path=ppt/slides/slide27.xml><?xml version="1.0" encoding="utf-8"?>
+<p:sld xmlns:a="http://schemas.openxmlformats.org/drawingml/2006/main" xmlns:r="http://schemas.openxmlformats.org/officeDocument/2006/relationships" xmlns:p="http://schemas.openxmlformats.org/presentationml/2006/main">
+  <p:cSld>
+    <p:spTree>
+      <p:nvGrpSpPr>
+        <p:cNvPr id="1" name=""/>
+        <p:cNvGrpSpPr/>
+        <p:nvPr/>
+      </p:nvGrpSpPr>
+      <p:grpSpPr>
+        <a:xfrm>
+          <a:off x="0" y="0"/>
+          <a:ext cx="0" cy="0"/>
+          <a:chOff x="0" y="0"/>
+          <a:chExt cx="0" cy="0"/>
+        </a:xfrm>
+      </p:grpSpPr>
+      <p:sp>
+        <p:nvSpPr>
+          <p:cNvPr id="2" name="Title 1">
+            <a:extLst>
+              <a:ext uri="{FF2B5EF4-FFF2-40B4-BE49-F238E27FC236}">
+                <a16:creationId xmlns:a16="http://schemas.microsoft.com/office/drawing/2014/main" id="{BC440246-F22F-45F1-BE99-09DA0246BDB9}"/>
+              </a:ext>
+            </a:extLst>
+          </p:cNvPr>
+          <p:cNvSpPr>
+            <a:spLocks noGrp="1"/>
+          </p:cNvSpPr>
+          <p:nvPr>
+            <p:ph type="title"/>
+          </p:nvPr>
+        </p:nvSpPr>
         <p:spPr>
           <a:xfrm>
             <a:off x="1141413" y="618518"/>
@@ -17130,7 +17274,7 @@
 </p:sld>
 </file>
 
-<file path=ppt/slides/slide27.xml><?xml version="1.0" encoding="utf-8"?>
+<file path=ppt/slides/slide28.xml><?xml version="1.0" encoding="utf-8"?>
 <p:sld xmlns:a="http://schemas.openxmlformats.org/drawingml/2006/main" xmlns:r="http://schemas.openxmlformats.org/officeDocument/2006/relationships" xmlns:p="http://schemas.openxmlformats.org/presentationml/2006/main">
   <p:cSld>
     <p:spTree>
@@ -17819,6 +17963,207 @@
           <p:cNvPr id="2" name="Title 1">
             <a:extLst>
               <a:ext uri="{FF2B5EF4-FFF2-40B4-BE49-F238E27FC236}">
+                <a16:creationId xmlns:a16="http://schemas.microsoft.com/office/drawing/2014/main" id="{8C1D2A25-66C7-4149-B95F-2D6951ED0F05}"/>
+              </a:ext>
+            </a:extLst>
+          </p:cNvPr>
+          <p:cNvSpPr>
+            <a:spLocks noGrp="1"/>
+          </p:cNvSpPr>
+          <p:nvPr>
+            <p:ph type="title"/>
+          </p:nvPr>
+        </p:nvSpPr>
+        <p:spPr>
+          <a:xfrm>
+            <a:off x="1406105" y="618519"/>
+            <a:ext cx="9247517" cy="910614"/>
+          </a:xfrm>
+        </p:spPr>
+        <p:txBody>
+          <a:bodyPr>
+            <a:noAutofit/>
+          </a:bodyPr>
+          <a:lstStyle/>
+          <a:p>
+            <a:r>
+              <a:rPr lang="en-GB" cap="none" dirty="0">
+                <a:latin typeface="Arial Rounded MT Bold" panose="020F0704030504030204" pitchFamily="34" charset="0"/>
+                <a:cs typeface="Calibri" panose="020F0502020204030204" pitchFamily="34" charset="0"/>
+              </a:rPr>
+              <a:t>Consider using a proper business layer</a:t>
+            </a:r>
+            <a:endParaRPr lang="en-GB" dirty="0"/>
+          </a:p>
+        </p:txBody>
+      </p:sp>
+      <p:pic>
+        <p:nvPicPr>
+          <p:cNvPr id="7" name="Picture 6">
+            <a:extLst>
+              <a:ext uri="{FF2B5EF4-FFF2-40B4-BE49-F238E27FC236}">
+                <a16:creationId xmlns:a16="http://schemas.microsoft.com/office/drawing/2014/main" id="{63387181-C1E0-4972-9001-FE1C4AB483B4}"/>
+              </a:ext>
+            </a:extLst>
+          </p:cNvPr>
+          <p:cNvPicPr>
+            <a:picLocks noChangeAspect="1"/>
+          </p:cNvPicPr>
+          <p:nvPr/>
+        </p:nvPicPr>
+        <p:blipFill>
+          <a:blip r:embed="rId2"/>
+          <a:stretch>
+            <a:fillRect/>
+          </a:stretch>
+        </p:blipFill>
+        <p:spPr>
+          <a:xfrm>
+            <a:off x="6288657" y="2217425"/>
+            <a:ext cx="3645947" cy="4022056"/>
+          </a:xfrm>
+          <a:prstGeom prst="rect">
+            <a:avLst/>
+          </a:prstGeom>
+        </p:spPr>
+      </p:pic>
+      <p:sp>
+        <p:nvSpPr>
+          <p:cNvPr id="10" name="TextBox 9">
+            <a:extLst>
+              <a:ext uri="{FF2B5EF4-FFF2-40B4-BE49-F238E27FC236}">
+                <a16:creationId xmlns:a16="http://schemas.microsoft.com/office/drawing/2014/main" id="{738E7E30-59F1-47E2-A2D3-CE8250BE82AF}"/>
+              </a:ext>
+            </a:extLst>
+          </p:cNvPr>
+          <p:cNvSpPr txBox="1"/>
+          <p:nvPr/>
+        </p:nvSpPr>
+        <p:spPr>
+          <a:xfrm>
+            <a:off x="1824637" y="1632650"/>
+            <a:ext cx="2160784" cy="584775"/>
+          </a:xfrm>
+          <a:prstGeom prst="rect">
+            <a:avLst/>
+          </a:prstGeom>
+          <a:noFill/>
+        </p:spPr>
+        <p:txBody>
+          <a:bodyPr wrap="none" rtlCol="0">
+            <a:spAutoFit/>
+          </a:bodyPr>
+          <a:lstStyle/>
+          <a:p>
+            <a:r>
+              <a:rPr lang="en-AU" sz="3200" dirty="0"/>
+              <a:t>Data aware</a:t>
+            </a:r>
+            <a:endParaRPr lang="en-GB" sz="3200" dirty="0"/>
+          </a:p>
+        </p:txBody>
+      </p:sp>
+      <p:sp>
+        <p:nvSpPr>
+          <p:cNvPr id="15" name="TextBox 14">
+            <a:extLst>
+              <a:ext uri="{FF2B5EF4-FFF2-40B4-BE49-F238E27FC236}">
+                <a16:creationId xmlns:a16="http://schemas.microsoft.com/office/drawing/2014/main" id="{D17406C1-A328-4540-8285-0E4CF4AD7609}"/>
+              </a:ext>
+            </a:extLst>
+          </p:cNvPr>
+          <p:cNvSpPr txBox="1"/>
+          <p:nvPr/>
+        </p:nvSpPr>
+        <p:spPr>
+          <a:xfrm>
+            <a:off x="6288657" y="1632650"/>
+            <a:ext cx="2412455" cy="584775"/>
+          </a:xfrm>
+          <a:prstGeom prst="rect">
+            <a:avLst/>
+          </a:prstGeom>
+          <a:noFill/>
+        </p:spPr>
+        <p:txBody>
+          <a:bodyPr wrap="none" rtlCol="0">
+            <a:spAutoFit/>
+          </a:bodyPr>
+          <a:lstStyle/>
+          <a:p>
+            <a:r>
+              <a:rPr lang="en-AU" sz="3200" dirty="0"/>
+              <a:t>Business layer</a:t>
+            </a:r>
+            <a:endParaRPr lang="en-GB" sz="3200" dirty="0"/>
+          </a:p>
+        </p:txBody>
+      </p:sp>
+      <p:pic>
+        <p:nvPicPr>
+          <p:cNvPr id="17" name="Picture 16">
+            <a:extLst>
+              <a:ext uri="{FF2B5EF4-FFF2-40B4-BE49-F238E27FC236}">
+                <a16:creationId xmlns:a16="http://schemas.microsoft.com/office/drawing/2014/main" id="{EF63DA9A-5074-48E2-BCF8-CFABC8A17D30}"/>
+              </a:ext>
+            </a:extLst>
+          </p:cNvPr>
+          <p:cNvPicPr>
+            <a:picLocks noChangeAspect="1"/>
+          </p:cNvPicPr>
+          <p:nvPr/>
+        </p:nvPicPr>
+        <p:blipFill>
+          <a:blip r:embed="rId3"/>
+          <a:stretch>
+            <a:fillRect/>
+          </a:stretch>
+        </p:blipFill>
+        <p:spPr>
+          <a:xfrm>
+            <a:off x="1910404" y="2217425"/>
+            <a:ext cx="3645947" cy="4022056"/>
+          </a:xfrm>
+          <a:prstGeom prst="rect">
+            <a:avLst/>
+          </a:prstGeom>
+        </p:spPr>
+      </p:pic>
+    </p:spTree>
+    <p:extLst>
+      <p:ext uri="{BB962C8B-B14F-4D97-AF65-F5344CB8AC3E}">
+        <p14:creationId xmlns:p14="http://schemas.microsoft.com/office/powerpoint/2010/main" val="2651835386"/>
+      </p:ext>
+    </p:extLst>
+  </p:cSld>
+  <p:clrMapOvr>
+    <a:masterClrMapping/>
+  </p:clrMapOvr>
+</p:sld>
+</file>
+
+<file path=ppt/slides/slide7.xml><?xml version="1.0" encoding="utf-8"?>
+<p:sld xmlns:a="http://schemas.openxmlformats.org/drawingml/2006/main" xmlns:r="http://schemas.openxmlformats.org/officeDocument/2006/relationships" xmlns:p="http://schemas.openxmlformats.org/presentationml/2006/main">
+  <p:cSld>
+    <p:spTree>
+      <p:nvGrpSpPr>
+        <p:cNvPr id="1" name=""/>
+        <p:cNvGrpSpPr/>
+        <p:nvPr/>
+      </p:nvGrpSpPr>
+      <p:grpSpPr>
+        <a:xfrm>
+          <a:off x="0" y="0"/>
+          <a:ext cx="0" cy="0"/>
+          <a:chOff x="0" y="0"/>
+          <a:chExt cx="0" cy="0"/>
+        </a:xfrm>
+      </p:grpSpPr>
+      <p:sp>
+        <p:nvSpPr>
+          <p:cNvPr id="2" name="Title 1">
+            <a:extLst>
+              <a:ext uri="{FF2B5EF4-FFF2-40B4-BE49-F238E27FC236}">
                 <a16:creationId xmlns:a16="http://schemas.microsoft.com/office/drawing/2014/main" id="{E47AB6D0-8AEB-491A-86AC-0C7AD1ACA71D}"/>
               </a:ext>
             </a:extLst>
@@ -17919,7 +18264,7 @@
 </p:sld>
 </file>
 
-<file path=ppt/slides/slide7.xml><?xml version="1.0" encoding="utf-8"?>
+<file path=ppt/slides/slide8.xml><?xml version="1.0" encoding="utf-8"?>
 <p:sld xmlns:a="http://schemas.openxmlformats.org/drawingml/2006/main" xmlns:r="http://schemas.openxmlformats.org/officeDocument/2006/relationships" xmlns:p="http://schemas.openxmlformats.org/presentationml/2006/main">
   <p:cSld>
     <p:spTree>
@@ -18232,7 +18577,7 @@
 </p:sld>
 </file>
 
-<file path=ppt/slides/slide8.xml><?xml version="1.0" encoding="utf-8"?>
+<file path=ppt/slides/slide9.xml><?xml version="1.0" encoding="utf-8"?>
 <p:sld xmlns:a="http://schemas.openxmlformats.org/drawingml/2006/main" xmlns:r="http://schemas.openxmlformats.org/officeDocument/2006/relationships" xmlns:p="http://schemas.openxmlformats.org/presentationml/2006/main">
   <p:cSld>
     <p:spTree>
@@ -18294,149 +18639,6 @@
     <p:extLst>
       <p:ext uri="{BB962C8B-B14F-4D97-AF65-F5344CB8AC3E}">
         <p14:creationId xmlns:p14="http://schemas.microsoft.com/office/powerpoint/2010/main" val="942636072"/>
-      </p:ext>
-    </p:extLst>
-  </p:cSld>
-  <p:clrMapOvr>
-    <a:masterClrMapping/>
-  </p:clrMapOvr>
-</p:sld>
-</file>
-
-<file path=ppt/slides/slide9.xml><?xml version="1.0" encoding="utf-8"?>
-<p:sld xmlns:a="http://schemas.openxmlformats.org/drawingml/2006/main" xmlns:r="http://schemas.openxmlformats.org/officeDocument/2006/relationships" xmlns:p="http://schemas.openxmlformats.org/presentationml/2006/main">
-  <p:cSld>
-    <p:spTree>
-      <p:nvGrpSpPr>
-        <p:cNvPr id="1" name=""/>
-        <p:cNvGrpSpPr/>
-        <p:nvPr/>
-      </p:nvGrpSpPr>
-      <p:grpSpPr>
-        <a:xfrm>
-          <a:off x="0" y="0"/>
-          <a:ext cx="0" cy="0"/>
-          <a:chOff x="0" y="0"/>
-          <a:chExt cx="0" cy="0"/>
-        </a:xfrm>
-      </p:grpSpPr>
-      <p:sp>
-        <p:nvSpPr>
-          <p:cNvPr id="2" name="Title 1">
-            <a:extLst>
-              <a:ext uri="{FF2B5EF4-FFF2-40B4-BE49-F238E27FC236}">
-                <a16:creationId xmlns:a16="http://schemas.microsoft.com/office/drawing/2014/main" id="{0612A5F4-9E40-49C4-A477-937FB604B4C5}"/>
-              </a:ext>
-            </a:extLst>
-          </p:cNvPr>
-          <p:cNvSpPr>
-            <a:spLocks noGrp="1"/>
-          </p:cNvSpPr>
-          <p:nvPr>
-            <p:ph type="title"/>
-          </p:nvPr>
-        </p:nvSpPr>
-        <p:spPr>
-          <a:xfrm>
-            <a:off x="1141412" y="618518"/>
-            <a:ext cx="10402887" cy="1478570"/>
-          </a:xfrm>
-        </p:spPr>
-        <p:txBody>
-          <a:bodyPr>
-            <a:normAutofit/>
-          </a:bodyPr>
-          <a:lstStyle/>
-          <a:p>
-            <a:r>
-              <a:rPr lang="en-US" sz="3600" cap="none" dirty="0">
-                <a:latin typeface="Arial Rounded MT Bold" panose="020F0704030504030204" pitchFamily="34" charset="0"/>
-              </a:rPr>
-              <a:t>1. Other languages don’t need many patterns</a:t>
-            </a:r>
-            <a:endParaRPr lang="en-GB" sz="3600" cap="none" dirty="0">
-              <a:latin typeface="Arial Rounded MT Bold" panose="020F0704030504030204" pitchFamily="34" charset="0"/>
-            </a:endParaRPr>
-          </a:p>
-        </p:txBody>
-      </p:sp>
-      <p:sp>
-        <p:nvSpPr>
-          <p:cNvPr id="3" name="Content Placeholder 2">
-            <a:extLst>
-              <a:ext uri="{FF2B5EF4-FFF2-40B4-BE49-F238E27FC236}">
-                <a16:creationId xmlns:a16="http://schemas.microsoft.com/office/drawing/2014/main" id="{79D2CB8C-4955-4B6C-95DF-A2C3E29BB29C}"/>
-              </a:ext>
-            </a:extLst>
-          </p:cNvPr>
-          <p:cNvSpPr>
-            <a:spLocks noGrp="1"/>
-          </p:cNvSpPr>
-          <p:nvPr>
-            <p:ph idx="1"/>
-          </p:nvPr>
-        </p:nvSpPr>
-        <p:spPr>
-          <a:xfrm>
-            <a:off x="790529" y="2827456"/>
-            <a:ext cx="10607765" cy="2382899"/>
-          </a:xfrm>
-        </p:spPr>
-        <p:txBody>
-          <a:bodyPr>
-            <a:normAutofit/>
-          </a:bodyPr>
-          <a:lstStyle/>
-          <a:p>
-            <a:pPr>
-              <a:lnSpc>
-                <a:spcPct val="115000"/>
-              </a:lnSpc>
-              <a:spcBef>
-                <a:spcPts val="500"/>
-              </a:spcBef>
-              <a:spcAft>
-                <a:spcPts val="500"/>
-              </a:spcAft>
-            </a:pPr>
-            <a:r>
-              <a:rPr lang="en-GB" sz="3200" dirty="0">
-                <a:effectLst/>
-                <a:latin typeface="Arial Rounded MT Bold" panose="020F0704030504030204" pitchFamily="34" charset="0"/>
-                <a:ea typeface="Calibri" panose="020F0502020204030204" pitchFamily="34" charset="0"/>
-                <a:cs typeface="Times New Roman" panose="02020603050405020304" pitchFamily="18" charset="0"/>
-              </a:rPr>
-              <a:t>Different tools – different strengths.  </a:t>
-            </a:r>
-          </a:p>
-          <a:p>
-            <a:pPr>
-              <a:lnSpc>
-                <a:spcPct val="115000"/>
-              </a:lnSpc>
-              <a:spcBef>
-                <a:spcPts val="500"/>
-              </a:spcBef>
-              <a:spcAft>
-                <a:spcPts val="500"/>
-              </a:spcAft>
-            </a:pPr>
-            <a:r>
-              <a:rPr lang="en-GB" sz="3200" dirty="0">
-                <a:effectLst/>
-                <a:latin typeface="Arial Rounded MT Bold" panose="020F0704030504030204" pitchFamily="34" charset="0"/>
-                <a:ea typeface="Calibri" panose="020F0502020204030204" pitchFamily="34" charset="0"/>
-                <a:cs typeface="Times New Roman" panose="02020603050405020304" pitchFamily="18" charset="0"/>
-              </a:rPr>
-              <a:t>Other language paradigms have their own patterns (idioms).  Patterns still exist, just different patterns.</a:t>
-            </a:r>
-          </a:p>
-        </p:txBody>
-      </p:sp>
-    </p:spTree>
-    <p:extLst>
-      <p:ext uri="{BB962C8B-B14F-4D97-AF65-F5344CB8AC3E}">
-        <p14:creationId xmlns:p14="http://schemas.microsoft.com/office/powerpoint/2010/main" val="350359889"/>
       </p:ext>
     </p:extLst>
   </p:cSld>
